--- a/doc/Khoa_Luan_Tot_Nghiep.pptx
+++ b/doc/Khoa_Luan_Tot_Nghiep.pptx
@@ -5,7 +5,7 @@
     <p:sldMasterId id="2147483665" r:id="rId1"/>
   </p:sldMasterIdLst>
   <p:notesMasterIdLst>
-    <p:notesMasterId r:id="rId21"/>
+    <p:notesMasterId r:id="rId30"/>
   </p:notesMasterIdLst>
   <p:sldIdLst>
     <p:sldId id="256" r:id="rId2"/>
@@ -19,42 +19,51 @@
     <p:sldId id="278" r:id="rId10"/>
     <p:sldId id="273" r:id="rId11"/>
     <p:sldId id="303" r:id="rId12"/>
-    <p:sldId id="307" r:id="rId13"/>
-    <p:sldId id="274" r:id="rId14"/>
-    <p:sldId id="308" r:id="rId15"/>
-    <p:sldId id="300" r:id="rId16"/>
-    <p:sldId id="309" r:id="rId17"/>
-    <p:sldId id="310" r:id="rId18"/>
-    <p:sldId id="301" r:id="rId19"/>
-    <p:sldId id="271" r:id="rId20"/>
+    <p:sldId id="316" r:id="rId13"/>
+    <p:sldId id="317" r:id="rId14"/>
+    <p:sldId id="318" r:id="rId15"/>
+    <p:sldId id="320" r:id="rId16"/>
+    <p:sldId id="321" r:id="rId17"/>
+    <p:sldId id="307" r:id="rId18"/>
+    <p:sldId id="274" r:id="rId19"/>
+    <p:sldId id="311" r:id="rId20"/>
+    <p:sldId id="313" r:id="rId21"/>
+    <p:sldId id="312" r:id="rId22"/>
+    <p:sldId id="315" r:id="rId23"/>
+    <p:sldId id="308" r:id="rId24"/>
+    <p:sldId id="300" r:id="rId25"/>
+    <p:sldId id="309" r:id="rId26"/>
+    <p:sldId id="310" r:id="rId27"/>
+    <p:sldId id="301" r:id="rId28"/>
+    <p:sldId id="271" r:id="rId29"/>
   </p:sldIdLst>
   <p:sldSz cx="12192000" cy="6858000"/>
   <p:notesSz cx="6858000" cy="9144000"/>
   <p:embeddedFontLst>
     <p:embeddedFont>
       <p:font typeface="Abril Fatface" panose="02000503000000020003" pitchFamily="2" charset="0"/>
-      <p:regular r:id="rId22"/>
+      <p:regular r:id="rId31"/>
     </p:embeddedFont>
     <p:embeddedFont>
       <p:font typeface="Bitter" panose="020B0604020202020204" charset="0"/>
-      <p:regular r:id="rId23"/>
-      <p:bold r:id="rId24"/>
-      <p:italic r:id="rId25"/>
-      <p:boldItalic r:id="rId26"/>
+      <p:regular r:id="rId32"/>
+      <p:bold r:id="rId33"/>
+      <p:italic r:id="rId34"/>
+      <p:boldItalic r:id="rId35"/>
     </p:embeddedFont>
     <p:embeddedFont>
       <p:font typeface="Bitter SemiBold" panose="020B0604020202020204" charset="0"/>
-      <p:regular r:id="rId27"/>
-      <p:bold r:id="rId28"/>
-      <p:italic r:id="rId29"/>
-      <p:boldItalic r:id="rId30"/>
+      <p:regular r:id="rId36"/>
+      <p:bold r:id="rId37"/>
+      <p:italic r:id="rId38"/>
+      <p:boldItalic r:id="rId39"/>
     </p:embeddedFont>
     <p:embeddedFont>
       <p:font typeface="Ubuntu" panose="020B0504030602030204" pitchFamily="34" charset="0"/>
-      <p:regular r:id="rId31"/>
-      <p:bold r:id="rId32"/>
-      <p:italic r:id="rId33"/>
-      <p:boldItalic r:id="rId34"/>
+      <p:regular r:id="rId40"/>
+      <p:bold r:id="rId41"/>
+      <p:italic r:id="rId42"/>
+      <p:boldItalic r:id="rId43"/>
     </p:embeddedFont>
   </p:embeddedFontLst>
   <p:defaultTextStyle>
@@ -1177,6 +1186,551 @@
     </p:spTree>
     <p:extLst>
       <p:ext uri="{BB962C8B-B14F-4D97-AF65-F5344CB8AC3E}">
+        <p14:creationId xmlns:p14="http://schemas.microsoft.com/office/powerpoint/2010/main" val="1396569036"/>
+      </p:ext>
+    </p:extLst>
+  </p:cSld>
+  <p:clrMapOvr>
+    <a:masterClrMapping/>
+  </p:clrMapOvr>
+</p:notes>
+</file>
+
+<file path=ppt/notesSlides/notesSlide13.xml><?xml version="1.0" encoding="utf-8"?>
+<p:notes xmlns:a="http://schemas.openxmlformats.org/drawingml/2006/main" xmlns:r="http://schemas.openxmlformats.org/officeDocument/2006/relationships" xmlns:p="http://schemas.openxmlformats.org/presentationml/2006/main" showMasterSp="0" showMasterPhAnim="0">
+  <p:cSld>
+    <p:spTree>
+      <p:nvGrpSpPr>
+        <p:cNvPr id="1" name="Shape 366"/>
+        <p:cNvGrpSpPr/>
+        <p:nvPr/>
+      </p:nvGrpSpPr>
+      <p:grpSpPr>
+        <a:xfrm>
+          <a:off x="0" y="0"/>
+          <a:ext cx="0" cy="0"/>
+          <a:chOff x="0" y="0"/>
+          <a:chExt cx="0" cy="0"/>
+        </a:xfrm>
+      </p:grpSpPr>
+      <p:sp>
+        <p:nvSpPr>
+          <p:cNvPr id="367" name="Google Shape;367;ga073618e60_0_26:notes"/>
+          <p:cNvSpPr>
+            <a:spLocks noGrp="1" noRot="1" noChangeAspect="1"/>
+          </p:cNvSpPr>
+          <p:nvPr>
+            <p:ph type="sldImg" idx="2"/>
+          </p:nvPr>
+        </p:nvSpPr>
+        <p:spPr>
+          <a:xfrm>
+            <a:off x="381000" y="685800"/>
+            <a:ext cx="6096000" cy="3429000"/>
+          </a:xfrm>
+          <a:custGeom>
+            <a:avLst/>
+            <a:gdLst/>
+            <a:ahLst/>
+            <a:cxnLst/>
+            <a:rect l="l" t="t" r="r" b="b"/>
+            <a:pathLst>
+              <a:path w="120000" h="120000" extrusionOk="0">
+                <a:moveTo>
+                  <a:pt x="0" y="0"/>
+                </a:moveTo>
+                <a:lnTo>
+                  <a:pt x="120000" y="0"/>
+                </a:lnTo>
+                <a:lnTo>
+                  <a:pt x="120000" y="120000"/>
+                </a:lnTo>
+                <a:lnTo>
+                  <a:pt x="0" y="120000"/>
+                </a:lnTo>
+                <a:close/>
+              </a:path>
+            </a:pathLst>
+          </a:custGeom>
+        </p:spPr>
+      </p:sp>
+      <p:sp>
+        <p:nvSpPr>
+          <p:cNvPr id="368" name="Google Shape;368;ga073618e60_0_26:notes"/>
+          <p:cNvSpPr txBox="1">
+            <a:spLocks noGrp="1"/>
+          </p:cNvSpPr>
+          <p:nvPr>
+            <p:ph type="body" idx="1"/>
+          </p:nvPr>
+        </p:nvSpPr>
+        <p:spPr>
+          <a:xfrm>
+            <a:off x="685800" y="4343400"/>
+            <a:ext cx="5486400" cy="4114800"/>
+          </a:xfrm>
+          <a:prstGeom prst="rect">
+            <a:avLst/>
+          </a:prstGeom>
+        </p:spPr>
+        <p:txBody>
+          <a:bodyPr spcFirstLastPara="1" wrap="square" lIns="91425" tIns="91425" rIns="91425" bIns="91425" anchor="t" anchorCtr="0">
+            <a:noAutofit/>
+          </a:bodyPr>
+          <a:lstStyle/>
+          <a:p>
+            <a:pPr marL="0" lvl="0" indent="0" algn="l" rtl="0">
+              <a:spcBef>
+                <a:spcPts val="0"/>
+              </a:spcBef>
+              <a:spcAft>
+                <a:spcPts val="0"/>
+              </a:spcAft>
+              <a:buNone/>
+            </a:pPr>
+            <a:endParaRPr/>
+          </a:p>
+        </p:txBody>
+      </p:sp>
+    </p:spTree>
+    <p:extLst>
+      <p:ext uri="{BB962C8B-B14F-4D97-AF65-F5344CB8AC3E}">
+        <p14:creationId xmlns:p14="http://schemas.microsoft.com/office/powerpoint/2010/main" val="828955465"/>
+      </p:ext>
+    </p:extLst>
+  </p:cSld>
+  <p:clrMapOvr>
+    <a:masterClrMapping/>
+  </p:clrMapOvr>
+</p:notes>
+</file>
+
+<file path=ppt/notesSlides/notesSlide14.xml><?xml version="1.0" encoding="utf-8"?>
+<p:notes xmlns:a="http://schemas.openxmlformats.org/drawingml/2006/main" xmlns:r="http://schemas.openxmlformats.org/officeDocument/2006/relationships" xmlns:p="http://schemas.openxmlformats.org/presentationml/2006/main" showMasterSp="0" showMasterPhAnim="0">
+  <p:cSld>
+    <p:spTree>
+      <p:nvGrpSpPr>
+        <p:cNvPr id="1" name="Shape 366"/>
+        <p:cNvGrpSpPr/>
+        <p:nvPr/>
+      </p:nvGrpSpPr>
+      <p:grpSpPr>
+        <a:xfrm>
+          <a:off x="0" y="0"/>
+          <a:ext cx="0" cy="0"/>
+          <a:chOff x="0" y="0"/>
+          <a:chExt cx="0" cy="0"/>
+        </a:xfrm>
+      </p:grpSpPr>
+      <p:sp>
+        <p:nvSpPr>
+          <p:cNvPr id="367" name="Google Shape;367;ga073618e60_0_26:notes"/>
+          <p:cNvSpPr>
+            <a:spLocks noGrp="1" noRot="1" noChangeAspect="1"/>
+          </p:cNvSpPr>
+          <p:nvPr>
+            <p:ph type="sldImg" idx="2"/>
+          </p:nvPr>
+        </p:nvSpPr>
+        <p:spPr>
+          <a:xfrm>
+            <a:off x="381000" y="685800"/>
+            <a:ext cx="6096000" cy="3429000"/>
+          </a:xfrm>
+          <a:custGeom>
+            <a:avLst/>
+            <a:gdLst/>
+            <a:ahLst/>
+            <a:cxnLst/>
+            <a:rect l="l" t="t" r="r" b="b"/>
+            <a:pathLst>
+              <a:path w="120000" h="120000" extrusionOk="0">
+                <a:moveTo>
+                  <a:pt x="0" y="0"/>
+                </a:moveTo>
+                <a:lnTo>
+                  <a:pt x="120000" y="0"/>
+                </a:lnTo>
+                <a:lnTo>
+                  <a:pt x="120000" y="120000"/>
+                </a:lnTo>
+                <a:lnTo>
+                  <a:pt x="0" y="120000"/>
+                </a:lnTo>
+                <a:close/>
+              </a:path>
+            </a:pathLst>
+          </a:custGeom>
+        </p:spPr>
+      </p:sp>
+      <p:sp>
+        <p:nvSpPr>
+          <p:cNvPr id="368" name="Google Shape;368;ga073618e60_0_26:notes"/>
+          <p:cNvSpPr txBox="1">
+            <a:spLocks noGrp="1"/>
+          </p:cNvSpPr>
+          <p:nvPr>
+            <p:ph type="body" idx="1"/>
+          </p:nvPr>
+        </p:nvSpPr>
+        <p:spPr>
+          <a:xfrm>
+            <a:off x="685800" y="4343400"/>
+            <a:ext cx="5486400" cy="4114800"/>
+          </a:xfrm>
+          <a:prstGeom prst="rect">
+            <a:avLst/>
+          </a:prstGeom>
+        </p:spPr>
+        <p:txBody>
+          <a:bodyPr spcFirstLastPara="1" wrap="square" lIns="91425" tIns="91425" rIns="91425" bIns="91425" anchor="t" anchorCtr="0">
+            <a:noAutofit/>
+          </a:bodyPr>
+          <a:lstStyle/>
+          <a:p>
+            <a:pPr marL="0" lvl="0" indent="0" algn="l" rtl="0">
+              <a:spcBef>
+                <a:spcPts val="0"/>
+              </a:spcBef>
+              <a:spcAft>
+                <a:spcPts val="0"/>
+              </a:spcAft>
+              <a:buNone/>
+            </a:pPr>
+            <a:endParaRPr/>
+          </a:p>
+        </p:txBody>
+      </p:sp>
+    </p:spTree>
+    <p:extLst>
+      <p:ext uri="{BB962C8B-B14F-4D97-AF65-F5344CB8AC3E}">
+        <p14:creationId xmlns:p14="http://schemas.microsoft.com/office/powerpoint/2010/main" val="69925974"/>
+      </p:ext>
+    </p:extLst>
+  </p:cSld>
+  <p:clrMapOvr>
+    <a:masterClrMapping/>
+  </p:clrMapOvr>
+</p:notes>
+</file>
+
+<file path=ppt/notesSlides/notesSlide15.xml><?xml version="1.0" encoding="utf-8"?>
+<p:notes xmlns:a="http://schemas.openxmlformats.org/drawingml/2006/main" xmlns:r="http://schemas.openxmlformats.org/officeDocument/2006/relationships" xmlns:p="http://schemas.openxmlformats.org/presentationml/2006/main" showMasterSp="0" showMasterPhAnim="0">
+  <p:cSld>
+    <p:spTree>
+      <p:nvGrpSpPr>
+        <p:cNvPr id="1" name="Shape 366"/>
+        <p:cNvGrpSpPr/>
+        <p:nvPr/>
+      </p:nvGrpSpPr>
+      <p:grpSpPr>
+        <a:xfrm>
+          <a:off x="0" y="0"/>
+          <a:ext cx="0" cy="0"/>
+          <a:chOff x="0" y="0"/>
+          <a:chExt cx="0" cy="0"/>
+        </a:xfrm>
+      </p:grpSpPr>
+      <p:sp>
+        <p:nvSpPr>
+          <p:cNvPr id="367" name="Google Shape;367;ga073618e60_0_26:notes"/>
+          <p:cNvSpPr>
+            <a:spLocks noGrp="1" noRot="1" noChangeAspect="1"/>
+          </p:cNvSpPr>
+          <p:nvPr>
+            <p:ph type="sldImg" idx="2"/>
+          </p:nvPr>
+        </p:nvSpPr>
+        <p:spPr>
+          <a:xfrm>
+            <a:off x="381000" y="685800"/>
+            <a:ext cx="6096000" cy="3429000"/>
+          </a:xfrm>
+          <a:custGeom>
+            <a:avLst/>
+            <a:gdLst/>
+            <a:ahLst/>
+            <a:cxnLst/>
+            <a:rect l="l" t="t" r="r" b="b"/>
+            <a:pathLst>
+              <a:path w="120000" h="120000" extrusionOk="0">
+                <a:moveTo>
+                  <a:pt x="0" y="0"/>
+                </a:moveTo>
+                <a:lnTo>
+                  <a:pt x="120000" y="0"/>
+                </a:lnTo>
+                <a:lnTo>
+                  <a:pt x="120000" y="120000"/>
+                </a:lnTo>
+                <a:lnTo>
+                  <a:pt x="0" y="120000"/>
+                </a:lnTo>
+                <a:close/>
+              </a:path>
+            </a:pathLst>
+          </a:custGeom>
+        </p:spPr>
+      </p:sp>
+      <p:sp>
+        <p:nvSpPr>
+          <p:cNvPr id="368" name="Google Shape;368;ga073618e60_0_26:notes"/>
+          <p:cNvSpPr txBox="1">
+            <a:spLocks noGrp="1"/>
+          </p:cNvSpPr>
+          <p:nvPr>
+            <p:ph type="body" idx="1"/>
+          </p:nvPr>
+        </p:nvSpPr>
+        <p:spPr>
+          <a:xfrm>
+            <a:off x="685800" y="4343400"/>
+            <a:ext cx="5486400" cy="4114800"/>
+          </a:xfrm>
+          <a:prstGeom prst="rect">
+            <a:avLst/>
+          </a:prstGeom>
+        </p:spPr>
+        <p:txBody>
+          <a:bodyPr spcFirstLastPara="1" wrap="square" lIns="91425" tIns="91425" rIns="91425" bIns="91425" anchor="t" anchorCtr="0">
+            <a:noAutofit/>
+          </a:bodyPr>
+          <a:lstStyle/>
+          <a:p>
+            <a:pPr marL="0" lvl="0" indent="0" algn="l" rtl="0">
+              <a:spcBef>
+                <a:spcPts val="0"/>
+              </a:spcBef>
+              <a:spcAft>
+                <a:spcPts val="0"/>
+              </a:spcAft>
+              <a:buNone/>
+            </a:pPr>
+            <a:endParaRPr/>
+          </a:p>
+        </p:txBody>
+      </p:sp>
+    </p:spTree>
+    <p:extLst>
+      <p:ext uri="{BB962C8B-B14F-4D97-AF65-F5344CB8AC3E}">
+        <p14:creationId xmlns:p14="http://schemas.microsoft.com/office/powerpoint/2010/main" val="1372110619"/>
+      </p:ext>
+    </p:extLst>
+  </p:cSld>
+  <p:clrMapOvr>
+    <a:masterClrMapping/>
+  </p:clrMapOvr>
+</p:notes>
+</file>
+
+<file path=ppt/notesSlides/notesSlide16.xml><?xml version="1.0" encoding="utf-8"?>
+<p:notes xmlns:a="http://schemas.openxmlformats.org/drawingml/2006/main" xmlns:r="http://schemas.openxmlformats.org/officeDocument/2006/relationships" xmlns:p="http://schemas.openxmlformats.org/presentationml/2006/main" showMasterSp="0" showMasterPhAnim="0">
+  <p:cSld>
+    <p:spTree>
+      <p:nvGrpSpPr>
+        <p:cNvPr id="1" name="Shape 366"/>
+        <p:cNvGrpSpPr/>
+        <p:nvPr/>
+      </p:nvGrpSpPr>
+      <p:grpSpPr>
+        <a:xfrm>
+          <a:off x="0" y="0"/>
+          <a:ext cx="0" cy="0"/>
+          <a:chOff x="0" y="0"/>
+          <a:chExt cx="0" cy="0"/>
+        </a:xfrm>
+      </p:grpSpPr>
+      <p:sp>
+        <p:nvSpPr>
+          <p:cNvPr id="367" name="Google Shape;367;ga073618e60_0_26:notes"/>
+          <p:cNvSpPr>
+            <a:spLocks noGrp="1" noRot="1" noChangeAspect="1"/>
+          </p:cNvSpPr>
+          <p:nvPr>
+            <p:ph type="sldImg" idx="2"/>
+          </p:nvPr>
+        </p:nvSpPr>
+        <p:spPr>
+          <a:xfrm>
+            <a:off x="381000" y="685800"/>
+            <a:ext cx="6096000" cy="3429000"/>
+          </a:xfrm>
+          <a:custGeom>
+            <a:avLst/>
+            <a:gdLst/>
+            <a:ahLst/>
+            <a:cxnLst/>
+            <a:rect l="l" t="t" r="r" b="b"/>
+            <a:pathLst>
+              <a:path w="120000" h="120000" extrusionOk="0">
+                <a:moveTo>
+                  <a:pt x="0" y="0"/>
+                </a:moveTo>
+                <a:lnTo>
+                  <a:pt x="120000" y="0"/>
+                </a:lnTo>
+                <a:lnTo>
+                  <a:pt x="120000" y="120000"/>
+                </a:lnTo>
+                <a:lnTo>
+                  <a:pt x="0" y="120000"/>
+                </a:lnTo>
+                <a:close/>
+              </a:path>
+            </a:pathLst>
+          </a:custGeom>
+        </p:spPr>
+      </p:sp>
+      <p:sp>
+        <p:nvSpPr>
+          <p:cNvPr id="368" name="Google Shape;368;ga073618e60_0_26:notes"/>
+          <p:cNvSpPr txBox="1">
+            <a:spLocks noGrp="1"/>
+          </p:cNvSpPr>
+          <p:nvPr>
+            <p:ph type="body" idx="1"/>
+          </p:nvPr>
+        </p:nvSpPr>
+        <p:spPr>
+          <a:xfrm>
+            <a:off x="685800" y="4343400"/>
+            <a:ext cx="5486400" cy="4114800"/>
+          </a:xfrm>
+          <a:prstGeom prst="rect">
+            <a:avLst/>
+          </a:prstGeom>
+        </p:spPr>
+        <p:txBody>
+          <a:bodyPr spcFirstLastPara="1" wrap="square" lIns="91425" tIns="91425" rIns="91425" bIns="91425" anchor="t" anchorCtr="0">
+            <a:noAutofit/>
+          </a:bodyPr>
+          <a:lstStyle/>
+          <a:p>
+            <a:pPr marL="0" lvl="0" indent="0" algn="l" rtl="0">
+              <a:spcBef>
+                <a:spcPts val="0"/>
+              </a:spcBef>
+              <a:spcAft>
+                <a:spcPts val="0"/>
+              </a:spcAft>
+              <a:buNone/>
+            </a:pPr>
+            <a:endParaRPr/>
+          </a:p>
+        </p:txBody>
+      </p:sp>
+    </p:spTree>
+    <p:extLst>
+      <p:ext uri="{BB962C8B-B14F-4D97-AF65-F5344CB8AC3E}">
+        <p14:creationId xmlns:p14="http://schemas.microsoft.com/office/powerpoint/2010/main" val="731128163"/>
+      </p:ext>
+    </p:extLst>
+  </p:cSld>
+  <p:clrMapOvr>
+    <a:masterClrMapping/>
+  </p:clrMapOvr>
+</p:notes>
+</file>
+
+<file path=ppt/notesSlides/notesSlide17.xml><?xml version="1.0" encoding="utf-8"?>
+<p:notes xmlns:a="http://schemas.openxmlformats.org/drawingml/2006/main" xmlns:r="http://schemas.openxmlformats.org/officeDocument/2006/relationships" xmlns:p="http://schemas.openxmlformats.org/presentationml/2006/main" showMasterSp="0" showMasterPhAnim="0">
+  <p:cSld>
+    <p:spTree>
+      <p:nvGrpSpPr>
+        <p:cNvPr id="1" name="Shape 366"/>
+        <p:cNvGrpSpPr/>
+        <p:nvPr/>
+      </p:nvGrpSpPr>
+      <p:grpSpPr>
+        <a:xfrm>
+          <a:off x="0" y="0"/>
+          <a:ext cx="0" cy="0"/>
+          <a:chOff x="0" y="0"/>
+          <a:chExt cx="0" cy="0"/>
+        </a:xfrm>
+      </p:grpSpPr>
+      <p:sp>
+        <p:nvSpPr>
+          <p:cNvPr id="367" name="Google Shape;367;ga073618e60_0_26:notes"/>
+          <p:cNvSpPr>
+            <a:spLocks noGrp="1" noRot="1" noChangeAspect="1"/>
+          </p:cNvSpPr>
+          <p:nvPr>
+            <p:ph type="sldImg" idx="2"/>
+          </p:nvPr>
+        </p:nvSpPr>
+        <p:spPr>
+          <a:xfrm>
+            <a:off x="381000" y="685800"/>
+            <a:ext cx="6096000" cy="3429000"/>
+          </a:xfrm>
+          <a:custGeom>
+            <a:avLst/>
+            <a:gdLst/>
+            <a:ahLst/>
+            <a:cxnLst/>
+            <a:rect l="l" t="t" r="r" b="b"/>
+            <a:pathLst>
+              <a:path w="120000" h="120000" extrusionOk="0">
+                <a:moveTo>
+                  <a:pt x="0" y="0"/>
+                </a:moveTo>
+                <a:lnTo>
+                  <a:pt x="120000" y="0"/>
+                </a:lnTo>
+                <a:lnTo>
+                  <a:pt x="120000" y="120000"/>
+                </a:lnTo>
+                <a:lnTo>
+                  <a:pt x="0" y="120000"/>
+                </a:lnTo>
+                <a:close/>
+              </a:path>
+            </a:pathLst>
+          </a:custGeom>
+        </p:spPr>
+      </p:sp>
+      <p:sp>
+        <p:nvSpPr>
+          <p:cNvPr id="368" name="Google Shape;368;ga073618e60_0_26:notes"/>
+          <p:cNvSpPr txBox="1">
+            <a:spLocks noGrp="1"/>
+          </p:cNvSpPr>
+          <p:nvPr>
+            <p:ph type="body" idx="1"/>
+          </p:nvPr>
+        </p:nvSpPr>
+        <p:spPr>
+          <a:xfrm>
+            <a:off x="685800" y="4343400"/>
+            <a:ext cx="5486400" cy="4114800"/>
+          </a:xfrm>
+          <a:prstGeom prst="rect">
+            <a:avLst/>
+          </a:prstGeom>
+        </p:spPr>
+        <p:txBody>
+          <a:bodyPr spcFirstLastPara="1" wrap="square" lIns="91425" tIns="91425" rIns="91425" bIns="91425" anchor="t" anchorCtr="0">
+            <a:noAutofit/>
+          </a:bodyPr>
+          <a:lstStyle/>
+          <a:p>
+            <a:pPr marL="0" lvl="0" indent="0" algn="l" rtl="0">
+              <a:spcBef>
+                <a:spcPts val="0"/>
+              </a:spcBef>
+              <a:spcAft>
+                <a:spcPts val="0"/>
+              </a:spcAft>
+              <a:buNone/>
+            </a:pPr>
+            <a:endParaRPr/>
+          </a:p>
+        </p:txBody>
+      </p:sp>
+    </p:spTree>
+    <p:extLst>
+      <p:ext uri="{BB962C8B-B14F-4D97-AF65-F5344CB8AC3E}">
         <p14:creationId xmlns:p14="http://schemas.microsoft.com/office/powerpoint/2010/main" val="2547446918"/>
       </p:ext>
     </p:extLst>
@@ -1187,7 +1741,7 @@
 </p:notes>
 </file>
 
-<file path=ppt/notesSlides/notesSlide13.xml><?xml version="1.0" encoding="utf-8"?>
+<file path=ppt/notesSlides/notesSlide18.xml><?xml version="1.0" encoding="utf-8"?>
 <p:notes xmlns:a="http://schemas.openxmlformats.org/drawingml/2006/main" xmlns:r="http://schemas.openxmlformats.org/officeDocument/2006/relationships" xmlns:p="http://schemas.openxmlformats.org/presentationml/2006/main" showMasterSp="0" showMasterPhAnim="0">
   <p:cSld>
     <p:spTree>
@@ -1296,116 +1850,7 @@
 </p:notes>
 </file>
 
-<file path=ppt/notesSlides/notesSlide14.xml><?xml version="1.0" encoding="utf-8"?>
-<p:notes xmlns:a="http://schemas.openxmlformats.org/drawingml/2006/main" xmlns:r="http://schemas.openxmlformats.org/officeDocument/2006/relationships" xmlns:p="http://schemas.openxmlformats.org/presentationml/2006/main" showMasterSp="0" showMasterPhAnim="0">
-  <p:cSld>
-    <p:spTree>
-      <p:nvGrpSpPr>
-        <p:cNvPr id="1" name="Shape 401"/>
-        <p:cNvGrpSpPr/>
-        <p:nvPr/>
-      </p:nvGrpSpPr>
-      <p:grpSpPr>
-        <a:xfrm>
-          <a:off x="0" y="0"/>
-          <a:ext cx="0" cy="0"/>
-          <a:chOff x="0" y="0"/>
-          <a:chExt cx="0" cy="0"/>
-        </a:xfrm>
-      </p:grpSpPr>
-      <p:sp>
-        <p:nvSpPr>
-          <p:cNvPr id="402" name="Google Shape;402;ga073618e60_0_31:notes"/>
-          <p:cNvSpPr>
-            <a:spLocks noGrp="1" noRot="1" noChangeAspect="1"/>
-          </p:cNvSpPr>
-          <p:nvPr>
-            <p:ph type="sldImg" idx="2"/>
-          </p:nvPr>
-        </p:nvSpPr>
-        <p:spPr>
-          <a:xfrm>
-            <a:off x="381000" y="685800"/>
-            <a:ext cx="6096000" cy="3429000"/>
-          </a:xfrm>
-          <a:custGeom>
-            <a:avLst/>
-            <a:gdLst/>
-            <a:ahLst/>
-            <a:cxnLst/>
-            <a:rect l="l" t="t" r="r" b="b"/>
-            <a:pathLst>
-              <a:path w="120000" h="120000" extrusionOk="0">
-                <a:moveTo>
-                  <a:pt x="0" y="0"/>
-                </a:moveTo>
-                <a:lnTo>
-                  <a:pt x="120000" y="0"/>
-                </a:lnTo>
-                <a:lnTo>
-                  <a:pt x="120000" y="120000"/>
-                </a:lnTo>
-                <a:lnTo>
-                  <a:pt x="0" y="120000"/>
-                </a:lnTo>
-                <a:close/>
-              </a:path>
-            </a:pathLst>
-          </a:custGeom>
-        </p:spPr>
-      </p:sp>
-      <p:sp>
-        <p:nvSpPr>
-          <p:cNvPr id="403" name="Google Shape;403;ga073618e60_0_31:notes"/>
-          <p:cNvSpPr txBox="1">
-            <a:spLocks noGrp="1"/>
-          </p:cNvSpPr>
-          <p:nvPr>
-            <p:ph type="body" idx="1"/>
-          </p:nvPr>
-        </p:nvSpPr>
-        <p:spPr>
-          <a:xfrm>
-            <a:off x="685800" y="4343400"/>
-            <a:ext cx="5486400" cy="4114800"/>
-          </a:xfrm>
-          <a:prstGeom prst="rect">
-            <a:avLst/>
-          </a:prstGeom>
-        </p:spPr>
-        <p:txBody>
-          <a:bodyPr spcFirstLastPara="1" wrap="square" lIns="91425" tIns="91425" rIns="91425" bIns="91425" anchor="t" anchorCtr="0">
-            <a:noAutofit/>
-          </a:bodyPr>
-          <a:lstStyle/>
-          <a:p>
-            <a:pPr marL="0" lvl="0" indent="0" algn="l" rtl="0">
-              <a:spcBef>
-                <a:spcPts val="0"/>
-              </a:spcBef>
-              <a:spcAft>
-                <a:spcPts val="0"/>
-              </a:spcAft>
-              <a:buNone/>
-            </a:pPr>
-            <a:endParaRPr/>
-          </a:p>
-        </p:txBody>
-      </p:sp>
-    </p:spTree>
-    <p:extLst>
-      <p:ext uri="{BB962C8B-B14F-4D97-AF65-F5344CB8AC3E}">
-        <p14:creationId xmlns:p14="http://schemas.microsoft.com/office/powerpoint/2010/main" val="3477918133"/>
-      </p:ext>
-    </p:extLst>
-  </p:cSld>
-  <p:clrMapOvr>
-    <a:masterClrMapping/>
-  </p:clrMapOvr>
-</p:notes>
-</file>
-
-<file path=ppt/notesSlides/notesSlide15.xml><?xml version="1.0" encoding="utf-8"?>
+<file path=ppt/notesSlides/notesSlide19.xml><?xml version="1.0" encoding="utf-8"?>
 <p:notes xmlns:a="http://schemas.openxmlformats.org/drawingml/2006/main" xmlns:r="http://schemas.openxmlformats.org/officeDocument/2006/relationships" xmlns:p="http://schemas.openxmlformats.org/presentationml/2006/main" showMasterSp="0" showMasterPhAnim="0">
   <p:cSld>
     <p:spTree>
@@ -1504,443 +1949,7 @@
     </p:spTree>
     <p:extLst>
       <p:ext uri="{BB962C8B-B14F-4D97-AF65-F5344CB8AC3E}">
-        <p14:creationId xmlns:p14="http://schemas.microsoft.com/office/powerpoint/2010/main" val="2368523395"/>
-      </p:ext>
-    </p:extLst>
-  </p:cSld>
-  <p:clrMapOvr>
-    <a:masterClrMapping/>
-  </p:clrMapOvr>
-</p:notes>
-</file>
-
-<file path=ppt/notesSlides/notesSlide16.xml><?xml version="1.0" encoding="utf-8"?>
-<p:notes xmlns:a="http://schemas.openxmlformats.org/drawingml/2006/main" xmlns:r="http://schemas.openxmlformats.org/officeDocument/2006/relationships" xmlns:p="http://schemas.openxmlformats.org/presentationml/2006/main" showMasterSp="0" showMasterPhAnim="0">
-  <p:cSld>
-    <p:spTree>
-      <p:nvGrpSpPr>
-        <p:cNvPr id="1" name="Shape 408"/>
-        <p:cNvGrpSpPr/>
-        <p:nvPr/>
-      </p:nvGrpSpPr>
-      <p:grpSpPr>
-        <a:xfrm>
-          <a:off x="0" y="0"/>
-          <a:ext cx="0" cy="0"/>
-          <a:chOff x="0" y="0"/>
-          <a:chExt cx="0" cy="0"/>
-        </a:xfrm>
-      </p:grpSpPr>
-      <p:sp>
-        <p:nvSpPr>
-          <p:cNvPr id="409" name="Google Shape;409;ga073618e60_0_63:notes"/>
-          <p:cNvSpPr>
-            <a:spLocks noGrp="1" noRot="1" noChangeAspect="1"/>
-          </p:cNvSpPr>
-          <p:nvPr>
-            <p:ph type="sldImg" idx="2"/>
-          </p:nvPr>
-        </p:nvSpPr>
-        <p:spPr>
-          <a:xfrm>
-            <a:off x="381000" y="685800"/>
-            <a:ext cx="6096000" cy="3429000"/>
-          </a:xfrm>
-          <a:custGeom>
-            <a:avLst/>
-            <a:gdLst/>
-            <a:ahLst/>
-            <a:cxnLst/>
-            <a:rect l="l" t="t" r="r" b="b"/>
-            <a:pathLst>
-              <a:path w="120000" h="120000" extrusionOk="0">
-                <a:moveTo>
-                  <a:pt x="0" y="0"/>
-                </a:moveTo>
-                <a:lnTo>
-                  <a:pt x="120000" y="0"/>
-                </a:lnTo>
-                <a:lnTo>
-                  <a:pt x="120000" y="120000"/>
-                </a:lnTo>
-                <a:lnTo>
-                  <a:pt x="0" y="120000"/>
-                </a:lnTo>
-                <a:close/>
-              </a:path>
-            </a:pathLst>
-          </a:custGeom>
-        </p:spPr>
-      </p:sp>
-      <p:sp>
-        <p:nvSpPr>
-          <p:cNvPr id="410" name="Google Shape;410;ga073618e60_0_63:notes"/>
-          <p:cNvSpPr txBox="1">
-            <a:spLocks noGrp="1"/>
-          </p:cNvSpPr>
-          <p:nvPr>
-            <p:ph type="body" idx="1"/>
-          </p:nvPr>
-        </p:nvSpPr>
-        <p:spPr>
-          <a:xfrm>
-            <a:off x="685800" y="4343400"/>
-            <a:ext cx="5486400" cy="4114800"/>
-          </a:xfrm>
-          <a:prstGeom prst="rect">
-            <a:avLst/>
-          </a:prstGeom>
-        </p:spPr>
-        <p:txBody>
-          <a:bodyPr spcFirstLastPara="1" wrap="square" lIns="91425" tIns="91425" rIns="91425" bIns="91425" anchor="t" anchorCtr="0">
-            <a:noAutofit/>
-          </a:bodyPr>
-          <a:lstStyle/>
-          <a:p>
-            <a:pPr marL="0" lvl="0" indent="0" algn="l" rtl="0">
-              <a:spcBef>
-                <a:spcPts val="0"/>
-              </a:spcBef>
-              <a:spcAft>
-                <a:spcPts val="0"/>
-              </a:spcAft>
-              <a:buNone/>
-            </a:pPr>
-            <a:endParaRPr/>
-          </a:p>
-        </p:txBody>
-      </p:sp>
-    </p:spTree>
-    <p:extLst>
-      <p:ext uri="{BB962C8B-B14F-4D97-AF65-F5344CB8AC3E}">
-        <p14:creationId xmlns:p14="http://schemas.microsoft.com/office/powerpoint/2010/main" val="656914806"/>
-      </p:ext>
-    </p:extLst>
-  </p:cSld>
-  <p:clrMapOvr>
-    <a:masterClrMapping/>
-  </p:clrMapOvr>
-</p:notes>
-</file>
-
-<file path=ppt/notesSlides/notesSlide17.xml><?xml version="1.0" encoding="utf-8"?>
-<p:notes xmlns:a="http://schemas.openxmlformats.org/drawingml/2006/main" xmlns:r="http://schemas.openxmlformats.org/officeDocument/2006/relationships" xmlns:p="http://schemas.openxmlformats.org/presentationml/2006/main" showMasterSp="0" showMasterPhAnim="0">
-  <p:cSld>
-    <p:spTree>
-      <p:nvGrpSpPr>
-        <p:cNvPr id="1" name="Shape 408"/>
-        <p:cNvGrpSpPr/>
-        <p:nvPr/>
-      </p:nvGrpSpPr>
-      <p:grpSpPr>
-        <a:xfrm>
-          <a:off x="0" y="0"/>
-          <a:ext cx="0" cy="0"/>
-          <a:chOff x="0" y="0"/>
-          <a:chExt cx="0" cy="0"/>
-        </a:xfrm>
-      </p:grpSpPr>
-      <p:sp>
-        <p:nvSpPr>
-          <p:cNvPr id="409" name="Google Shape;409;ga073618e60_0_63:notes"/>
-          <p:cNvSpPr>
-            <a:spLocks noGrp="1" noRot="1" noChangeAspect="1"/>
-          </p:cNvSpPr>
-          <p:nvPr>
-            <p:ph type="sldImg" idx="2"/>
-          </p:nvPr>
-        </p:nvSpPr>
-        <p:spPr>
-          <a:xfrm>
-            <a:off x="381000" y="685800"/>
-            <a:ext cx="6096000" cy="3429000"/>
-          </a:xfrm>
-          <a:custGeom>
-            <a:avLst/>
-            <a:gdLst/>
-            <a:ahLst/>
-            <a:cxnLst/>
-            <a:rect l="l" t="t" r="r" b="b"/>
-            <a:pathLst>
-              <a:path w="120000" h="120000" extrusionOk="0">
-                <a:moveTo>
-                  <a:pt x="0" y="0"/>
-                </a:moveTo>
-                <a:lnTo>
-                  <a:pt x="120000" y="0"/>
-                </a:lnTo>
-                <a:lnTo>
-                  <a:pt x="120000" y="120000"/>
-                </a:lnTo>
-                <a:lnTo>
-                  <a:pt x="0" y="120000"/>
-                </a:lnTo>
-                <a:close/>
-              </a:path>
-            </a:pathLst>
-          </a:custGeom>
-        </p:spPr>
-      </p:sp>
-      <p:sp>
-        <p:nvSpPr>
-          <p:cNvPr id="410" name="Google Shape;410;ga073618e60_0_63:notes"/>
-          <p:cNvSpPr txBox="1">
-            <a:spLocks noGrp="1"/>
-          </p:cNvSpPr>
-          <p:nvPr>
-            <p:ph type="body" idx="1"/>
-          </p:nvPr>
-        </p:nvSpPr>
-        <p:spPr>
-          <a:xfrm>
-            <a:off x="685800" y="4343400"/>
-            <a:ext cx="5486400" cy="4114800"/>
-          </a:xfrm>
-          <a:prstGeom prst="rect">
-            <a:avLst/>
-          </a:prstGeom>
-        </p:spPr>
-        <p:txBody>
-          <a:bodyPr spcFirstLastPara="1" wrap="square" lIns="91425" tIns="91425" rIns="91425" bIns="91425" anchor="t" anchorCtr="0">
-            <a:noAutofit/>
-          </a:bodyPr>
-          <a:lstStyle/>
-          <a:p>
-            <a:pPr marL="0" lvl="0" indent="0" algn="l" rtl="0">
-              <a:spcBef>
-                <a:spcPts val="0"/>
-              </a:spcBef>
-              <a:spcAft>
-                <a:spcPts val="0"/>
-              </a:spcAft>
-              <a:buNone/>
-            </a:pPr>
-            <a:endParaRPr/>
-          </a:p>
-        </p:txBody>
-      </p:sp>
-    </p:spTree>
-    <p:extLst>
-      <p:ext uri="{BB962C8B-B14F-4D97-AF65-F5344CB8AC3E}">
-        <p14:creationId xmlns:p14="http://schemas.microsoft.com/office/powerpoint/2010/main" val="3228801786"/>
-      </p:ext>
-    </p:extLst>
-  </p:cSld>
-  <p:clrMapOvr>
-    <a:masterClrMapping/>
-  </p:clrMapOvr>
-</p:notes>
-</file>
-
-<file path=ppt/notesSlides/notesSlide18.xml><?xml version="1.0" encoding="utf-8"?>
-<p:notes xmlns:a="http://schemas.openxmlformats.org/drawingml/2006/main" xmlns:r="http://schemas.openxmlformats.org/officeDocument/2006/relationships" xmlns:p="http://schemas.openxmlformats.org/presentationml/2006/main" showMasterSp="0" showMasterPhAnim="0">
-  <p:cSld>
-    <p:spTree>
-      <p:nvGrpSpPr>
-        <p:cNvPr id="1" name="Shape 408"/>
-        <p:cNvGrpSpPr/>
-        <p:nvPr/>
-      </p:nvGrpSpPr>
-      <p:grpSpPr>
-        <a:xfrm>
-          <a:off x="0" y="0"/>
-          <a:ext cx="0" cy="0"/>
-          <a:chOff x="0" y="0"/>
-          <a:chExt cx="0" cy="0"/>
-        </a:xfrm>
-      </p:grpSpPr>
-      <p:sp>
-        <p:nvSpPr>
-          <p:cNvPr id="409" name="Google Shape;409;ga073618e60_0_63:notes"/>
-          <p:cNvSpPr>
-            <a:spLocks noGrp="1" noRot="1" noChangeAspect="1"/>
-          </p:cNvSpPr>
-          <p:nvPr>
-            <p:ph type="sldImg" idx="2"/>
-          </p:nvPr>
-        </p:nvSpPr>
-        <p:spPr>
-          <a:xfrm>
-            <a:off x="381000" y="685800"/>
-            <a:ext cx="6096000" cy="3429000"/>
-          </a:xfrm>
-          <a:custGeom>
-            <a:avLst/>
-            <a:gdLst/>
-            <a:ahLst/>
-            <a:cxnLst/>
-            <a:rect l="l" t="t" r="r" b="b"/>
-            <a:pathLst>
-              <a:path w="120000" h="120000" extrusionOk="0">
-                <a:moveTo>
-                  <a:pt x="0" y="0"/>
-                </a:moveTo>
-                <a:lnTo>
-                  <a:pt x="120000" y="0"/>
-                </a:lnTo>
-                <a:lnTo>
-                  <a:pt x="120000" y="120000"/>
-                </a:lnTo>
-                <a:lnTo>
-                  <a:pt x="0" y="120000"/>
-                </a:lnTo>
-                <a:close/>
-              </a:path>
-            </a:pathLst>
-          </a:custGeom>
-        </p:spPr>
-      </p:sp>
-      <p:sp>
-        <p:nvSpPr>
-          <p:cNvPr id="410" name="Google Shape;410;ga073618e60_0_63:notes"/>
-          <p:cNvSpPr txBox="1">
-            <a:spLocks noGrp="1"/>
-          </p:cNvSpPr>
-          <p:nvPr>
-            <p:ph type="body" idx="1"/>
-          </p:nvPr>
-        </p:nvSpPr>
-        <p:spPr>
-          <a:xfrm>
-            <a:off x="685800" y="4343400"/>
-            <a:ext cx="5486400" cy="4114800"/>
-          </a:xfrm>
-          <a:prstGeom prst="rect">
-            <a:avLst/>
-          </a:prstGeom>
-        </p:spPr>
-        <p:txBody>
-          <a:bodyPr spcFirstLastPara="1" wrap="square" lIns="91425" tIns="91425" rIns="91425" bIns="91425" anchor="t" anchorCtr="0">
-            <a:noAutofit/>
-          </a:bodyPr>
-          <a:lstStyle/>
-          <a:p>
-            <a:pPr marL="0" lvl="0" indent="0" algn="l" rtl="0">
-              <a:spcBef>
-                <a:spcPts val="0"/>
-              </a:spcBef>
-              <a:spcAft>
-                <a:spcPts val="0"/>
-              </a:spcAft>
-              <a:buNone/>
-            </a:pPr>
-            <a:endParaRPr/>
-          </a:p>
-        </p:txBody>
-      </p:sp>
-    </p:spTree>
-    <p:extLst>
-      <p:ext uri="{BB962C8B-B14F-4D97-AF65-F5344CB8AC3E}">
-        <p14:creationId xmlns:p14="http://schemas.microsoft.com/office/powerpoint/2010/main" val="1690378176"/>
-      </p:ext>
-    </p:extLst>
-  </p:cSld>
-  <p:clrMapOvr>
-    <a:masterClrMapping/>
-  </p:clrMapOvr>
-</p:notes>
-</file>
-
-<file path=ppt/notesSlides/notesSlide19.xml><?xml version="1.0" encoding="utf-8"?>
-<p:notes xmlns:a="http://schemas.openxmlformats.org/drawingml/2006/main" xmlns:r="http://schemas.openxmlformats.org/officeDocument/2006/relationships" xmlns:p="http://schemas.openxmlformats.org/presentationml/2006/main" showMasterSp="0" showMasterPhAnim="0">
-  <p:cSld>
-    <p:spTree>
-      <p:nvGrpSpPr>
-        <p:cNvPr id="1" name="Shape 625"/>
-        <p:cNvGrpSpPr/>
-        <p:nvPr/>
-      </p:nvGrpSpPr>
-      <p:grpSpPr>
-        <a:xfrm>
-          <a:off x="0" y="0"/>
-          <a:ext cx="0" cy="0"/>
-          <a:chOff x="0" y="0"/>
-          <a:chExt cx="0" cy="0"/>
-        </a:xfrm>
-      </p:grpSpPr>
-      <p:sp>
-        <p:nvSpPr>
-          <p:cNvPr id="626" name="Google Shape;626;ga073618e60_0_753:notes"/>
-          <p:cNvSpPr>
-            <a:spLocks noGrp="1" noRot="1" noChangeAspect="1"/>
-          </p:cNvSpPr>
-          <p:nvPr>
-            <p:ph type="sldImg" idx="2"/>
-          </p:nvPr>
-        </p:nvSpPr>
-        <p:spPr>
-          <a:xfrm>
-            <a:off x="381000" y="685800"/>
-            <a:ext cx="6096000" cy="3429000"/>
-          </a:xfrm>
-          <a:custGeom>
-            <a:avLst/>
-            <a:gdLst/>
-            <a:ahLst/>
-            <a:cxnLst/>
-            <a:rect l="l" t="t" r="r" b="b"/>
-            <a:pathLst>
-              <a:path w="120000" h="120000" extrusionOk="0">
-                <a:moveTo>
-                  <a:pt x="0" y="0"/>
-                </a:moveTo>
-                <a:lnTo>
-                  <a:pt x="120000" y="0"/>
-                </a:lnTo>
-                <a:lnTo>
-                  <a:pt x="120000" y="120000"/>
-                </a:lnTo>
-                <a:lnTo>
-                  <a:pt x="0" y="120000"/>
-                </a:lnTo>
-                <a:close/>
-              </a:path>
-            </a:pathLst>
-          </a:custGeom>
-        </p:spPr>
-      </p:sp>
-      <p:sp>
-        <p:nvSpPr>
-          <p:cNvPr id="627" name="Google Shape;627;ga073618e60_0_753:notes"/>
-          <p:cNvSpPr txBox="1">
-            <a:spLocks noGrp="1"/>
-          </p:cNvSpPr>
-          <p:nvPr>
-            <p:ph type="body" idx="1"/>
-          </p:nvPr>
-        </p:nvSpPr>
-        <p:spPr>
-          <a:xfrm>
-            <a:off x="685800" y="4343400"/>
-            <a:ext cx="5486400" cy="4114800"/>
-          </a:xfrm>
-          <a:prstGeom prst="rect">
-            <a:avLst/>
-          </a:prstGeom>
-        </p:spPr>
-        <p:txBody>
-          <a:bodyPr spcFirstLastPara="1" wrap="square" lIns="91425" tIns="91425" rIns="91425" bIns="91425" anchor="t" anchorCtr="0">
-            <a:noAutofit/>
-          </a:bodyPr>
-          <a:lstStyle/>
-          <a:p>
-            <a:pPr marL="0" lvl="0" indent="0" algn="l" rtl="0">
-              <a:spcBef>
-                <a:spcPts val="0"/>
-              </a:spcBef>
-              <a:spcAft>
-                <a:spcPts val="0"/>
-              </a:spcAft>
-              <a:buNone/>
-            </a:pPr>
-            <a:endParaRPr/>
-          </a:p>
-        </p:txBody>
-      </p:sp>
-    </p:spTree>
-    <p:extLst>
-      <p:ext uri="{BB962C8B-B14F-4D97-AF65-F5344CB8AC3E}">
-        <p14:creationId xmlns:p14="http://schemas.microsoft.com/office/powerpoint/2010/main" val="41966381"/>
+        <p14:creationId xmlns:p14="http://schemas.microsoft.com/office/powerpoint/2010/main" val="3360609236"/>
       </p:ext>
     </p:extLst>
   </p:cSld>
@@ -2050,6 +2059,987 @@
     <p:extLst>
       <p:ext uri="{BB962C8B-B14F-4D97-AF65-F5344CB8AC3E}">
         <p14:creationId xmlns:p14="http://schemas.microsoft.com/office/powerpoint/2010/main" val="3265332066"/>
+      </p:ext>
+    </p:extLst>
+  </p:cSld>
+  <p:clrMapOvr>
+    <a:masterClrMapping/>
+  </p:clrMapOvr>
+</p:notes>
+</file>
+
+<file path=ppt/notesSlides/notesSlide20.xml><?xml version="1.0" encoding="utf-8"?>
+<p:notes xmlns:a="http://schemas.openxmlformats.org/drawingml/2006/main" xmlns:r="http://schemas.openxmlformats.org/officeDocument/2006/relationships" xmlns:p="http://schemas.openxmlformats.org/presentationml/2006/main" showMasterSp="0" showMasterPhAnim="0">
+  <p:cSld>
+    <p:spTree>
+      <p:nvGrpSpPr>
+        <p:cNvPr id="1" name="Shape 408"/>
+        <p:cNvGrpSpPr/>
+        <p:nvPr/>
+      </p:nvGrpSpPr>
+      <p:grpSpPr>
+        <a:xfrm>
+          <a:off x="0" y="0"/>
+          <a:ext cx="0" cy="0"/>
+          <a:chOff x="0" y="0"/>
+          <a:chExt cx="0" cy="0"/>
+        </a:xfrm>
+      </p:grpSpPr>
+      <p:sp>
+        <p:nvSpPr>
+          <p:cNvPr id="409" name="Google Shape;409;ga073618e60_0_63:notes"/>
+          <p:cNvSpPr>
+            <a:spLocks noGrp="1" noRot="1" noChangeAspect="1"/>
+          </p:cNvSpPr>
+          <p:nvPr>
+            <p:ph type="sldImg" idx="2"/>
+          </p:nvPr>
+        </p:nvSpPr>
+        <p:spPr>
+          <a:xfrm>
+            <a:off x="381000" y="685800"/>
+            <a:ext cx="6096000" cy="3429000"/>
+          </a:xfrm>
+          <a:custGeom>
+            <a:avLst/>
+            <a:gdLst/>
+            <a:ahLst/>
+            <a:cxnLst/>
+            <a:rect l="l" t="t" r="r" b="b"/>
+            <a:pathLst>
+              <a:path w="120000" h="120000" extrusionOk="0">
+                <a:moveTo>
+                  <a:pt x="0" y="0"/>
+                </a:moveTo>
+                <a:lnTo>
+                  <a:pt x="120000" y="0"/>
+                </a:lnTo>
+                <a:lnTo>
+                  <a:pt x="120000" y="120000"/>
+                </a:lnTo>
+                <a:lnTo>
+                  <a:pt x="0" y="120000"/>
+                </a:lnTo>
+                <a:close/>
+              </a:path>
+            </a:pathLst>
+          </a:custGeom>
+        </p:spPr>
+      </p:sp>
+      <p:sp>
+        <p:nvSpPr>
+          <p:cNvPr id="410" name="Google Shape;410;ga073618e60_0_63:notes"/>
+          <p:cNvSpPr txBox="1">
+            <a:spLocks noGrp="1"/>
+          </p:cNvSpPr>
+          <p:nvPr>
+            <p:ph type="body" idx="1"/>
+          </p:nvPr>
+        </p:nvSpPr>
+        <p:spPr>
+          <a:xfrm>
+            <a:off x="685800" y="4343400"/>
+            <a:ext cx="5486400" cy="4114800"/>
+          </a:xfrm>
+          <a:prstGeom prst="rect">
+            <a:avLst/>
+          </a:prstGeom>
+        </p:spPr>
+        <p:txBody>
+          <a:bodyPr spcFirstLastPara="1" wrap="square" lIns="91425" tIns="91425" rIns="91425" bIns="91425" anchor="t" anchorCtr="0">
+            <a:noAutofit/>
+          </a:bodyPr>
+          <a:lstStyle/>
+          <a:p>
+            <a:pPr marL="0" lvl="0" indent="0" algn="l" rtl="0">
+              <a:spcBef>
+                <a:spcPts val="0"/>
+              </a:spcBef>
+              <a:spcAft>
+                <a:spcPts val="0"/>
+              </a:spcAft>
+              <a:buNone/>
+            </a:pPr>
+            <a:endParaRPr/>
+          </a:p>
+        </p:txBody>
+      </p:sp>
+    </p:spTree>
+    <p:extLst>
+      <p:ext uri="{BB962C8B-B14F-4D97-AF65-F5344CB8AC3E}">
+        <p14:creationId xmlns:p14="http://schemas.microsoft.com/office/powerpoint/2010/main" val="610929981"/>
+      </p:ext>
+    </p:extLst>
+  </p:cSld>
+  <p:clrMapOvr>
+    <a:masterClrMapping/>
+  </p:clrMapOvr>
+</p:notes>
+</file>
+
+<file path=ppt/notesSlides/notesSlide21.xml><?xml version="1.0" encoding="utf-8"?>
+<p:notes xmlns:a="http://schemas.openxmlformats.org/drawingml/2006/main" xmlns:r="http://schemas.openxmlformats.org/officeDocument/2006/relationships" xmlns:p="http://schemas.openxmlformats.org/presentationml/2006/main" showMasterSp="0" showMasterPhAnim="0">
+  <p:cSld>
+    <p:spTree>
+      <p:nvGrpSpPr>
+        <p:cNvPr id="1" name="Shape 408"/>
+        <p:cNvGrpSpPr/>
+        <p:nvPr/>
+      </p:nvGrpSpPr>
+      <p:grpSpPr>
+        <a:xfrm>
+          <a:off x="0" y="0"/>
+          <a:ext cx="0" cy="0"/>
+          <a:chOff x="0" y="0"/>
+          <a:chExt cx="0" cy="0"/>
+        </a:xfrm>
+      </p:grpSpPr>
+      <p:sp>
+        <p:nvSpPr>
+          <p:cNvPr id="409" name="Google Shape;409;ga073618e60_0_63:notes"/>
+          <p:cNvSpPr>
+            <a:spLocks noGrp="1" noRot="1" noChangeAspect="1"/>
+          </p:cNvSpPr>
+          <p:nvPr>
+            <p:ph type="sldImg" idx="2"/>
+          </p:nvPr>
+        </p:nvSpPr>
+        <p:spPr>
+          <a:xfrm>
+            <a:off x="381000" y="685800"/>
+            <a:ext cx="6096000" cy="3429000"/>
+          </a:xfrm>
+          <a:custGeom>
+            <a:avLst/>
+            <a:gdLst/>
+            <a:ahLst/>
+            <a:cxnLst/>
+            <a:rect l="l" t="t" r="r" b="b"/>
+            <a:pathLst>
+              <a:path w="120000" h="120000" extrusionOk="0">
+                <a:moveTo>
+                  <a:pt x="0" y="0"/>
+                </a:moveTo>
+                <a:lnTo>
+                  <a:pt x="120000" y="0"/>
+                </a:lnTo>
+                <a:lnTo>
+                  <a:pt x="120000" y="120000"/>
+                </a:lnTo>
+                <a:lnTo>
+                  <a:pt x="0" y="120000"/>
+                </a:lnTo>
+                <a:close/>
+              </a:path>
+            </a:pathLst>
+          </a:custGeom>
+        </p:spPr>
+      </p:sp>
+      <p:sp>
+        <p:nvSpPr>
+          <p:cNvPr id="410" name="Google Shape;410;ga073618e60_0_63:notes"/>
+          <p:cNvSpPr txBox="1">
+            <a:spLocks noGrp="1"/>
+          </p:cNvSpPr>
+          <p:nvPr>
+            <p:ph type="body" idx="1"/>
+          </p:nvPr>
+        </p:nvSpPr>
+        <p:spPr>
+          <a:xfrm>
+            <a:off x="685800" y="4343400"/>
+            <a:ext cx="5486400" cy="4114800"/>
+          </a:xfrm>
+          <a:prstGeom prst="rect">
+            <a:avLst/>
+          </a:prstGeom>
+        </p:spPr>
+        <p:txBody>
+          <a:bodyPr spcFirstLastPara="1" wrap="square" lIns="91425" tIns="91425" rIns="91425" bIns="91425" anchor="t" anchorCtr="0">
+            <a:noAutofit/>
+          </a:bodyPr>
+          <a:lstStyle/>
+          <a:p>
+            <a:pPr marL="0" lvl="0" indent="0" algn="l" rtl="0">
+              <a:spcBef>
+                <a:spcPts val="0"/>
+              </a:spcBef>
+              <a:spcAft>
+                <a:spcPts val="0"/>
+              </a:spcAft>
+              <a:buNone/>
+            </a:pPr>
+            <a:endParaRPr/>
+          </a:p>
+        </p:txBody>
+      </p:sp>
+    </p:spTree>
+    <p:extLst>
+      <p:ext uri="{BB962C8B-B14F-4D97-AF65-F5344CB8AC3E}">
+        <p14:creationId xmlns:p14="http://schemas.microsoft.com/office/powerpoint/2010/main" val="2268496154"/>
+      </p:ext>
+    </p:extLst>
+  </p:cSld>
+  <p:clrMapOvr>
+    <a:masterClrMapping/>
+  </p:clrMapOvr>
+</p:notes>
+</file>
+
+<file path=ppt/notesSlides/notesSlide22.xml><?xml version="1.0" encoding="utf-8"?>
+<p:notes xmlns:a="http://schemas.openxmlformats.org/drawingml/2006/main" xmlns:r="http://schemas.openxmlformats.org/officeDocument/2006/relationships" xmlns:p="http://schemas.openxmlformats.org/presentationml/2006/main" showMasterSp="0" showMasterPhAnim="0">
+  <p:cSld>
+    <p:spTree>
+      <p:nvGrpSpPr>
+        <p:cNvPr id="1" name="Shape 408"/>
+        <p:cNvGrpSpPr/>
+        <p:nvPr/>
+      </p:nvGrpSpPr>
+      <p:grpSpPr>
+        <a:xfrm>
+          <a:off x="0" y="0"/>
+          <a:ext cx="0" cy="0"/>
+          <a:chOff x="0" y="0"/>
+          <a:chExt cx="0" cy="0"/>
+        </a:xfrm>
+      </p:grpSpPr>
+      <p:sp>
+        <p:nvSpPr>
+          <p:cNvPr id="409" name="Google Shape;409;ga073618e60_0_63:notes"/>
+          <p:cNvSpPr>
+            <a:spLocks noGrp="1" noRot="1" noChangeAspect="1"/>
+          </p:cNvSpPr>
+          <p:nvPr>
+            <p:ph type="sldImg" idx="2"/>
+          </p:nvPr>
+        </p:nvSpPr>
+        <p:spPr>
+          <a:xfrm>
+            <a:off x="381000" y="685800"/>
+            <a:ext cx="6096000" cy="3429000"/>
+          </a:xfrm>
+          <a:custGeom>
+            <a:avLst/>
+            <a:gdLst/>
+            <a:ahLst/>
+            <a:cxnLst/>
+            <a:rect l="l" t="t" r="r" b="b"/>
+            <a:pathLst>
+              <a:path w="120000" h="120000" extrusionOk="0">
+                <a:moveTo>
+                  <a:pt x="0" y="0"/>
+                </a:moveTo>
+                <a:lnTo>
+                  <a:pt x="120000" y="0"/>
+                </a:lnTo>
+                <a:lnTo>
+                  <a:pt x="120000" y="120000"/>
+                </a:lnTo>
+                <a:lnTo>
+                  <a:pt x="0" y="120000"/>
+                </a:lnTo>
+                <a:close/>
+              </a:path>
+            </a:pathLst>
+          </a:custGeom>
+        </p:spPr>
+      </p:sp>
+      <p:sp>
+        <p:nvSpPr>
+          <p:cNvPr id="410" name="Google Shape;410;ga073618e60_0_63:notes"/>
+          <p:cNvSpPr txBox="1">
+            <a:spLocks noGrp="1"/>
+          </p:cNvSpPr>
+          <p:nvPr>
+            <p:ph type="body" idx="1"/>
+          </p:nvPr>
+        </p:nvSpPr>
+        <p:spPr>
+          <a:xfrm>
+            <a:off x="685800" y="4343400"/>
+            <a:ext cx="5486400" cy="4114800"/>
+          </a:xfrm>
+          <a:prstGeom prst="rect">
+            <a:avLst/>
+          </a:prstGeom>
+        </p:spPr>
+        <p:txBody>
+          <a:bodyPr spcFirstLastPara="1" wrap="square" lIns="91425" tIns="91425" rIns="91425" bIns="91425" anchor="t" anchorCtr="0">
+            <a:noAutofit/>
+          </a:bodyPr>
+          <a:lstStyle/>
+          <a:p>
+            <a:pPr marL="0" lvl="0" indent="0" algn="l" rtl="0">
+              <a:spcBef>
+                <a:spcPts val="0"/>
+              </a:spcBef>
+              <a:spcAft>
+                <a:spcPts val="0"/>
+              </a:spcAft>
+              <a:buNone/>
+            </a:pPr>
+            <a:endParaRPr/>
+          </a:p>
+        </p:txBody>
+      </p:sp>
+    </p:spTree>
+    <p:extLst>
+      <p:ext uri="{BB962C8B-B14F-4D97-AF65-F5344CB8AC3E}">
+        <p14:creationId xmlns:p14="http://schemas.microsoft.com/office/powerpoint/2010/main" val="349364266"/>
+      </p:ext>
+    </p:extLst>
+  </p:cSld>
+  <p:clrMapOvr>
+    <a:masterClrMapping/>
+  </p:clrMapOvr>
+</p:notes>
+</file>
+
+<file path=ppt/notesSlides/notesSlide23.xml><?xml version="1.0" encoding="utf-8"?>
+<p:notes xmlns:a="http://schemas.openxmlformats.org/drawingml/2006/main" xmlns:r="http://schemas.openxmlformats.org/officeDocument/2006/relationships" xmlns:p="http://schemas.openxmlformats.org/presentationml/2006/main" showMasterSp="0" showMasterPhAnim="0">
+  <p:cSld>
+    <p:spTree>
+      <p:nvGrpSpPr>
+        <p:cNvPr id="1" name="Shape 401"/>
+        <p:cNvGrpSpPr/>
+        <p:nvPr/>
+      </p:nvGrpSpPr>
+      <p:grpSpPr>
+        <a:xfrm>
+          <a:off x="0" y="0"/>
+          <a:ext cx="0" cy="0"/>
+          <a:chOff x="0" y="0"/>
+          <a:chExt cx="0" cy="0"/>
+        </a:xfrm>
+      </p:grpSpPr>
+      <p:sp>
+        <p:nvSpPr>
+          <p:cNvPr id="402" name="Google Shape;402;ga073618e60_0_31:notes"/>
+          <p:cNvSpPr>
+            <a:spLocks noGrp="1" noRot="1" noChangeAspect="1"/>
+          </p:cNvSpPr>
+          <p:nvPr>
+            <p:ph type="sldImg" idx="2"/>
+          </p:nvPr>
+        </p:nvSpPr>
+        <p:spPr>
+          <a:xfrm>
+            <a:off x="381000" y="685800"/>
+            <a:ext cx="6096000" cy="3429000"/>
+          </a:xfrm>
+          <a:custGeom>
+            <a:avLst/>
+            <a:gdLst/>
+            <a:ahLst/>
+            <a:cxnLst/>
+            <a:rect l="l" t="t" r="r" b="b"/>
+            <a:pathLst>
+              <a:path w="120000" h="120000" extrusionOk="0">
+                <a:moveTo>
+                  <a:pt x="0" y="0"/>
+                </a:moveTo>
+                <a:lnTo>
+                  <a:pt x="120000" y="0"/>
+                </a:lnTo>
+                <a:lnTo>
+                  <a:pt x="120000" y="120000"/>
+                </a:lnTo>
+                <a:lnTo>
+                  <a:pt x="0" y="120000"/>
+                </a:lnTo>
+                <a:close/>
+              </a:path>
+            </a:pathLst>
+          </a:custGeom>
+        </p:spPr>
+      </p:sp>
+      <p:sp>
+        <p:nvSpPr>
+          <p:cNvPr id="403" name="Google Shape;403;ga073618e60_0_31:notes"/>
+          <p:cNvSpPr txBox="1">
+            <a:spLocks noGrp="1"/>
+          </p:cNvSpPr>
+          <p:nvPr>
+            <p:ph type="body" idx="1"/>
+          </p:nvPr>
+        </p:nvSpPr>
+        <p:spPr>
+          <a:xfrm>
+            <a:off x="685800" y="4343400"/>
+            <a:ext cx="5486400" cy="4114800"/>
+          </a:xfrm>
+          <a:prstGeom prst="rect">
+            <a:avLst/>
+          </a:prstGeom>
+        </p:spPr>
+        <p:txBody>
+          <a:bodyPr spcFirstLastPara="1" wrap="square" lIns="91425" tIns="91425" rIns="91425" bIns="91425" anchor="t" anchorCtr="0">
+            <a:noAutofit/>
+          </a:bodyPr>
+          <a:lstStyle/>
+          <a:p>
+            <a:pPr marL="0" lvl="0" indent="0" algn="l" rtl="0">
+              <a:spcBef>
+                <a:spcPts val="0"/>
+              </a:spcBef>
+              <a:spcAft>
+                <a:spcPts val="0"/>
+              </a:spcAft>
+              <a:buNone/>
+            </a:pPr>
+            <a:endParaRPr/>
+          </a:p>
+        </p:txBody>
+      </p:sp>
+    </p:spTree>
+    <p:extLst>
+      <p:ext uri="{BB962C8B-B14F-4D97-AF65-F5344CB8AC3E}">
+        <p14:creationId xmlns:p14="http://schemas.microsoft.com/office/powerpoint/2010/main" val="3477918133"/>
+      </p:ext>
+    </p:extLst>
+  </p:cSld>
+  <p:clrMapOvr>
+    <a:masterClrMapping/>
+  </p:clrMapOvr>
+</p:notes>
+</file>
+
+<file path=ppt/notesSlides/notesSlide24.xml><?xml version="1.0" encoding="utf-8"?>
+<p:notes xmlns:a="http://schemas.openxmlformats.org/drawingml/2006/main" xmlns:r="http://schemas.openxmlformats.org/officeDocument/2006/relationships" xmlns:p="http://schemas.openxmlformats.org/presentationml/2006/main" showMasterSp="0" showMasterPhAnim="0">
+  <p:cSld>
+    <p:spTree>
+      <p:nvGrpSpPr>
+        <p:cNvPr id="1" name="Shape 408"/>
+        <p:cNvGrpSpPr/>
+        <p:nvPr/>
+      </p:nvGrpSpPr>
+      <p:grpSpPr>
+        <a:xfrm>
+          <a:off x="0" y="0"/>
+          <a:ext cx="0" cy="0"/>
+          <a:chOff x="0" y="0"/>
+          <a:chExt cx="0" cy="0"/>
+        </a:xfrm>
+      </p:grpSpPr>
+      <p:sp>
+        <p:nvSpPr>
+          <p:cNvPr id="409" name="Google Shape;409;ga073618e60_0_63:notes"/>
+          <p:cNvSpPr>
+            <a:spLocks noGrp="1" noRot="1" noChangeAspect="1"/>
+          </p:cNvSpPr>
+          <p:nvPr>
+            <p:ph type="sldImg" idx="2"/>
+          </p:nvPr>
+        </p:nvSpPr>
+        <p:spPr>
+          <a:xfrm>
+            <a:off x="381000" y="685800"/>
+            <a:ext cx="6096000" cy="3429000"/>
+          </a:xfrm>
+          <a:custGeom>
+            <a:avLst/>
+            <a:gdLst/>
+            <a:ahLst/>
+            <a:cxnLst/>
+            <a:rect l="l" t="t" r="r" b="b"/>
+            <a:pathLst>
+              <a:path w="120000" h="120000" extrusionOk="0">
+                <a:moveTo>
+                  <a:pt x="0" y="0"/>
+                </a:moveTo>
+                <a:lnTo>
+                  <a:pt x="120000" y="0"/>
+                </a:lnTo>
+                <a:lnTo>
+                  <a:pt x="120000" y="120000"/>
+                </a:lnTo>
+                <a:lnTo>
+                  <a:pt x="0" y="120000"/>
+                </a:lnTo>
+                <a:close/>
+              </a:path>
+            </a:pathLst>
+          </a:custGeom>
+        </p:spPr>
+      </p:sp>
+      <p:sp>
+        <p:nvSpPr>
+          <p:cNvPr id="410" name="Google Shape;410;ga073618e60_0_63:notes"/>
+          <p:cNvSpPr txBox="1">
+            <a:spLocks noGrp="1"/>
+          </p:cNvSpPr>
+          <p:nvPr>
+            <p:ph type="body" idx="1"/>
+          </p:nvPr>
+        </p:nvSpPr>
+        <p:spPr>
+          <a:xfrm>
+            <a:off x="685800" y="4343400"/>
+            <a:ext cx="5486400" cy="4114800"/>
+          </a:xfrm>
+          <a:prstGeom prst="rect">
+            <a:avLst/>
+          </a:prstGeom>
+        </p:spPr>
+        <p:txBody>
+          <a:bodyPr spcFirstLastPara="1" wrap="square" lIns="91425" tIns="91425" rIns="91425" bIns="91425" anchor="t" anchorCtr="0">
+            <a:noAutofit/>
+          </a:bodyPr>
+          <a:lstStyle/>
+          <a:p>
+            <a:pPr marL="0" lvl="0" indent="0" algn="l" rtl="0">
+              <a:spcBef>
+                <a:spcPts val="0"/>
+              </a:spcBef>
+              <a:spcAft>
+                <a:spcPts val="0"/>
+              </a:spcAft>
+              <a:buNone/>
+            </a:pPr>
+            <a:endParaRPr/>
+          </a:p>
+        </p:txBody>
+      </p:sp>
+    </p:spTree>
+    <p:extLst>
+      <p:ext uri="{BB962C8B-B14F-4D97-AF65-F5344CB8AC3E}">
+        <p14:creationId xmlns:p14="http://schemas.microsoft.com/office/powerpoint/2010/main" val="2368523395"/>
+      </p:ext>
+    </p:extLst>
+  </p:cSld>
+  <p:clrMapOvr>
+    <a:masterClrMapping/>
+  </p:clrMapOvr>
+</p:notes>
+</file>
+
+<file path=ppt/notesSlides/notesSlide25.xml><?xml version="1.0" encoding="utf-8"?>
+<p:notes xmlns:a="http://schemas.openxmlformats.org/drawingml/2006/main" xmlns:r="http://schemas.openxmlformats.org/officeDocument/2006/relationships" xmlns:p="http://schemas.openxmlformats.org/presentationml/2006/main" showMasterSp="0" showMasterPhAnim="0">
+  <p:cSld>
+    <p:spTree>
+      <p:nvGrpSpPr>
+        <p:cNvPr id="1" name="Shape 408"/>
+        <p:cNvGrpSpPr/>
+        <p:nvPr/>
+      </p:nvGrpSpPr>
+      <p:grpSpPr>
+        <a:xfrm>
+          <a:off x="0" y="0"/>
+          <a:ext cx="0" cy="0"/>
+          <a:chOff x="0" y="0"/>
+          <a:chExt cx="0" cy="0"/>
+        </a:xfrm>
+      </p:grpSpPr>
+      <p:sp>
+        <p:nvSpPr>
+          <p:cNvPr id="409" name="Google Shape;409;ga073618e60_0_63:notes"/>
+          <p:cNvSpPr>
+            <a:spLocks noGrp="1" noRot="1" noChangeAspect="1"/>
+          </p:cNvSpPr>
+          <p:nvPr>
+            <p:ph type="sldImg" idx="2"/>
+          </p:nvPr>
+        </p:nvSpPr>
+        <p:spPr>
+          <a:xfrm>
+            <a:off x="381000" y="685800"/>
+            <a:ext cx="6096000" cy="3429000"/>
+          </a:xfrm>
+          <a:custGeom>
+            <a:avLst/>
+            <a:gdLst/>
+            <a:ahLst/>
+            <a:cxnLst/>
+            <a:rect l="l" t="t" r="r" b="b"/>
+            <a:pathLst>
+              <a:path w="120000" h="120000" extrusionOk="0">
+                <a:moveTo>
+                  <a:pt x="0" y="0"/>
+                </a:moveTo>
+                <a:lnTo>
+                  <a:pt x="120000" y="0"/>
+                </a:lnTo>
+                <a:lnTo>
+                  <a:pt x="120000" y="120000"/>
+                </a:lnTo>
+                <a:lnTo>
+                  <a:pt x="0" y="120000"/>
+                </a:lnTo>
+                <a:close/>
+              </a:path>
+            </a:pathLst>
+          </a:custGeom>
+        </p:spPr>
+      </p:sp>
+      <p:sp>
+        <p:nvSpPr>
+          <p:cNvPr id="410" name="Google Shape;410;ga073618e60_0_63:notes"/>
+          <p:cNvSpPr txBox="1">
+            <a:spLocks noGrp="1"/>
+          </p:cNvSpPr>
+          <p:nvPr>
+            <p:ph type="body" idx="1"/>
+          </p:nvPr>
+        </p:nvSpPr>
+        <p:spPr>
+          <a:xfrm>
+            <a:off x="685800" y="4343400"/>
+            <a:ext cx="5486400" cy="4114800"/>
+          </a:xfrm>
+          <a:prstGeom prst="rect">
+            <a:avLst/>
+          </a:prstGeom>
+        </p:spPr>
+        <p:txBody>
+          <a:bodyPr spcFirstLastPara="1" wrap="square" lIns="91425" tIns="91425" rIns="91425" bIns="91425" anchor="t" anchorCtr="0">
+            <a:noAutofit/>
+          </a:bodyPr>
+          <a:lstStyle/>
+          <a:p>
+            <a:pPr marL="0" lvl="0" indent="0" algn="l" rtl="0">
+              <a:spcBef>
+                <a:spcPts val="0"/>
+              </a:spcBef>
+              <a:spcAft>
+                <a:spcPts val="0"/>
+              </a:spcAft>
+              <a:buNone/>
+            </a:pPr>
+            <a:endParaRPr/>
+          </a:p>
+        </p:txBody>
+      </p:sp>
+    </p:spTree>
+    <p:extLst>
+      <p:ext uri="{BB962C8B-B14F-4D97-AF65-F5344CB8AC3E}">
+        <p14:creationId xmlns:p14="http://schemas.microsoft.com/office/powerpoint/2010/main" val="656914806"/>
+      </p:ext>
+    </p:extLst>
+  </p:cSld>
+  <p:clrMapOvr>
+    <a:masterClrMapping/>
+  </p:clrMapOvr>
+</p:notes>
+</file>
+
+<file path=ppt/notesSlides/notesSlide26.xml><?xml version="1.0" encoding="utf-8"?>
+<p:notes xmlns:a="http://schemas.openxmlformats.org/drawingml/2006/main" xmlns:r="http://schemas.openxmlformats.org/officeDocument/2006/relationships" xmlns:p="http://schemas.openxmlformats.org/presentationml/2006/main" showMasterSp="0" showMasterPhAnim="0">
+  <p:cSld>
+    <p:spTree>
+      <p:nvGrpSpPr>
+        <p:cNvPr id="1" name="Shape 408"/>
+        <p:cNvGrpSpPr/>
+        <p:nvPr/>
+      </p:nvGrpSpPr>
+      <p:grpSpPr>
+        <a:xfrm>
+          <a:off x="0" y="0"/>
+          <a:ext cx="0" cy="0"/>
+          <a:chOff x="0" y="0"/>
+          <a:chExt cx="0" cy="0"/>
+        </a:xfrm>
+      </p:grpSpPr>
+      <p:sp>
+        <p:nvSpPr>
+          <p:cNvPr id="409" name="Google Shape;409;ga073618e60_0_63:notes"/>
+          <p:cNvSpPr>
+            <a:spLocks noGrp="1" noRot="1" noChangeAspect="1"/>
+          </p:cNvSpPr>
+          <p:nvPr>
+            <p:ph type="sldImg" idx="2"/>
+          </p:nvPr>
+        </p:nvSpPr>
+        <p:spPr>
+          <a:xfrm>
+            <a:off x="381000" y="685800"/>
+            <a:ext cx="6096000" cy="3429000"/>
+          </a:xfrm>
+          <a:custGeom>
+            <a:avLst/>
+            <a:gdLst/>
+            <a:ahLst/>
+            <a:cxnLst/>
+            <a:rect l="l" t="t" r="r" b="b"/>
+            <a:pathLst>
+              <a:path w="120000" h="120000" extrusionOk="0">
+                <a:moveTo>
+                  <a:pt x="0" y="0"/>
+                </a:moveTo>
+                <a:lnTo>
+                  <a:pt x="120000" y="0"/>
+                </a:lnTo>
+                <a:lnTo>
+                  <a:pt x="120000" y="120000"/>
+                </a:lnTo>
+                <a:lnTo>
+                  <a:pt x="0" y="120000"/>
+                </a:lnTo>
+                <a:close/>
+              </a:path>
+            </a:pathLst>
+          </a:custGeom>
+        </p:spPr>
+      </p:sp>
+      <p:sp>
+        <p:nvSpPr>
+          <p:cNvPr id="410" name="Google Shape;410;ga073618e60_0_63:notes"/>
+          <p:cNvSpPr txBox="1">
+            <a:spLocks noGrp="1"/>
+          </p:cNvSpPr>
+          <p:nvPr>
+            <p:ph type="body" idx="1"/>
+          </p:nvPr>
+        </p:nvSpPr>
+        <p:spPr>
+          <a:xfrm>
+            <a:off x="685800" y="4343400"/>
+            <a:ext cx="5486400" cy="4114800"/>
+          </a:xfrm>
+          <a:prstGeom prst="rect">
+            <a:avLst/>
+          </a:prstGeom>
+        </p:spPr>
+        <p:txBody>
+          <a:bodyPr spcFirstLastPara="1" wrap="square" lIns="91425" tIns="91425" rIns="91425" bIns="91425" anchor="t" anchorCtr="0">
+            <a:noAutofit/>
+          </a:bodyPr>
+          <a:lstStyle/>
+          <a:p>
+            <a:pPr marL="0" lvl="0" indent="0" algn="l" rtl="0">
+              <a:spcBef>
+                <a:spcPts val="0"/>
+              </a:spcBef>
+              <a:spcAft>
+                <a:spcPts val="0"/>
+              </a:spcAft>
+              <a:buNone/>
+            </a:pPr>
+            <a:endParaRPr/>
+          </a:p>
+        </p:txBody>
+      </p:sp>
+    </p:spTree>
+    <p:extLst>
+      <p:ext uri="{BB962C8B-B14F-4D97-AF65-F5344CB8AC3E}">
+        <p14:creationId xmlns:p14="http://schemas.microsoft.com/office/powerpoint/2010/main" val="3228801786"/>
+      </p:ext>
+    </p:extLst>
+  </p:cSld>
+  <p:clrMapOvr>
+    <a:masterClrMapping/>
+  </p:clrMapOvr>
+</p:notes>
+</file>
+
+<file path=ppt/notesSlides/notesSlide27.xml><?xml version="1.0" encoding="utf-8"?>
+<p:notes xmlns:a="http://schemas.openxmlformats.org/drawingml/2006/main" xmlns:r="http://schemas.openxmlformats.org/officeDocument/2006/relationships" xmlns:p="http://schemas.openxmlformats.org/presentationml/2006/main" showMasterSp="0" showMasterPhAnim="0">
+  <p:cSld>
+    <p:spTree>
+      <p:nvGrpSpPr>
+        <p:cNvPr id="1" name="Shape 408"/>
+        <p:cNvGrpSpPr/>
+        <p:nvPr/>
+      </p:nvGrpSpPr>
+      <p:grpSpPr>
+        <a:xfrm>
+          <a:off x="0" y="0"/>
+          <a:ext cx="0" cy="0"/>
+          <a:chOff x="0" y="0"/>
+          <a:chExt cx="0" cy="0"/>
+        </a:xfrm>
+      </p:grpSpPr>
+      <p:sp>
+        <p:nvSpPr>
+          <p:cNvPr id="409" name="Google Shape;409;ga073618e60_0_63:notes"/>
+          <p:cNvSpPr>
+            <a:spLocks noGrp="1" noRot="1" noChangeAspect="1"/>
+          </p:cNvSpPr>
+          <p:nvPr>
+            <p:ph type="sldImg" idx="2"/>
+          </p:nvPr>
+        </p:nvSpPr>
+        <p:spPr>
+          <a:xfrm>
+            <a:off x="381000" y="685800"/>
+            <a:ext cx="6096000" cy="3429000"/>
+          </a:xfrm>
+          <a:custGeom>
+            <a:avLst/>
+            <a:gdLst/>
+            <a:ahLst/>
+            <a:cxnLst/>
+            <a:rect l="l" t="t" r="r" b="b"/>
+            <a:pathLst>
+              <a:path w="120000" h="120000" extrusionOk="0">
+                <a:moveTo>
+                  <a:pt x="0" y="0"/>
+                </a:moveTo>
+                <a:lnTo>
+                  <a:pt x="120000" y="0"/>
+                </a:lnTo>
+                <a:lnTo>
+                  <a:pt x="120000" y="120000"/>
+                </a:lnTo>
+                <a:lnTo>
+                  <a:pt x="0" y="120000"/>
+                </a:lnTo>
+                <a:close/>
+              </a:path>
+            </a:pathLst>
+          </a:custGeom>
+        </p:spPr>
+      </p:sp>
+      <p:sp>
+        <p:nvSpPr>
+          <p:cNvPr id="410" name="Google Shape;410;ga073618e60_0_63:notes"/>
+          <p:cNvSpPr txBox="1">
+            <a:spLocks noGrp="1"/>
+          </p:cNvSpPr>
+          <p:nvPr>
+            <p:ph type="body" idx="1"/>
+          </p:nvPr>
+        </p:nvSpPr>
+        <p:spPr>
+          <a:xfrm>
+            <a:off x="685800" y="4343400"/>
+            <a:ext cx="5486400" cy="4114800"/>
+          </a:xfrm>
+          <a:prstGeom prst="rect">
+            <a:avLst/>
+          </a:prstGeom>
+        </p:spPr>
+        <p:txBody>
+          <a:bodyPr spcFirstLastPara="1" wrap="square" lIns="91425" tIns="91425" rIns="91425" bIns="91425" anchor="t" anchorCtr="0">
+            <a:noAutofit/>
+          </a:bodyPr>
+          <a:lstStyle/>
+          <a:p>
+            <a:pPr marL="0" lvl="0" indent="0" algn="l" rtl="0">
+              <a:spcBef>
+                <a:spcPts val="0"/>
+              </a:spcBef>
+              <a:spcAft>
+                <a:spcPts val="0"/>
+              </a:spcAft>
+              <a:buNone/>
+            </a:pPr>
+            <a:endParaRPr/>
+          </a:p>
+        </p:txBody>
+      </p:sp>
+    </p:spTree>
+    <p:extLst>
+      <p:ext uri="{BB962C8B-B14F-4D97-AF65-F5344CB8AC3E}">
+        <p14:creationId xmlns:p14="http://schemas.microsoft.com/office/powerpoint/2010/main" val="1690378176"/>
+      </p:ext>
+    </p:extLst>
+  </p:cSld>
+  <p:clrMapOvr>
+    <a:masterClrMapping/>
+  </p:clrMapOvr>
+</p:notes>
+</file>
+
+<file path=ppt/notesSlides/notesSlide28.xml><?xml version="1.0" encoding="utf-8"?>
+<p:notes xmlns:a="http://schemas.openxmlformats.org/drawingml/2006/main" xmlns:r="http://schemas.openxmlformats.org/officeDocument/2006/relationships" xmlns:p="http://schemas.openxmlformats.org/presentationml/2006/main" showMasterSp="0" showMasterPhAnim="0">
+  <p:cSld>
+    <p:spTree>
+      <p:nvGrpSpPr>
+        <p:cNvPr id="1" name="Shape 625"/>
+        <p:cNvGrpSpPr/>
+        <p:nvPr/>
+      </p:nvGrpSpPr>
+      <p:grpSpPr>
+        <a:xfrm>
+          <a:off x="0" y="0"/>
+          <a:ext cx="0" cy="0"/>
+          <a:chOff x="0" y="0"/>
+          <a:chExt cx="0" cy="0"/>
+        </a:xfrm>
+      </p:grpSpPr>
+      <p:sp>
+        <p:nvSpPr>
+          <p:cNvPr id="626" name="Google Shape;626;ga073618e60_0_753:notes"/>
+          <p:cNvSpPr>
+            <a:spLocks noGrp="1" noRot="1" noChangeAspect="1"/>
+          </p:cNvSpPr>
+          <p:nvPr>
+            <p:ph type="sldImg" idx="2"/>
+          </p:nvPr>
+        </p:nvSpPr>
+        <p:spPr>
+          <a:xfrm>
+            <a:off x="381000" y="685800"/>
+            <a:ext cx="6096000" cy="3429000"/>
+          </a:xfrm>
+          <a:custGeom>
+            <a:avLst/>
+            <a:gdLst/>
+            <a:ahLst/>
+            <a:cxnLst/>
+            <a:rect l="l" t="t" r="r" b="b"/>
+            <a:pathLst>
+              <a:path w="120000" h="120000" extrusionOk="0">
+                <a:moveTo>
+                  <a:pt x="0" y="0"/>
+                </a:moveTo>
+                <a:lnTo>
+                  <a:pt x="120000" y="0"/>
+                </a:lnTo>
+                <a:lnTo>
+                  <a:pt x="120000" y="120000"/>
+                </a:lnTo>
+                <a:lnTo>
+                  <a:pt x="0" y="120000"/>
+                </a:lnTo>
+                <a:close/>
+              </a:path>
+            </a:pathLst>
+          </a:custGeom>
+        </p:spPr>
+      </p:sp>
+      <p:sp>
+        <p:nvSpPr>
+          <p:cNvPr id="627" name="Google Shape;627;ga073618e60_0_753:notes"/>
+          <p:cNvSpPr txBox="1">
+            <a:spLocks noGrp="1"/>
+          </p:cNvSpPr>
+          <p:nvPr>
+            <p:ph type="body" idx="1"/>
+          </p:nvPr>
+        </p:nvSpPr>
+        <p:spPr>
+          <a:xfrm>
+            <a:off x="685800" y="4343400"/>
+            <a:ext cx="5486400" cy="4114800"/>
+          </a:xfrm>
+          <a:prstGeom prst="rect">
+            <a:avLst/>
+          </a:prstGeom>
+        </p:spPr>
+        <p:txBody>
+          <a:bodyPr spcFirstLastPara="1" wrap="square" lIns="91425" tIns="91425" rIns="91425" bIns="91425" anchor="t" anchorCtr="0">
+            <a:noAutofit/>
+          </a:bodyPr>
+          <a:lstStyle/>
+          <a:p>
+            <a:pPr marL="0" lvl="0" indent="0" algn="l" rtl="0">
+              <a:spcBef>
+                <a:spcPts val="0"/>
+              </a:spcBef>
+              <a:spcAft>
+                <a:spcPts val="0"/>
+              </a:spcAft>
+              <a:buNone/>
+            </a:pPr>
+            <a:endParaRPr/>
+          </a:p>
+        </p:txBody>
+      </p:sp>
+    </p:spTree>
+    <p:extLst>
+      <p:ext uri="{BB962C8B-B14F-4D97-AF65-F5344CB8AC3E}">
+        <p14:creationId xmlns:p14="http://schemas.microsoft.com/office/powerpoint/2010/main" val="41966381"/>
       </p:ext>
     </p:extLst>
   </p:cSld>
@@ -27033,7 +28023,7 @@
                 <a:latin typeface="Times New Roman" panose="02020603050405020304" pitchFamily="18" charset="0"/>
                 <a:cs typeface="Times New Roman" panose="02020603050405020304" pitchFamily="18" charset="0"/>
               </a:rPr>
-              <a:t>Ths. Lê Minh Tự</a:t>
+              <a:t>ThS. Lê Minh Tự</a:t>
             </a:r>
             <a:endParaRPr lang="en-US" dirty="0">
               <a:latin typeface="Times New Roman" panose="02020603050405020304" pitchFamily="18" charset="0"/>
@@ -27694,74 +28684,6 @@
           </a:p>
         </p:txBody>
       </p:sp>
-      <p:sp>
-        <p:nvSpPr>
-          <p:cNvPr id="2" name="Google Shape;407;p23">
-            <a:extLst>
-              <a:ext uri="{FF2B5EF4-FFF2-40B4-BE49-F238E27FC236}">
-                <a16:creationId xmlns:a16="http://schemas.microsoft.com/office/drawing/2014/main" id="{06AEBECD-EEF7-C41A-2370-66BF6CEFA12F}"/>
-              </a:ext>
-            </a:extLst>
-          </p:cNvPr>
-          <p:cNvSpPr/>
-          <p:nvPr/>
-        </p:nvSpPr>
-        <p:spPr>
-          <a:xfrm>
-            <a:off x="11776714" y="6452870"/>
-            <a:ext cx="175624" cy="267350"/>
-          </a:xfrm>
-          <a:prstGeom prst="rect">
-            <a:avLst/>
-          </a:prstGeom>
-        </p:spPr>
-        <p:txBody>
-          <a:bodyPr>
-            <a:prstTxWarp prst="textPlain">
-              <a:avLst/>
-            </a:prstTxWarp>
-          </a:bodyPr>
-          <a:lstStyle/>
-          <a:p>
-            <a:pPr lvl="0" algn="ctr"/>
-            <a:r>
-              <a:rPr lang="en-US" b="1" dirty="0">
-                <a:ln w="19050" cap="flat" cmpd="sng">
-                  <a:solidFill>
-                    <a:schemeClr val="accent5"/>
-                  </a:solidFill>
-                  <a:prstDash val="solid"/>
-                  <a:round/>
-                  <a:headEnd type="none" w="sm" len="sm"/>
-                  <a:tailEnd type="none" w="sm" len="sm"/>
-                </a:ln>
-                <a:solidFill>
-                  <a:schemeClr val="accent6"/>
-                </a:solidFill>
-                <a:latin typeface="Times New Roman" panose="02020603050405020304" pitchFamily="18" charset="0"/>
-                <a:cs typeface="Times New Roman" panose="02020603050405020304" pitchFamily="18" charset="0"/>
-              </a:rPr>
-              <a:t>7</a:t>
-            </a:r>
-            <a:endParaRPr b="1" i="0" dirty="0">
-              <a:ln w="19050" cap="flat" cmpd="sng">
-                <a:solidFill>
-                  <a:schemeClr val="accent5"/>
-                </a:solidFill>
-                <a:prstDash val="solid"/>
-                <a:round/>
-                <a:headEnd type="none" w="sm" len="sm"/>
-                <a:tailEnd type="none" w="sm" len="sm"/>
-              </a:ln>
-              <a:solidFill>
-                <a:schemeClr val="accent6"/>
-              </a:solidFill>
-              <a:latin typeface="Times New Roman" panose="02020603050405020304" pitchFamily="18" charset="0"/>
-              <a:cs typeface="Times New Roman" panose="02020603050405020304" pitchFamily="18" charset="0"/>
-            </a:endParaRPr>
-          </a:p>
-        </p:txBody>
-      </p:sp>
     </p:spTree>
     <p:extLst>
       <p:ext uri="{BB962C8B-B14F-4D97-AF65-F5344CB8AC3E}">
@@ -28122,74 +29044,6 @@
               <a:t>LƯỢC ĐỒ USECASE</a:t>
             </a:r>
             <a:endParaRPr lang="en-US" sz="1800" b="1" dirty="0">
-              <a:latin typeface="Times New Roman" panose="02020603050405020304" pitchFamily="18" charset="0"/>
-              <a:cs typeface="Times New Roman" panose="02020603050405020304" pitchFamily="18" charset="0"/>
-            </a:endParaRPr>
-          </a:p>
-        </p:txBody>
-      </p:sp>
-      <p:sp>
-        <p:nvSpPr>
-          <p:cNvPr id="2" name="Google Shape;407;p23">
-            <a:extLst>
-              <a:ext uri="{FF2B5EF4-FFF2-40B4-BE49-F238E27FC236}">
-                <a16:creationId xmlns:a16="http://schemas.microsoft.com/office/drawing/2014/main" id="{492533A1-F9EB-A439-9A86-84542712B9C6}"/>
-              </a:ext>
-            </a:extLst>
-          </p:cNvPr>
-          <p:cNvSpPr/>
-          <p:nvPr/>
-        </p:nvSpPr>
-        <p:spPr>
-          <a:xfrm>
-            <a:off x="11776714" y="6452870"/>
-            <a:ext cx="175624" cy="267350"/>
-          </a:xfrm>
-          <a:prstGeom prst="rect">
-            <a:avLst/>
-          </a:prstGeom>
-        </p:spPr>
-        <p:txBody>
-          <a:bodyPr>
-            <a:prstTxWarp prst="textPlain">
-              <a:avLst/>
-            </a:prstTxWarp>
-          </a:bodyPr>
-          <a:lstStyle/>
-          <a:p>
-            <a:pPr lvl="0" algn="ctr"/>
-            <a:r>
-              <a:rPr lang="en-US" b="1">
-                <a:ln w="19050" cap="flat" cmpd="sng">
-                  <a:solidFill>
-                    <a:schemeClr val="accent5"/>
-                  </a:solidFill>
-                  <a:prstDash val="solid"/>
-                  <a:round/>
-                  <a:headEnd type="none" w="sm" len="sm"/>
-                  <a:tailEnd type="none" w="sm" len="sm"/>
-                </a:ln>
-                <a:solidFill>
-                  <a:schemeClr val="accent6"/>
-                </a:solidFill>
-                <a:latin typeface="Times New Roman" panose="02020603050405020304" pitchFamily="18" charset="0"/>
-                <a:cs typeface="Times New Roman" panose="02020603050405020304" pitchFamily="18" charset="0"/>
-              </a:rPr>
-              <a:t>8</a:t>
-            </a:r>
-            <a:endParaRPr b="1" i="0" dirty="0">
-              <a:ln w="19050" cap="flat" cmpd="sng">
-                <a:solidFill>
-                  <a:schemeClr val="accent5"/>
-                </a:solidFill>
-                <a:prstDash val="solid"/>
-                <a:round/>
-                <a:headEnd type="none" w="sm" len="sm"/>
-                <a:tailEnd type="none" w="sm" len="sm"/>
-              </a:ln>
-              <a:solidFill>
-                <a:schemeClr val="accent6"/>
-              </a:solidFill>
               <a:latin typeface="Times New Roman" panose="02020603050405020304" pitchFamily="18" charset="0"/>
               <a:cs typeface="Times New Roman" panose="02020603050405020304" pitchFamily="18" charset="0"/>
             </a:endParaRPr>
@@ -28342,7 +29196,7 @@
         </p:nvSpPr>
         <p:spPr>
           <a:xfrm>
-            <a:off x="2769427" y="6270816"/>
+            <a:off x="3275036" y="5779200"/>
             <a:ext cx="5610925" cy="580105"/>
           </a:xfrm>
           <a:prstGeom prst="rect">
@@ -28613,7 +29467,7 @@
                 <a:latin typeface="Times New Roman" panose="02020603050405020304" pitchFamily="18" charset="0"/>
                 <a:cs typeface="Times New Roman" panose="02020603050405020304" pitchFamily="18" charset="0"/>
               </a:rPr>
-              <a:t>LƯỢC ĐỒ LỚP</a:t>
+              <a:t>USE CASE QUẢN LÝ DANH MỤC</a:t>
             </a:r>
             <a:endParaRPr lang="en-US" sz="1800" b="1" dirty="0">
               <a:latin typeface="Times New Roman" panose="02020603050405020304" pitchFamily="18" charset="0"/>
@@ -28652,25 +29506,6 @@
           <a:lstStyle/>
           <a:p>
             <a:pPr lvl="0" algn="ctr"/>
-            <a:r>
-              <a:rPr lang="en-US" b="1">
-                <a:ln w="19050" cap="flat" cmpd="sng">
-                  <a:solidFill>
-                    <a:schemeClr val="accent5"/>
-                  </a:solidFill>
-                  <a:prstDash val="solid"/>
-                  <a:round/>
-                  <a:headEnd type="none" w="sm" len="sm"/>
-                  <a:tailEnd type="none" w="sm" len="sm"/>
-                </a:ln>
-                <a:solidFill>
-                  <a:schemeClr val="accent6"/>
-                </a:solidFill>
-                <a:latin typeface="Times New Roman" panose="02020603050405020304" pitchFamily="18" charset="0"/>
-                <a:cs typeface="Times New Roman" panose="02020603050405020304" pitchFamily="18" charset="0"/>
-              </a:rPr>
-              <a:t>9</a:t>
-            </a:r>
             <a:endParaRPr b="1" i="0" dirty="0">
               <a:ln w="19050" cap="flat" cmpd="sng">
                 <a:solidFill>
@@ -28684,6 +29519,1983 @@
               <a:solidFill>
                 <a:schemeClr val="accent6"/>
               </a:solidFill>
+              <a:latin typeface="Times New Roman" panose="02020603050405020304" pitchFamily="18" charset="0"/>
+              <a:cs typeface="Times New Roman" panose="02020603050405020304" pitchFamily="18" charset="0"/>
+            </a:endParaRPr>
+          </a:p>
+        </p:txBody>
+      </p:sp>
+      <p:pic>
+        <p:nvPicPr>
+          <p:cNvPr id="4" name="Picture 3">
+            <a:extLst>
+              <a:ext uri="{FF2B5EF4-FFF2-40B4-BE49-F238E27FC236}">
+                <a16:creationId xmlns:a16="http://schemas.microsoft.com/office/drawing/2014/main" id="{E86CA827-F5D6-1DF7-A7C5-C6FFAA7B684A}"/>
+              </a:ext>
+            </a:extLst>
+          </p:cNvPr>
+          <p:cNvPicPr>
+            <a:picLocks noChangeAspect="1"/>
+          </p:cNvPicPr>
+          <p:nvPr/>
+        </p:nvPicPr>
+        <p:blipFill>
+          <a:blip r:embed="rId3"/>
+          <a:stretch>
+            <a:fillRect/>
+          </a:stretch>
+        </p:blipFill>
+        <p:spPr>
+          <a:xfrm>
+            <a:off x="955672" y="2083953"/>
+            <a:ext cx="10280018" cy="3573897"/>
+          </a:xfrm>
+          <a:prstGeom prst="rect">
+            <a:avLst/>
+          </a:prstGeom>
+        </p:spPr>
+      </p:pic>
+    </p:spTree>
+    <p:extLst>
+      <p:ext uri="{BB962C8B-B14F-4D97-AF65-F5344CB8AC3E}">
+        <p14:creationId xmlns:p14="http://schemas.microsoft.com/office/powerpoint/2010/main" val="3567277866"/>
+      </p:ext>
+    </p:extLst>
+  </p:cSld>
+  <p:clrMapOvr>
+    <a:masterClrMapping/>
+  </p:clrMapOvr>
+</p:sld>
+</file>
+
+<file path=ppt/slides/slide13.xml><?xml version="1.0" encoding="utf-8"?>
+<p:sld xmlns:a="http://schemas.openxmlformats.org/drawingml/2006/main" xmlns:r="http://schemas.openxmlformats.org/officeDocument/2006/relationships" xmlns:p="http://schemas.openxmlformats.org/presentationml/2006/main">
+  <p:cSld>
+    <p:spTree>
+      <p:nvGrpSpPr>
+        <p:cNvPr id="1" name="Shape 369"/>
+        <p:cNvGrpSpPr/>
+        <p:nvPr/>
+      </p:nvGrpSpPr>
+      <p:grpSpPr>
+        <a:xfrm>
+          <a:off x="0" y="0"/>
+          <a:ext cx="0" cy="0"/>
+          <a:chOff x="0" y="0"/>
+          <a:chExt cx="0" cy="0"/>
+        </a:xfrm>
+      </p:grpSpPr>
+      <p:sp>
+        <p:nvSpPr>
+          <p:cNvPr id="370" name="Google Shape;370;p21"/>
+          <p:cNvSpPr txBox="1">
+            <a:spLocks noGrp="1"/>
+          </p:cNvSpPr>
+          <p:nvPr>
+            <p:ph type="title"/>
+          </p:nvPr>
+        </p:nvSpPr>
+        <p:spPr>
+          <a:xfrm>
+            <a:off x="1239400" y="675675"/>
+            <a:ext cx="9682200" cy="763500"/>
+          </a:xfrm>
+          <a:prstGeom prst="rect">
+            <a:avLst/>
+          </a:prstGeom>
+        </p:spPr>
+        <p:txBody>
+          <a:bodyPr spcFirstLastPara="1" wrap="square" lIns="121900" tIns="121900" rIns="121900" bIns="121900" anchor="ctr" anchorCtr="0">
+            <a:noAutofit/>
+          </a:bodyPr>
+          <a:lstStyle/>
+          <a:p>
+            <a:pPr lvl="0"/>
+            <a:r>
+              <a:rPr lang="en-US">
+                <a:latin typeface="Times New Roman" panose="02020603050405020304" pitchFamily="18" charset="0"/>
+                <a:cs typeface="Times New Roman" panose="02020603050405020304" pitchFamily="18" charset="0"/>
+              </a:rPr>
+              <a:t>MÔ HÌNH TRIỂN KHAI</a:t>
+            </a:r>
+            <a:endParaRPr dirty="0">
+              <a:latin typeface="Times New Roman" panose="02020603050405020304" pitchFamily="18" charset="0"/>
+              <a:cs typeface="Times New Roman" panose="02020603050405020304" pitchFamily="18" charset="0"/>
+            </a:endParaRPr>
+          </a:p>
+        </p:txBody>
+      </p:sp>
+      <p:sp>
+        <p:nvSpPr>
+          <p:cNvPr id="5" name="Google Shape;413;p24">
+            <a:extLst>
+              <a:ext uri="{FF2B5EF4-FFF2-40B4-BE49-F238E27FC236}">
+                <a16:creationId xmlns:a16="http://schemas.microsoft.com/office/drawing/2014/main" id="{8450B949-F89D-3AC7-9623-533CFF96F5F7}"/>
+              </a:ext>
+            </a:extLst>
+          </p:cNvPr>
+          <p:cNvSpPr txBox="1">
+            <a:spLocks/>
+          </p:cNvSpPr>
+          <p:nvPr/>
+        </p:nvSpPr>
+        <p:spPr>
+          <a:xfrm>
+            <a:off x="3275036" y="5779200"/>
+            <a:ext cx="5610925" cy="580105"/>
+          </a:xfrm>
+          <a:prstGeom prst="rect">
+            <a:avLst/>
+          </a:prstGeom>
+          <a:noFill/>
+          <a:ln>
+            <a:noFill/>
+          </a:ln>
+        </p:spPr>
+        <p:txBody>
+          <a:bodyPr spcFirstLastPara="1" wrap="square" lIns="121900" tIns="121900" rIns="121900" bIns="121900" anchor="t" anchorCtr="0">
+            <a:noAutofit/>
+          </a:bodyPr>
+          <a:lstStyle>
+            <a:defPPr marR="0" lvl="0" algn="l" rtl="0">
+              <a:lnSpc>
+                <a:spcPct val="100000"/>
+              </a:lnSpc>
+              <a:spcBef>
+                <a:spcPts val="0"/>
+              </a:spcBef>
+              <a:spcAft>
+                <a:spcPts val="0"/>
+              </a:spcAft>
+            </a:defPPr>
+            <a:lvl1pPr marL="457200" marR="0" lvl="0" indent="-349250" algn="l" rtl="0">
+              <a:lnSpc>
+                <a:spcPct val="115000"/>
+              </a:lnSpc>
+              <a:spcBef>
+                <a:spcPts val="0"/>
+              </a:spcBef>
+              <a:spcAft>
+                <a:spcPts val="0"/>
+              </a:spcAft>
+              <a:buClr>
+                <a:schemeClr val="dk2"/>
+              </a:buClr>
+              <a:buSzPts val="1900"/>
+              <a:buFont typeface="Ubuntu"/>
+              <a:buChar char="●"/>
+              <a:defRPr sz="1900" b="0" i="0" u="none" strike="noStrike" cap="none">
+                <a:solidFill>
+                  <a:schemeClr val="dk2"/>
+                </a:solidFill>
+                <a:latin typeface="Ubuntu"/>
+                <a:ea typeface="Ubuntu"/>
+                <a:cs typeface="Ubuntu"/>
+                <a:sym typeface="Ubuntu"/>
+              </a:defRPr>
+            </a:lvl1pPr>
+            <a:lvl2pPr marL="914400" marR="0" lvl="1" indent="-349250" algn="l" rtl="0">
+              <a:lnSpc>
+                <a:spcPct val="115000"/>
+              </a:lnSpc>
+              <a:spcBef>
+                <a:spcPts val="0"/>
+              </a:spcBef>
+              <a:spcAft>
+                <a:spcPts val="0"/>
+              </a:spcAft>
+              <a:buClr>
+                <a:schemeClr val="dk2"/>
+              </a:buClr>
+              <a:buSzPts val="1900"/>
+              <a:buFont typeface="Ubuntu"/>
+              <a:buChar char="○"/>
+              <a:defRPr sz="1900" b="0" i="0" u="none" strike="noStrike" cap="none">
+                <a:solidFill>
+                  <a:schemeClr val="dk2"/>
+                </a:solidFill>
+                <a:latin typeface="Ubuntu"/>
+                <a:ea typeface="Ubuntu"/>
+                <a:cs typeface="Ubuntu"/>
+                <a:sym typeface="Ubuntu"/>
+              </a:defRPr>
+            </a:lvl2pPr>
+            <a:lvl3pPr marL="1371600" marR="0" lvl="2" indent="-349250" algn="l" rtl="0">
+              <a:lnSpc>
+                <a:spcPct val="115000"/>
+              </a:lnSpc>
+              <a:spcBef>
+                <a:spcPts val="2100"/>
+              </a:spcBef>
+              <a:spcAft>
+                <a:spcPts val="0"/>
+              </a:spcAft>
+              <a:buClr>
+                <a:schemeClr val="dk2"/>
+              </a:buClr>
+              <a:buSzPts val="1900"/>
+              <a:buFont typeface="Ubuntu"/>
+              <a:buChar char="■"/>
+              <a:defRPr sz="1900" b="0" i="0" u="none" strike="noStrike" cap="none">
+                <a:solidFill>
+                  <a:schemeClr val="dk2"/>
+                </a:solidFill>
+                <a:latin typeface="Ubuntu"/>
+                <a:ea typeface="Ubuntu"/>
+                <a:cs typeface="Ubuntu"/>
+                <a:sym typeface="Ubuntu"/>
+              </a:defRPr>
+            </a:lvl3pPr>
+            <a:lvl4pPr marL="1828800" marR="0" lvl="3" indent="-349250" algn="l" rtl="0">
+              <a:lnSpc>
+                <a:spcPct val="115000"/>
+              </a:lnSpc>
+              <a:spcBef>
+                <a:spcPts val="2100"/>
+              </a:spcBef>
+              <a:spcAft>
+                <a:spcPts val="0"/>
+              </a:spcAft>
+              <a:buClr>
+                <a:schemeClr val="dk2"/>
+              </a:buClr>
+              <a:buSzPts val="1900"/>
+              <a:buFont typeface="Ubuntu"/>
+              <a:buChar char="●"/>
+              <a:defRPr sz="1900" b="0" i="0" u="none" strike="noStrike" cap="none">
+                <a:solidFill>
+                  <a:schemeClr val="dk2"/>
+                </a:solidFill>
+                <a:latin typeface="Ubuntu"/>
+                <a:ea typeface="Ubuntu"/>
+                <a:cs typeface="Ubuntu"/>
+                <a:sym typeface="Ubuntu"/>
+              </a:defRPr>
+            </a:lvl4pPr>
+            <a:lvl5pPr marL="2286000" marR="0" lvl="4" indent="-349250" algn="l" rtl="0">
+              <a:lnSpc>
+                <a:spcPct val="115000"/>
+              </a:lnSpc>
+              <a:spcBef>
+                <a:spcPts val="2100"/>
+              </a:spcBef>
+              <a:spcAft>
+                <a:spcPts val="0"/>
+              </a:spcAft>
+              <a:buClr>
+                <a:schemeClr val="dk2"/>
+              </a:buClr>
+              <a:buSzPts val="1900"/>
+              <a:buFont typeface="Ubuntu"/>
+              <a:buChar char="○"/>
+              <a:defRPr sz="1900" b="0" i="0" u="none" strike="noStrike" cap="none">
+                <a:solidFill>
+                  <a:schemeClr val="dk2"/>
+                </a:solidFill>
+                <a:latin typeface="Ubuntu"/>
+                <a:ea typeface="Ubuntu"/>
+                <a:cs typeface="Ubuntu"/>
+                <a:sym typeface="Ubuntu"/>
+              </a:defRPr>
+            </a:lvl5pPr>
+            <a:lvl6pPr marL="2743200" marR="0" lvl="5" indent="-349250" algn="l" rtl="0">
+              <a:lnSpc>
+                <a:spcPct val="115000"/>
+              </a:lnSpc>
+              <a:spcBef>
+                <a:spcPts val="2100"/>
+              </a:spcBef>
+              <a:spcAft>
+                <a:spcPts val="0"/>
+              </a:spcAft>
+              <a:buClr>
+                <a:schemeClr val="dk2"/>
+              </a:buClr>
+              <a:buSzPts val="1900"/>
+              <a:buFont typeface="Ubuntu"/>
+              <a:buChar char="■"/>
+              <a:defRPr sz="1900" b="0" i="0" u="none" strike="noStrike" cap="none">
+                <a:solidFill>
+                  <a:schemeClr val="dk2"/>
+                </a:solidFill>
+                <a:latin typeface="Ubuntu"/>
+                <a:ea typeface="Ubuntu"/>
+                <a:cs typeface="Ubuntu"/>
+                <a:sym typeface="Ubuntu"/>
+              </a:defRPr>
+            </a:lvl6pPr>
+            <a:lvl7pPr marL="3200400" marR="0" lvl="6" indent="-349250" algn="l" rtl="0">
+              <a:lnSpc>
+                <a:spcPct val="115000"/>
+              </a:lnSpc>
+              <a:spcBef>
+                <a:spcPts val="2100"/>
+              </a:spcBef>
+              <a:spcAft>
+                <a:spcPts val="0"/>
+              </a:spcAft>
+              <a:buClr>
+                <a:schemeClr val="dk2"/>
+              </a:buClr>
+              <a:buSzPts val="1900"/>
+              <a:buFont typeface="Ubuntu"/>
+              <a:buChar char="●"/>
+              <a:defRPr sz="1900" b="0" i="0" u="none" strike="noStrike" cap="none">
+                <a:solidFill>
+                  <a:schemeClr val="dk2"/>
+                </a:solidFill>
+                <a:latin typeface="Ubuntu"/>
+                <a:ea typeface="Ubuntu"/>
+                <a:cs typeface="Ubuntu"/>
+                <a:sym typeface="Ubuntu"/>
+              </a:defRPr>
+            </a:lvl7pPr>
+            <a:lvl8pPr marL="3657600" marR="0" lvl="7" indent="-349250" algn="l" rtl="0">
+              <a:lnSpc>
+                <a:spcPct val="115000"/>
+              </a:lnSpc>
+              <a:spcBef>
+                <a:spcPts val="2100"/>
+              </a:spcBef>
+              <a:spcAft>
+                <a:spcPts val="0"/>
+              </a:spcAft>
+              <a:buClr>
+                <a:schemeClr val="dk2"/>
+              </a:buClr>
+              <a:buSzPts val="1900"/>
+              <a:buFont typeface="Ubuntu"/>
+              <a:buChar char="○"/>
+              <a:defRPr sz="1900" b="0" i="0" u="none" strike="noStrike" cap="none">
+                <a:solidFill>
+                  <a:schemeClr val="dk2"/>
+                </a:solidFill>
+                <a:latin typeface="Ubuntu"/>
+                <a:ea typeface="Ubuntu"/>
+                <a:cs typeface="Ubuntu"/>
+                <a:sym typeface="Ubuntu"/>
+              </a:defRPr>
+            </a:lvl8pPr>
+            <a:lvl9pPr marL="4114800" marR="0" lvl="8" indent="-349250" algn="l" rtl="0">
+              <a:lnSpc>
+                <a:spcPct val="115000"/>
+              </a:lnSpc>
+              <a:spcBef>
+                <a:spcPts val="2100"/>
+              </a:spcBef>
+              <a:spcAft>
+                <a:spcPts val="2100"/>
+              </a:spcAft>
+              <a:buClr>
+                <a:schemeClr val="dk2"/>
+              </a:buClr>
+              <a:buSzPts val="1900"/>
+              <a:buFont typeface="Ubuntu"/>
+              <a:buChar char="■"/>
+              <a:defRPr sz="1900" b="0" i="0" u="none" strike="noStrike" cap="none">
+                <a:solidFill>
+                  <a:schemeClr val="dk2"/>
+                </a:solidFill>
+                <a:latin typeface="Ubuntu"/>
+                <a:ea typeface="Ubuntu"/>
+                <a:cs typeface="Ubuntu"/>
+                <a:sym typeface="Ubuntu"/>
+              </a:defRPr>
+            </a:lvl9pPr>
+          </a:lstStyle>
+          <a:p>
+            <a:pPr marL="107950" indent="0" algn="ctr">
+              <a:buNone/>
+            </a:pPr>
+            <a:r>
+              <a:rPr lang="en-US" sz="1800" b="1">
+                <a:latin typeface="Times New Roman" panose="02020603050405020304" pitchFamily="18" charset="0"/>
+                <a:cs typeface="Times New Roman" panose="02020603050405020304" pitchFamily="18" charset="0"/>
+              </a:rPr>
+              <a:t>USE CASE QUẢN LÝ ĐỊA PHƯƠNG</a:t>
+            </a:r>
+            <a:endParaRPr lang="en-US" sz="1800" b="1" dirty="0">
+              <a:latin typeface="Times New Roman" panose="02020603050405020304" pitchFamily="18" charset="0"/>
+              <a:cs typeface="Times New Roman" panose="02020603050405020304" pitchFamily="18" charset="0"/>
+            </a:endParaRPr>
+          </a:p>
+        </p:txBody>
+      </p:sp>
+      <p:pic>
+        <p:nvPicPr>
+          <p:cNvPr id="4" name="Picture 3">
+            <a:extLst>
+              <a:ext uri="{FF2B5EF4-FFF2-40B4-BE49-F238E27FC236}">
+                <a16:creationId xmlns:a16="http://schemas.microsoft.com/office/drawing/2014/main" id="{E86CA827-F5D6-1DF7-A7C5-C6FFAA7B684A}"/>
+              </a:ext>
+            </a:extLst>
+          </p:cNvPr>
+          <p:cNvPicPr>
+            <a:picLocks noChangeAspect="1"/>
+          </p:cNvPicPr>
+          <p:nvPr/>
+        </p:nvPicPr>
+        <p:blipFill>
+          <a:blip r:embed="rId3"/>
+          <a:srcRect/>
+          <a:stretch/>
+        </p:blipFill>
+        <p:spPr>
+          <a:xfrm>
+            <a:off x="960120" y="2083953"/>
+            <a:ext cx="10206990" cy="3573897"/>
+          </a:xfrm>
+          <a:prstGeom prst="rect">
+            <a:avLst/>
+          </a:prstGeom>
+        </p:spPr>
+      </p:pic>
+    </p:spTree>
+    <p:extLst>
+      <p:ext uri="{BB962C8B-B14F-4D97-AF65-F5344CB8AC3E}">
+        <p14:creationId xmlns:p14="http://schemas.microsoft.com/office/powerpoint/2010/main" val="635125431"/>
+      </p:ext>
+    </p:extLst>
+  </p:cSld>
+  <p:clrMapOvr>
+    <a:masterClrMapping/>
+  </p:clrMapOvr>
+</p:sld>
+</file>
+
+<file path=ppt/slides/slide14.xml><?xml version="1.0" encoding="utf-8"?>
+<p:sld xmlns:a="http://schemas.openxmlformats.org/drawingml/2006/main" xmlns:r="http://schemas.openxmlformats.org/officeDocument/2006/relationships" xmlns:p="http://schemas.openxmlformats.org/presentationml/2006/main">
+  <p:cSld>
+    <p:spTree>
+      <p:nvGrpSpPr>
+        <p:cNvPr id="1" name="Shape 369"/>
+        <p:cNvGrpSpPr/>
+        <p:nvPr/>
+      </p:nvGrpSpPr>
+      <p:grpSpPr>
+        <a:xfrm>
+          <a:off x="0" y="0"/>
+          <a:ext cx="0" cy="0"/>
+          <a:chOff x="0" y="0"/>
+          <a:chExt cx="0" cy="0"/>
+        </a:xfrm>
+      </p:grpSpPr>
+      <p:sp>
+        <p:nvSpPr>
+          <p:cNvPr id="370" name="Google Shape;370;p21"/>
+          <p:cNvSpPr txBox="1">
+            <a:spLocks noGrp="1"/>
+          </p:cNvSpPr>
+          <p:nvPr>
+            <p:ph type="title"/>
+          </p:nvPr>
+        </p:nvSpPr>
+        <p:spPr>
+          <a:xfrm>
+            <a:off x="1239400" y="675675"/>
+            <a:ext cx="9682200" cy="763500"/>
+          </a:xfrm>
+          <a:prstGeom prst="rect">
+            <a:avLst/>
+          </a:prstGeom>
+        </p:spPr>
+        <p:txBody>
+          <a:bodyPr spcFirstLastPara="1" wrap="square" lIns="121900" tIns="121900" rIns="121900" bIns="121900" anchor="ctr" anchorCtr="0">
+            <a:noAutofit/>
+          </a:bodyPr>
+          <a:lstStyle/>
+          <a:p>
+            <a:pPr lvl="0"/>
+            <a:r>
+              <a:rPr lang="en-US">
+                <a:latin typeface="Times New Roman" panose="02020603050405020304" pitchFamily="18" charset="0"/>
+                <a:cs typeface="Times New Roman" panose="02020603050405020304" pitchFamily="18" charset="0"/>
+              </a:rPr>
+              <a:t>MÔ HÌNH TRIỂN KHAI</a:t>
+            </a:r>
+            <a:endParaRPr dirty="0">
+              <a:latin typeface="Times New Roman" panose="02020603050405020304" pitchFamily="18" charset="0"/>
+              <a:cs typeface="Times New Roman" panose="02020603050405020304" pitchFamily="18" charset="0"/>
+            </a:endParaRPr>
+          </a:p>
+        </p:txBody>
+      </p:sp>
+      <p:sp>
+        <p:nvSpPr>
+          <p:cNvPr id="5" name="Google Shape;413;p24">
+            <a:extLst>
+              <a:ext uri="{FF2B5EF4-FFF2-40B4-BE49-F238E27FC236}">
+                <a16:creationId xmlns:a16="http://schemas.microsoft.com/office/drawing/2014/main" id="{8450B949-F89D-3AC7-9623-533CFF96F5F7}"/>
+              </a:ext>
+            </a:extLst>
+          </p:cNvPr>
+          <p:cNvSpPr txBox="1">
+            <a:spLocks/>
+          </p:cNvSpPr>
+          <p:nvPr/>
+        </p:nvSpPr>
+        <p:spPr>
+          <a:xfrm>
+            <a:off x="3275036" y="5779200"/>
+            <a:ext cx="5610925" cy="580105"/>
+          </a:xfrm>
+          <a:prstGeom prst="rect">
+            <a:avLst/>
+          </a:prstGeom>
+          <a:noFill/>
+          <a:ln>
+            <a:noFill/>
+          </a:ln>
+        </p:spPr>
+        <p:txBody>
+          <a:bodyPr spcFirstLastPara="1" wrap="square" lIns="121900" tIns="121900" rIns="121900" bIns="121900" anchor="t" anchorCtr="0">
+            <a:noAutofit/>
+          </a:bodyPr>
+          <a:lstStyle>
+            <a:defPPr marR="0" lvl="0" algn="l" rtl="0">
+              <a:lnSpc>
+                <a:spcPct val="100000"/>
+              </a:lnSpc>
+              <a:spcBef>
+                <a:spcPts val="0"/>
+              </a:spcBef>
+              <a:spcAft>
+                <a:spcPts val="0"/>
+              </a:spcAft>
+            </a:defPPr>
+            <a:lvl1pPr marL="457200" marR="0" lvl="0" indent="-349250" algn="l" rtl="0">
+              <a:lnSpc>
+                <a:spcPct val="115000"/>
+              </a:lnSpc>
+              <a:spcBef>
+                <a:spcPts val="0"/>
+              </a:spcBef>
+              <a:spcAft>
+                <a:spcPts val="0"/>
+              </a:spcAft>
+              <a:buClr>
+                <a:schemeClr val="dk2"/>
+              </a:buClr>
+              <a:buSzPts val="1900"/>
+              <a:buFont typeface="Ubuntu"/>
+              <a:buChar char="●"/>
+              <a:defRPr sz="1900" b="0" i="0" u="none" strike="noStrike" cap="none">
+                <a:solidFill>
+                  <a:schemeClr val="dk2"/>
+                </a:solidFill>
+                <a:latin typeface="Ubuntu"/>
+                <a:ea typeface="Ubuntu"/>
+                <a:cs typeface="Ubuntu"/>
+                <a:sym typeface="Ubuntu"/>
+              </a:defRPr>
+            </a:lvl1pPr>
+            <a:lvl2pPr marL="914400" marR="0" lvl="1" indent="-349250" algn="l" rtl="0">
+              <a:lnSpc>
+                <a:spcPct val="115000"/>
+              </a:lnSpc>
+              <a:spcBef>
+                <a:spcPts val="0"/>
+              </a:spcBef>
+              <a:spcAft>
+                <a:spcPts val="0"/>
+              </a:spcAft>
+              <a:buClr>
+                <a:schemeClr val="dk2"/>
+              </a:buClr>
+              <a:buSzPts val="1900"/>
+              <a:buFont typeface="Ubuntu"/>
+              <a:buChar char="○"/>
+              <a:defRPr sz="1900" b="0" i="0" u="none" strike="noStrike" cap="none">
+                <a:solidFill>
+                  <a:schemeClr val="dk2"/>
+                </a:solidFill>
+                <a:latin typeface="Ubuntu"/>
+                <a:ea typeface="Ubuntu"/>
+                <a:cs typeface="Ubuntu"/>
+                <a:sym typeface="Ubuntu"/>
+              </a:defRPr>
+            </a:lvl2pPr>
+            <a:lvl3pPr marL="1371600" marR="0" lvl="2" indent="-349250" algn="l" rtl="0">
+              <a:lnSpc>
+                <a:spcPct val="115000"/>
+              </a:lnSpc>
+              <a:spcBef>
+                <a:spcPts val="2100"/>
+              </a:spcBef>
+              <a:spcAft>
+                <a:spcPts val="0"/>
+              </a:spcAft>
+              <a:buClr>
+                <a:schemeClr val="dk2"/>
+              </a:buClr>
+              <a:buSzPts val="1900"/>
+              <a:buFont typeface="Ubuntu"/>
+              <a:buChar char="■"/>
+              <a:defRPr sz="1900" b="0" i="0" u="none" strike="noStrike" cap="none">
+                <a:solidFill>
+                  <a:schemeClr val="dk2"/>
+                </a:solidFill>
+                <a:latin typeface="Ubuntu"/>
+                <a:ea typeface="Ubuntu"/>
+                <a:cs typeface="Ubuntu"/>
+                <a:sym typeface="Ubuntu"/>
+              </a:defRPr>
+            </a:lvl3pPr>
+            <a:lvl4pPr marL="1828800" marR="0" lvl="3" indent="-349250" algn="l" rtl="0">
+              <a:lnSpc>
+                <a:spcPct val="115000"/>
+              </a:lnSpc>
+              <a:spcBef>
+                <a:spcPts val="2100"/>
+              </a:spcBef>
+              <a:spcAft>
+                <a:spcPts val="0"/>
+              </a:spcAft>
+              <a:buClr>
+                <a:schemeClr val="dk2"/>
+              </a:buClr>
+              <a:buSzPts val="1900"/>
+              <a:buFont typeface="Ubuntu"/>
+              <a:buChar char="●"/>
+              <a:defRPr sz="1900" b="0" i="0" u="none" strike="noStrike" cap="none">
+                <a:solidFill>
+                  <a:schemeClr val="dk2"/>
+                </a:solidFill>
+                <a:latin typeface="Ubuntu"/>
+                <a:ea typeface="Ubuntu"/>
+                <a:cs typeface="Ubuntu"/>
+                <a:sym typeface="Ubuntu"/>
+              </a:defRPr>
+            </a:lvl4pPr>
+            <a:lvl5pPr marL="2286000" marR="0" lvl="4" indent="-349250" algn="l" rtl="0">
+              <a:lnSpc>
+                <a:spcPct val="115000"/>
+              </a:lnSpc>
+              <a:spcBef>
+                <a:spcPts val="2100"/>
+              </a:spcBef>
+              <a:spcAft>
+                <a:spcPts val="0"/>
+              </a:spcAft>
+              <a:buClr>
+                <a:schemeClr val="dk2"/>
+              </a:buClr>
+              <a:buSzPts val="1900"/>
+              <a:buFont typeface="Ubuntu"/>
+              <a:buChar char="○"/>
+              <a:defRPr sz="1900" b="0" i="0" u="none" strike="noStrike" cap="none">
+                <a:solidFill>
+                  <a:schemeClr val="dk2"/>
+                </a:solidFill>
+                <a:latin typeface="Ubuntu"/>
+                <a:ea typeface="Ubuntu"/>
+                <a:cs typeface="Ubuntu"/>
+                <a:sym typeface="Ubuntu"/>
+              </a:defRPr>
+            </a:lvl5pPr>
+            <a:lvl6pPr marL="2743200" marR="0" lvl="5" indent="-349250" algn="l" rtl="0">
+              <a:lnSpc>
+                <a:spcPct val="115000"/>
+              </a:lnSpc>
+              <a:spcBef>
+                <a:spcPts val="2100"/>
+              </a:spcBef>
+              <a:spcAft>
+                <a:spcPts val="0"/>
+              </a:spcAft>
+              <a:buClr>
+                <a:schemeClr val="dk2"/>
+              </a:buClr>
+              <a:buSzPts val="1900"/>
+              <a:buFont typeface="Ubuntu"/>
+              <a:buChar char="■"/>
+              <a:defRPr sz="1900" b="0" i="0" u="none" strike="noStrike" cap="none">
+                <a:solidFill>
+                  <a:schemeClr val="dk2"/>
+                </a:solidFill>
+                <a:latin typeface="Ubuntu"/>
+                <a:ea typeface="Ubuntu"/>
+                <a:cs typeface="Ubuntu"/>
+                <a:sym typeface="Ubuntu"/>
+              </a:defRPr>
+            </a:lvl6pPr>
+            <a:lvl7pPr marL="3200400" marR="0" lvl="6" indent="-349250" algn="l" rtl="0">
+              <a:lnSpc>
+                <a:spcPct val="115000"/>
+              </a:lnSpc>
+              <a:spcBef>
+                <a:spcPts val="2100"/>
+              </a:spcBef>
+              <a:spcAft>
+                <a:spcPts val="0"/>
+              </a:spcAft>
+              <a:buClr>
+                <a:schemeClr val="dk2"/>
+              </a:buClr>
+              <a:buSzPts val="1900"/>
+              <a:buFont typeface="Ubuntu"/>
+              <a:buChar char="●"/>
+              <a:defRPr sz="1900" b="0" i="0" u="none" strike="noStrike" cap="none">
+                <a:solidFill>
+                  <a:schemeClr val="dk2"/>
+                </a:solidFill>
+                <a:latin typeface="Ubuntu"/>
+                <a:ea typeface="Ubuntu"/>
+                <a:cs typeface="Ubuntu"/>
+                <a:sym typeface="Ubuntu"/>
+              </a:defRPr>
+            </a:lvl7pPr>
+            <a:lvl8pPr marL="3657600" marR="0" lvl="7" indent="-349250" algn="l" rtl="0">
+              <a:lnSpc>
+                <a:spcPct val="115000"/>
+              </a:lnSpc>
+              <a:spcBef>
+                <a:spcPts val="2100"/>
+              </a:spcBef>
+              <a:spcAft>
+                <a:spcPts val="0"/>
+              </a:spcAft>
+              <a:buClr>
+                <a:schemeClr val="dk2"/>
+              </a:buClr>
+              <a:buSzPts val="1900"/>
+              <a:buFont typeface="Ubuntu"/>
+              <a:buChar char="○"/>
+              <a:defRPr sz="1900" b="0" i="0" u="none" strike="noStrike" cap="none">
+                <a:solidFill>
+                  <a:schemeClr val="dk2"/>
+                </a:solidFill>
+                <a:latin typeface="Ubuntu"/>
+                <a:ea typeface="Ubuntu"/>
+                <a:cs typeface="Ubuntu"/>
+                <a:sym typeface="Ubuntu"/>
+              </a:defRPr>
+            </a:lvl8pPr>
+            <a:lvl9pPr marL="4114800" marR="0" lvl="8" indent="-349250" algn="l" rtl="0">
+              <a:lnSpc>
+                <a:spcPct val="115000"/>
+              </a:lnSpc>
+              <a:spcBef>
+                <a:spcPts val="2100"/>
+              </a:spcBef>
+              <a:spcAft>
+                <a:spcPts val="2100"/>
+              </a:spcAft>
+              <a:buClr>
+                <a:schemeClr val="dk2"/>
+              </a:buClr>
+              <a:buSzPts val="1900"/>
+              <a:buFont typeface="Ubuntu"/>
+              <a:buChar char="■"/>
+              <a:defRPr sz="1900" b="0" i="0" u="none" strike="noStrike" cap="none">
+                <a:solidFill>
+                  <a:schemeClr val="dk2"/>
+                </a:solidFill>
+                <a:latin typeface="Ubuntu"/>
+                <a:ea typeface="Ubuntu"/>
+                <a:cs typeface="Ubuntu"/>
+                <a:sym typeface="Ubuntu"/>
+              </a:defRPr>
+            </a:lvl9pPr>
+          </a:lstStyle>
+          <a:p>
+            <a:pPr marL="107950" indent="0" algn="ctr">
+              <a:buNone/>
+            </a:pPr>
+            <a:r>
+              <a:rPr lang="en-US" sz="1800" b="1">
+                <a:latin typeface="Times New Roman" panose="02020603050405020304" pitchFamily="18" charset="0"/>
+                <a:cs typeface="Times New Roman" panose="02020603050405020304" pitchFamily="18" charset="0"/>
+              </a:rPr>
+              <a:t>USE CASE QUẢN LÝ SẢN PHẨM</a:t>
+            </a:r>
+            <a:endParaRPr lang="en-US" sz="1800" b="1" dirty="0">
+              <a:latin typeface="Times New Roman" panose="02020603050405020304" pitchFamily="18" charset="0"/>
+              <a:cs typeface="Times New Roman" panose="02020603050405020304" pitchFamily="18" charset="0"/>
+            </a:endParaRPr>
+          </a:p>
+        </p:txBody>
+      </p:sp>
+      <p:pic>
+        <p:nvPicPr>
+          <p:cNvPr id="4" name="Picture 3">
+            <a:extLst>
+              <a:ext uri="{FF2B5EF4-FFF2-40B4-BE49-F238E27FC236}">
+                <a16:creationId xmlns:a16="http://schemas.microsoft.com/office/drawing/2014/main" id="{E86CA827-F5D6-1DF7-A7C5-C6FFAA7B684A}"/>
+              </a:ext>
+            </a:extLst>
+          </p:cNvPr>
+          <p:cNvPicPr>
+            <a:picLocks noChangeAspect="1"/>
+          </p:cNvPicPr>
+          <p:nvPr/>
+        </p:nvPicPr>
+        <p:blipFill>
+          <a:blip r:embed="rId3"/>
+          <a:srcRect/>
+          <a:stretch/>
+        </p:blipFill>
+        <p:spPr>
+          <a:xfrm>
+            <a:off x="960120" y="2083953"/>
+            <a:ext cx="10344149" cy="3573897"/>
+          </a:xfrm>
+          <a:prstGeom prst="rect">
+            <a:avLst/>
+          </a:prstGeom>
+        </p:spPr>
+      </p:pic>
+    </p:spTree>
+    <p:extLst>
+      <p:ext uri="{BB962C8B-B14F-4D97-AF65-F5344CB8AC3E}">
+        <p14:creationId xmlns:p14="http://schemas.microsoft.com/office/powerpoint/2010/main" val="1137794987"/>
+      </p:ext>
+    </p:extLst>
+  </p:cSld>
+  <p:clrMapOvr>
+    <a:masterClrMapping/>
+  </p:clrMapOvr>
+</p:sld>
+</file>
+
+<file path=ppt/slides/slide15.xml><?xml version="1.0" encoding="utf-8"?>
+<p:sld xmlns:a="http://schemas.openxmlformats.org/drawingml/2006/main" xmlns:r="http://schemas.openxmlformats.org/officeDocument/2006/relationships" xmlns:p="http://schemas.openxmlformats.org/presentationml/2006/main">
+  <p:cSld>
+    <p:spTree>
+      <p:nvGrpSpPr>
+        <p:cNvPr id="1" name="Shape 369"/>
+        <p:cNvGrpSpPr/>
+        <p:nvPr/>
+      </p:nvGrpSpPr>
+      <p:grpSpPr>
+        <a:xfrm>
+          <a:off x="0" y="0"/>
+          <a:ext cx="0" cy="0"/>
+          <a:chOff x="0" y="0"/>
+          <a:chExt cx="0" cy="0"/>
+        </a:xfrm>
+      </p:grpSpPr>
+      <p:sp>
+        <p:nvSpPr>
+          <p:cNvPr id="370" name="Google Shape;370;p21"/>
+          <p:cNvSpPr txBox="1">
+            <a:spLocks noGrp="1"/>
+          </p:cNvSpPr>
+          <p:nvPr>
+            <p:ph type="title"/>
+          </p:nvPr>
+        </p:nvSpPr>
+        <p:spPr>
+          <a:xfrm>
+            <a:off x="1239400" y="675675"/>
+            <a:ext cx="9682200" cy="763500"/>
+          </a:xfrm>
+          <a:prstGeom prst="rect">
+            <a:avLst/>
+          </a:prstGeom>
+        </p:spPr>
+        <p:txBody>
+          <a:bodyPr spcFirstLastPara="1" wrap="square" lIns="121900" tIns="121900" rIns="121900" bIns="121900" anchor="ctr" anchorCtr="0">
+            <a:noAutofit/>
+          </a:bodyPr>
+          <a:lstStyle/>
+          <a:p>
+            <a:pPr lvl="0"/>
+            <a:r>
+              <a:rPr lang="en-US">
+                <a:latin typeface="Times New Roman" panose="02020603050405020304" pitchFamily="18" charset="0"/>
+                <a:cs typeface="Times New Roman" panose="02020603050405020304" pitchFamily="18" charset="0"/>
+              </a:rPr>
+              <a:t>MÔ HÌNH TRIỂN KHAI</a:t>
+            </a:r>
+            <a:endParaRPr dirty="0">
+              <a:latin typeface="Times New Roman" panose="02020603050405020304" pitchFamily="18" charset="0"/>
+              <a:cs typeface="Times New Roman" panose="02020603050405020304" pitchFamily="18" charset="0"/>
+            </a:endParaRPr>
+          </a:p>
+        </p:txBody>
+      </p:sp>
+      <p:sp>
+        <p:nvSpPr>
+          <p:cNvPr id="5" name="Google Shape;413;p24">
+            <a:extLst>
+              <a:ext uri="{FF2B5EF4-FFF2-40B4-BE49-F238E27FC236}">
+                <a16:creationId xmlns:a16="http://schemas.microsoft.com/office/drawing/2014/main" id="{8450B949-F89D-3AC7-9623-533CFF96F5F7}"/>
+              </a:ext>
+            </a:extLst>
+          </p:cNvPr>
+          <p:cNvSpPr txBox="1">
+            <a:spLocks/>
+          </p:cNvSpPr>
+          <p:nvPr/>
+        </p:nvSpPr>
+        <p:spPr>
+          <a:xfrm>
+            <a:off x="3275036" y="5779200"/>
+            <a:ext cx="5610925" cy="580105"/>
+          </a:xfrm>
+          <a:prstGeom prst="rect">
+            <a:avLst/>
+          </a:prstGeom>
+          <a:noFill/>
+          <a:ln>
+            <a:noFill/>
+          </a:ln>
+        </p:spPr>
+        <p:txBody>
+          <a:bodyPr spcFirstLastPara="1" wrap="square" lIns="121900" tIns="121900" rIns="121900" bIns="121900" anchor="t" anchorCtr="0">
+            <a:noAutofit/>
+          </a:bodyPr>
+          <a:lstStyle>
+            <a:defPPr marR="0" lvl="0" algn="l" rtl="0">
+              <a:lnSpc>
+                <a:spcPct val="100000"/>
+              </a:lnSpc>
+              <a:spcBef>
+                <a:spcPts val="0"/>
+              </a:spcBef>
+              <a:spcAft>
+                <a:spcPts val="0"/>
+              </a:spcAft>
+            </a:defPPr>
+            <a:lvl1pPr marL="457200" marR="0" lvl="0" indent="-349250" algn="l" rtl="0">
+              <a:lnSpc>
+                <a:spcPct val="115000"/>
+              </a:lnSpc>
+              <a:spcBef>
+                <a:spcPts val="0"/>
+              </a:spcBef>
+              <a:spcAft>
+                <a:spcPts val="0"/>
+              </a:spcAft>
+              <a:buClr>
+                <a:schemeClr val="dk2"/>
+              </a:buClr>
+              <a:buSzPts val="1900"/>
+              <a:buFont typeface="Ubuntu"/>
+              <a:buChar char="●"/>
+              <a:defRPr sz="1900" b="0" i="0" u="none" strike="noStrike" cap="none">
+                <a:solidFill>
+                  <a:schemeClr val="dk2"/>
+                </a:solidFill>
+                <a:latin typeface="Ubuntu"/>
+                <a:ea typeface="Ubuntu"/>
+                <a:cs typeface="Ubuntu"/>
+                <a:sym typeface="Ubuntu"/>
+              </a:defRPr>
+            </a:lvl1pPr>
+            <a:lvl2pPr marL="914400" marR="0" lvl="1" indent="-349250" algn="l" rtl="0">
+              <a:lnSpc>
+                <a:spcPct val="115000"/>
+              </a:lnSpc>
+              <a:spcBef>
+                <a:spcPts val="0"/>
+              </a:spcBef>
+              <a:spcAft>
+                <a:spcPts val="0"/>
+              </a:spcAft>
+              <a:buClr>
+                <a:schemeClr val="dk2"/>
+              </a:buClr>
+              <a:buSzPts val="1900"/>
+              <a:buFont typeface="Ubuntu"/>
+              <a:buChar char="○"/>
+              <a:defRPr sz="1900" b="0" i="0" u="none" strike="noStrike" cap="none">
+                <a:solidFill>
+                  <a:schemeClr val="dk2"/>
+                </a:solidFill>
+                <a:latin typeface="Ubuntu"/>
+                <a:ea typeface="Ubuntu"/>
+                <a:cs typeface="Ubuntu"/>
+                <a:sym typeface="Ubuntu"/>
+              </a:defRPr>
+            </a:lvl2pPr>
+            <a:lvl3pPr marL="1371600" marR="0" lvl="2" indent="-349250" algn="l" rtl="0">
+              <a:lnSpc>
+                <a:spcPct val="115000"/>
+              </a:lnSpc>
+              <a:spcBef>
+                <a:spcPts val="2100"/>
+              </a:spcBef>
+              <a:spcAft>
+                <a:spcPts val="0"/>
+              </a:spcAft>
+              <a:buClr>
+                <a:schemeClr val="dk2"/>
+              </a:buClr>
+              <a:buSzPts val="1900"/>
+              <a:buFont typeface="Ubuntu"/>
+              <a:buChar char="■"/>
+              <a:defRPr sz="1900" b="0" i="0" u="none" strike="noStrike" cap="none">
+                <a:solidFill>
+                  <a:schemeClr val="dk2"/>
+                </a:solidFill>
+                <a:latin typeface="Ubuntu"/>
+                <a:ea typeface="Ubuntu"/>
+                <a:cs typeface="Ubuntu"/>
+                <a:sym typeface="Ubuntu"/>
+              </a:defRPr>
+            </a:lvl3pPr>
+            <a:lvl4pPr marL="1828800" marR="0" lvl="3" indent="-349250" algn="l" rtl="0">
+              <a:lnSpc>
+                <a:spcPct val="115000"/>
+              </a:lnSpc>
+              <a:spcBef>
+                <a:spcPts val="2100"/>
+              </a:spcBef>
+              <a:spcAft>
+                <a:spcPts val="0"/>
+              </a:spcAft>
+              <a:buClr>
+                <a:schemeClr val="dk2"/>
+              </a:buClr>
+              <a:buSzPts val="1900"/>
+              <a:buFont typeface="Ubuntu"/>
+              <a:buChar char="●"/>
+              <a:defRPr sz="1900" b="0" i="0" u="none" strike="noStrike" cap="none">
+                <a:solidFill>
+                  <a:schemeClr val="dk2"/>
+                </a:solidFill>
+                <a:latin typeface="Ubuntu"/>
+                <a:ea typeface="Ubuntu"/>
+                <a:cs typeface="Ubuntu"/>
+                <a:sym typeface="Ubuntu"/>
+              </a:defRPr>
+            </a:lvl4pPr>
+            <a:lvl5pPr marL="2286000" marR="0" lvl="4" indent="-349250" algn="l" rtl="0">
+              <a:lnSpc>
+                <a:spcPct val="115000"/>
+              </a:lnSpc>
+              <a:spcBef>
+                <a:spcPts val="2100"/>
+              </a:spcBef>
+              <a:spcAft>
+                <a:spcPts val="0"/>
+              </a:spcAft>
+              <a:buClr>
+                <a:schemeClr val="dk2"/>
+              </a:buClr>
+              <a:buSzPts val="1900"/>
+              <a:buFont typeface="Ubuntu"/>
+              <a:buChar char="○"/>
+              <a:defRPr sz="1900" b="0" i="0" u="none" strike="noStrike" cap="none">
+                <a:solidFill>
+                  <a:schemeClr val="dk2"/>
+                </a:solidFill>
+                <a:latin typeface="Ubuntu"/>
+                <a:ea typeface="Ubuntu"/>
+                <a:cs typeface="Ubuntu"/>
+                <a:sym typeface="Ubuntu"/>
+              </a:defRPr>
+            </a:lvl5pPr>
+            <a:lvl6pPr marL="2743200" marR="0" lvl="5" indent="-349250" algn="l" rtl="0">
+              <a:lnSpc>
+                <a:spcPct val="115000"/>
+              </a:lnSpc>
+              <a:spcBef>
+                <a:spcPts val="2100"/>
+              </a:spcBef>
+              <a:spcAft>
+                <a:spcPts val="0"/>
+              </a:spcAft>
+              <a:buClr>
+                <a:schemeClr val="dk2"/>
+              </a:buClr>
+              <a:buSzPts val="1900"/>
+              <a:buFont typeface="Ubuntu"/>
+              <a:buChar char="■"/>
+              <a:defRPr sz="1900" b="0" i="0" u="none" strike="noStrike" cap="none">
+                <a:solidFill>
+                  <a:schemeClr val="dk2"/>
+                </a:solidFill>
+                <a:latin typeface="Ubuntu"/>
+                <a:ea typeface="Ubuntu"/>
+                <a:cs typeface="Ubuntu"/>
+                <a:sym typeface="Ubuntu"/>
+              </a:defRPr>
+            </a:lvl6pPr>
+            <a:lvl7pPr marL="3200400" marR="0" lvl="6" indent="-349250" algn="l" rtl="0">
+              <a:lnSpc>
+                <a:spcPct val="115000"/>
+              </a:lnSpc>
+              <a:spcBef>
+                <a:spcPts val="2100"/>
+              </a:spcBef>
+              <a:spcAft>
+                <a:spcPts val="0"/>
+              </a:spcAft>
+              <a:buClr>
+                <a:schemeClr val="dk2"/>
+              </a:buClr>
+              <a:buSzPts val="1900"/>
+              <a:buFont typeface="Ubuntu"/>
+              <a:buChar char="●"/>
+              <a:defRPr sz="1900" b="0" i="0" u="none" strike="noStrike" cap="none">
+                <a:solidFill>
+                  <a:schemeClr val="dk2"/>
+                </a:solidFill>
+                <a:latin typeface="Ubuntu"/>
+                <a:ea typeface="Ubuntu"/>
+                <a:cs typeface="Ubuntu"/>
+                <a:sym typeface="Ubuntu"/>
+              </a:defRPr>
+            </a:lvl7pPr>
+            <a:lvl8pPr marL="3657600" marR="0" lvl="7" indent="-349250" algn="l" rtl="0">
+              <a:lnSpc>
+                <a:spcPct val="115000"/>
+              </a:lnSpc>
+              <a:spcBef>
+                <a:spcPts val="2100"/>
+              </a:spcBef>
+              <a:spcAft>
+                <a:spcPts val="0"/>
+              </a:spcAft>
+              <a:buClr>
+                <a:schemeClr val="dk2"/>
+              </a:buClr>
+              <a:buSzPts val="1900"/>
+              <a:buFont typeface="Ubuntu"/>
+              <a:buChar char="○"/>
+              <a:defRPr sz="1900" b="0" i="0" u="none" strike="noStrike" cap="none">
+                <a:solidFill>
+                  <a:schemeClr val="dk2"/>
+                </a:solidFill>
+                <a:latin typeface="Ubuntu"/>
+                <a:ea typeface="Ubuntu"/>
+                <a:cs typeface="Ubuntu"/>
+                <a:sym typeface="Ubuntu"/>
+              </a:defRPr>
+            </a:lvl8pPr>
+            <a:lvl9pPr marL="4114800" marR="0" lvl="8" indent="-349250" algn="l" rtl="0">
+              <a:lnSpc>
+                <a:spcPct val="115000"/>
+              </a:lnSpc>
+              <a:spcBef>
+                <a:spcPts val="2100"/>
+              </a:spcBef>
+              <a:spcAft>
+                <a:spcPts val="2100"/>
+              </a:spcAft>
+              <a:buClr>
+                <a:schemeClr val="dk2"/>
+              </a:buClr>
+              <a:buSzPts val="1900"/>
+              <a:buFont typeface="Ubuntu"/>
+              <a:buChar char="■"/>
+              <a:defRPr sz="1900" b="0" i="0" u="none" strike="noStrike" cap="none">
+                <a:solidFill>
+                  <a:schemeClr val="dk2"/>
+                </a:solidFill>
+                <a:latin typeface="Ubuntu"/>
+                <a:ea typeface="Ubuntu"/>
+                <a:cs typeface="Ubuntu"/>
+                <a:sym typeface="Ubuntu"/>
+              </a:defRPr>
+            </a:lvl9pPr>
+          </a:lstStyle>
+          <a:p>
+            <a:pPr marL="107950" indent="0" algn="ctr">
+              <a:buNone/>
+            </a:pPr>
+            <a:r>
+              <a:rPr lang="en-US" sz="1800" b="1">
+                <a:latin typeface="Times New Roman" panose="02020603050405020304" pitchFamily="18" charset="0"/>
+                <a:cs typeface="Times New Roman" panose="02020603050405020304" pitchFamily="18" charset="0"/>
+              </a:rPr>
+              <a:t>USE CASE QUẢN LÝ SẢN PHẨM</a:t>
+            </a:r>
+            <a:endParaRPr lang="en-US" sz="1800" b="1" dirty="0">
+              <a:latin typeface="Times New Roman" panose="02020603050405020304" pitchFamily="18" charset="0"/>
+              <a:cs typeface="Times New Roman" panose="02020603050405020304" pitchFamily="18" charset="0"/>
+            </a:endParaRPr>
+          </a:p>
+        </p:txBody>
+      </p:sp>
+      <p:pic>
+        <p:nvPicPr>
+          <p:cNvPr id="4" name="Picture 3">
+            <a:extLst>
+              <a:ext uri="{FF2B5EF4-FFF2-40B4-BE49-F238E27FC236}">
+                <a16:creationId xmlns:a16="http://schemas.microsoft.com/office/drawing/2014/main" id="{E86CA827-F5D6-1DF7-A7C5-C6FFAA7B684A}"/>
+              </a:ext>
+            </a:extLst>
+          </p:cNvPr>
+          <p:cNvPicPr>
+            <a:picLocks noChangeAspect="1"/>
+          </p:cNvPicPr>
+          <p:nvPr/>
+        </p:nvPicPr>
+        <p:blipFill>
+          <a:blip r:embed="rId3"/>
+          <a:srcRect/>
+          <a:stretch/>
+        </p:blipFill>
+        <p:spPr>
+          <a:xfrm>
+            <a:off x="960120" y="1965960"/>
+            <a:ext cx="10344149" cy="3566160"/>
+          </a:xfrm>
+          <a:prstGeom prst="rect">
+            <a:avLst/>
+          </a:prstGeom>
+        </p:spPr>
+      </p:pic>
+    </p:spTree>
+    <p:extLst>
+      <p:ext uri="{BB962C8B-B14F-4D97-AF65-F5344CB8AC3E}">
+        <p14:creationId xmlns:p14="http://schemas.microsoft.com/office/powerpoint/2010/main" val="403611202"/>
+      </p:ext>
+    </p:extLst>
+  </p:cSld>
+  <p:clrMapOvr>
+    <a:masterClrMapping/>
+  </p:clrMapOvr>
+</p:sld>
+</file>
+
+<file path=ppt/slides/slide16.xml><?xml version="1.0" encoding="utf-8"?>
+<p:sld xmlns:a="http://schemas.openxmlformats.org/drawingml/2006/main" xmlns:r="http://schemas.openxmlformats.org/officeDocument/2006/relationships" xmlns:p="http://schemas.openxmlformats.org/presentationml/2006/main">
+  <p:cSld>
+    <p:spTree>
+      <p:nvGrpSpPr>
+        <p:cNvPr id="1" name="Shape 369"/>
+        <p:cNvGrpSpPr/>
+        <p:nvPr/>
+      </p:nvGrpSpPr>
+      <p:grpSpPr>
+        <a:xfrm>
+          <a:off x="0" y="0"/>
+          <a:ext cx="0" cy="0"/>
+          <a:chOff x="0" y="0"/>
+          <a:chExt cx="0" cy="0"/>
+        </a:xfrm>
+      </p:grpSpPr>
+      <p:sp>
+        <p:nvSpPr>
+          <p:cNvPr id="370" name="Google Shape;370;p21"/>
+          <p:cNvSpPr txBox="1">
+            <a:spLocks noGrp="1"/>
+          </p:cNvSpPr>
+          <p:nvPr>
+            <p:ph type="title"/>
+          </p:nvPr>
+        </p:nvSpPr>
+        <p:spPr>
+          <a:xfrm>
+            <a:off x="1239400" y="675675"/>
+            <a:ext cx="9682200" cy="763500"/>
+          </a:xfrm>
+          <a:prstGeom prst="rect">
+            <a:avLst/>
+          </a:prstGeom>
+        </p:spPr>
+        <p:txBody>
+          <a:bodyPr spcFirstLastPara="1" wrap="square" lIns="121900" tIns="121900" rIns="121900" bIns="121900" anchor="ctr" anchorCtr="0">
+            <a:noAutofit/>
+          </a:bodyPr>
+          <a:lstStyle/>
+          <a:p>
+            <a:pPr lvl="0"/>
+            <a:r>
+              <a:rPr lang="en-US">
+                <a:latin typeface="Times New Roman" panose="02020603050405020304" pitchFamily="18" charset="0"/>
+                <a:cs typeface="Times New Roman" panose="02020603050405020304" pitchFamily="18" charset="0"/>
+              </a:rPr>
+              <a:t>MÔ HÌNH TRIỂN KHAI</a:t>
+            </a:r>
+            <a:endParaRPr dirty="0">
+              <a:latin typeface="Times New Roman" panose="02020603050405020304" pitchFamily="18" charset="0"/>
+              <a:cs typeface="Times New Roman" panose="02020603050405020304" pitchFamily="18" charset="0"/>
+            </a:endParaRPr>
+          </a:p>
+        </p:txBody>
+      </p:sp>
+      <p:sp>
+        <p:nvSpPr>
+          <p:cNvPr id="5" name="Google Shape;413;p24">
+            <a:extLst>
+              <a:ext uri="{FF2B5EF4-FFF2-40B4-BE49-F238E27FC236}">
+                <a16:creationId xmlns:a16="http://schemas.microsoft.com/office/drawing/2014/main" id="{8450B949-F89D-3AC7-9623-533CFF96F5F7}"/>
+              </a:ext>
+            </a:extLst>
+          </p:cNvPr>
+          <p:cNvSpPr txBox="1">
+            <a:spLocks/>
+          </p:cNvSpPr>
+          <p:nvPr/>
+        </p:nvSpPr>
+        <p:spPr>
+          <a:xfrm>
+            <a:off x="3275036" y="5779200"/>
+            <a:ext cx="5610925" cy="580105"/>
+          </a:xfrm>
+          <a:prstGeom prst="rect">
+            <a:avLst/>
+          </a:prstGeom>
+          <a:noFill/>
+          <a:ln>
+            <a:noFill/>
+          </a:ln>
+        </p:spPr>
+        <p:txBody>
+          <a:bodyPr spcFirstLastPara="1" wrap="square" lIns="121900" tIns="121900" rIns="121900" bIns="121900" anchor="t" anchorCtr="0">
+            <a:noAutofit/>
+          </a:bodyPr>
+          <a:lstStyle>
+            <a:defPPr marR="0" lvl="0" algn="l" rtl="0">
+              <a:lnSpc>
+                <a:spcPct val="100000"/>
+              </a:lnSpc>
+              <a:spcBef>
+                <a:spcPts val="0"/>
+              </a:spcBef>
+              <a:spcAft>
+                <a:spcPts val="0"/>
+              </a:spcAft>
+            </a:defPPr>
+            <a:lvl1pPr marL="457200" marR="0" lvl="0" indent="-349250" algn="l" rtl="0">
+              <a:lnSpc>
+                <a:spcPct val="115000"/>
+              </a:lnSpc>
+              <a:spcBef>
+                <a:spcPts val="0"/>
+              </a:spcBef>
+              <a:spcAft>
+                <a:spcPts val="0"/>
+              </a:spcAft>
+              <a:buClr>
+                <a:schemeClr val="dk2"/>
+              </a:buClr>
+              <a:buSzPts val="1900"/>
+              <a:buFont typeface="Ubuntu"/>
+              <a:buChar char="●"/>
+              <a:defRPr sz="1900" b="0" i="0" u="none" strike="noStrike" cap="none">
+                <a:solidFill>
+                  <a:schemeClr val="dk2"/>
+                </a:solidFill>
+                <a:latin typeface="Ubuntu"/>
+                <a:ea typeface="Ubuntu"/>
+                <a:cs typeface="Ubuntu"/>
+                <a:sym typeface="Ubuntu"/>
+              </a:defRPr>
+            </a:lvl1pPr>
+            <a:lvl2pPr marL="914400" marR="0" lvl="1" indent="-349250" algn="l" rtl="0">
+              <a:lnSpc>
+                <a:spcPct val="115000"/>
+              </a:lnSpc>
+              <a:spcBef>
+                <a:spcPts val="0"/>
+              </a:spcBef>
+              <a:spcAft>
+                <a:spcPts val="0"/>
+              </a:spcAft>
+              <a:buClr>
+                <a:schemeClr val="dk2"/>
+              </a:buClr>
+              <a:buSzPts val="1900"/>
+              <a:buFont typeface="Ubuntu"/>
+              <a:buChar char="○"/>
+              <a:defRPr sz="1900" b="0" i="0" u="none" strike="noStrike" cap="none">
+                <a:solidFill>
+                  <a:schemeClr val="dk2"/>
+                </a:solidFill>
+                <a:latin typeface="Ubuntu"/>
+                <a:ea typeface="Ubuntu"/>
+                <a:cs typeface="Ubuntu"/>
+                <a:sym typeface="Ubuntu"/>
+              </a:defRPr>
+            </a:lvl2pPr>
+            <a:lvl3pPr marL="1371600" marR="0" lvl="2" indent="-349250" algn="l" rtl="0">
+              <a:lnSpc>
+                <a:spcPct val="115000"/>
+              </a:lnSpc>
+              <a:spcBef>
+                <a:spcPts val="2100"/>
+              </a:spcBef>
+              <a:spcAft>
+                <a:spcPts val="0"/>
+              </a:spcAft>
+              <a:buClr>
+                <a:schemeClr val="dk2"/>
+              </a:buClr>
+              <a:buSzPts val="1900"/>
+              <a:buFont typeface="Ubuntu"/>
+              <a:buChar char="■"/>
+              <a:defRPr sz="1900" b="0" i="0" u="none" strike="noStrike" cap="none">
+                <a:solidFill>
+                  <a:schemeClr val="dk2"/>
+                </a:solidFill>
+                <a:latin typeface="Ubuntu"/>
+                <a:ea typeface="Ubuntu"/>
+                <a:cs typeface="Ubuntu"/>
+                <a:sym typeface="Ubuntu"/>
+              </a:defRPr>
+            </a:lvl3pPr>
+            <a:lvl4pPr marL="1828800" marR="0" lvl="3" indent="-349250" algn="l" rtl="0">
+              <a:lnSpc>
+                <a:spcPct val="115000"/>
+              </a:lnSpc>
+              <a:spcBef>
+                <a:spcPts val="2100"/>
+              </a:spcBef>
+              <a:spcAft>
+                <a:spcPts val="0"/>
+              </a:spcAft>
+              <a:buClr>
+                <a:schemeClr val="dk2"/>
+              </a:buClr>
+              <a:buSzPts val="1900"/>
+              <a:buFont typeface="Ubuntu"/>
+              <a:buChar char="●"/>
+              <a:defRPr sz="1900" b="0" i="0" u="none" strike="noStrike" cap="none">
+                <a:solidFill>
+                  <a:schemeClr val="dk2"/>
+                </a:solidFill>
+                <a:latin typeface="Ubuntu"/>
+                <a:ea typeface="Ubuntu"/>
+                <a:cs typeface="Ubuntu"/>
+                <a:sym typeface="Ubuntu"/>
+              </a:defRPr>
+            </a:lvl4pPr>
+            <a:lvl5pPr marL="2286000" marR="0" lvl="4" indent="-349250" algn="l" rtl="0">
+              <a:lnSpc>
+                <a:spcPct val="115000"/>
+              </a:lnSpc>
+              <a:spcBef>
+                <a:spcPts val="2100"/>
+              </a:spcBef>
+              <a:spcAft>
+                <a:spcPts val="0"/>
+              </a:spcAft>
+              <a:buClr>
+                <a:schemeClr val="dk2"/>
+              </a:buClr>
+              <a:buSzPts val="1900"/>
+              <a:buFont typeface="Ubuntu"/>
+              <a:buChar char="○"/>
+              <a:defRPr sz="1900" b="0" i="0" u="none" strike="noStrike" cap="none">
+                <a:solidFill>
+                  <a:schemeClr val="dk2"/>
+                </a:solidFill>
+                <a:latin typeface="Ubuntu"/>
+                <a:ea typeface="Ubuntu"/>
+                <a:cs typeface="Ubuntu"/>
+                <a:sym typeface="Ubuntu"/>
+              </a:defRPr>
+            </a:lvl5pPr>
+            <a:lvl6pPr marL="2743200" marR="0" lvl="5" indent="-349250" algn="l" rtl="0">
+              <a:lnSpc>
+                <a:spcPct val="115000"/>
+              </a:lnSpc>
+              <a:spcBef>
+                <a:spcPts val="2100"/>
+              </a:spcBef>
+              <a:spcAft>
+                <a:spcPts val="0"/>
+              </a:spcAft>
+              <a:buClr>
+                <a:schemeClr val="dk2"/>
+              </a:buClr>
+              <a:buSzPts val="1900"/>
+              <a:buFont typeface="Ubuntu"/>
+              <a:buChar char="■"/>
+              <a:defRPr sz="1900" b="0" i="0" u="none" strike="noStrike" cap="none">
+                <a:solidFill>
+                  <a:schemeClr val="dk2"/>
+                </a:solidFill>
+                <a:latin typeface="Ubuntu"/>
+                <a:ea typeface="Ubuntu"/>
+                <a:cs typeface="Ubuntu"/>
+                <a:sym typeface="Ubuntu"/>
+              </a:defRPr>
+            </a:lvl6pPr>
+            <a:lvl7pPr marL="3200400" marR="0" lvl="6" indent="-349250" algn="l" rtl="0">
+              <a:lnSpc>
+                <a:spcPct val="115000"/>
+              </a:lnSpc>
+              <a:spcBef>
+                <a:spcPts val="2100"/>
+              </a:spcBef>
+              <a:spcAft>
+                <a:spcPts val="0"/>
+              </a:spcAft>
+              <a:buClr>
+                <a:schemeClr val="dk2"/>
+              </a:buClr>
+              <a:buSzPts val="1900"/>
+              <a:buFont typeface="Ubuntu"/>
+              <a:buChar char="●"/>
+              <a:defRPr sz="1900" b="0" i="0" u="none" strike="noStrike" cap="none">
+                <a:solidFill>
+                  <a:schemeClr val="dk2"/>
+                </a:solidFill>
+                <a:latin typeface="Ubuntu"/>
+                <a:ea typeface="Ubuntu"/>
+                <a:cs typeface="Ubuntu"/>
+                <a:sym typeface="Ubuntu"/>
+              </a:defRPr>
+            </a:lvl7pPr>
+            <a:lvl8pPr marL="3657600" marR="0" lvl="7" indent="-349250" algn="l" rtl="0">
+              <a:lnSpc>
+                <a:spcPct val="115000"/>
+              </a:lnSpc>
+              <a:spcBef>
+                <a:spcPts val="2100"/>
+              </a:spcBef>
+              <a:spcAft>
+                <a:spcPts val="0"/>
+              </a:spcAft>
+              <a:buClr>
+                <a:schemeClr val="dk2"/>
+              </a:buClr>
+              <a:buSzPts val="1900"/>
+              <a:buFont typeface="Ubuntu"/>
+              <a:buChar char="○"/>
+              <a:defRPr sz="1900" b="0" i="0" u="none" strike="noStrike" cap="none">
+                <a:solidFill>
+                  <a:schemeClr val="dk2"/>
+                </a:solidFill>
+                <a:latin typeface="Ubuntu"/>
+                <a:ea typeface="Ubuntu"/>
+                <a:cs typeface="Ubuntu"/>
+                <a:sym typeface="Ubuntu"/>
+              </a:defRPr>
+            </a:lvl8pPr>
+            <a:lvl9pPr marL="4114800" marR="0" lvl="8" indent="-349250" algn="l" rtl="0">
+              <a:lnSpc>
+                <a:spcPct val="115000"/>
+              </a:lnSpc>
+              <a:spcBef>
+                <a:spcPts val="2100"/>
+              </a:spcBef>
+              <a:spcAft>
+                <a:spcPts val="2100"/>
+              </a:spcAft>
+              <a:buClr>
+                <a:schemeClr val="dk2"/>
+              </a:buClr>
+              <a:buSzPts val="1900"/>
+              <a:buFont typeface="Ubuntu"/>
+              <a:buChar char="■"/>
+              <a:defRPr sz="1900" b="0" i="0" u="none" strike="noStrike" cap="none">
+                <a:solidFill>
+                  <a:schemeClr val="dk2"/>
+                </a:solidFill>
+                <a:latin typeface="Ubuntu"/>
+                <a:ea typeface="Ubuntu"/>
+                <a:cs typeface="Ubuntu"/>
+                <a:sym typeface="Ubuntu"/>
+              </a:defRPr>
+            </a:lvl9pPr>
+          </a:lstStyle>
+          <a:p>
+            <a:pPr marL="107950" indent="0" algn="ctr">
+              <a:buNone/>
+            </a:pPr>
+            <a:r>
+              <a:rPr lang="en-US" sz="1800" b="1">
+                <a:latin typeface="Times New Roman" panose="02020603050405020304" pitchFamily="18" charset="0"/>
+                <a:cs typeface="Times New Roman" panose="02020603050405020304" pitchFamily="18" charset="0"/>
+              </a:rPr>
+              <a:t>USE CASE QUẢN LÝ GIỎ HÀNG</a:t>
+            </a:r>
+            <a:endParaRPr lang="en-US" sz="1800" b="1" dirty="0">
+              <a:latin typeface="Times New Roman" panose="02020603050405020304" pitchFamily="18" charset="0"/>
+              <a:cs typeface="Times New Roman" panose="02020603050405020304" pitchFamily="18" charset="0"/>
+            </a:endParaRPr>
+          </a:p>
+        </p:txBody>
+      </p:sp>
+      <p:pic>
+        <p:nvPicPr>
+          <p:cNvPr id="6" name="Picture 5">
+            <a:extLst>
+              <a:ext uri="{FF2B5EF4-FFF2-40B4-BE49-F238E27FC236}">
+                <a16:creationId xmlns:a16="http://schemas.microsoft.com/office/drawing/2014/main" id="{A63E1361-5FDD-8AF5-EFE6-81F83CB32444}"/>
+              </a:ext>
+            </a:extLst>
+          </p:cNvPr>
+          <p:cNvPicPr>
+            <a:picLocks noChangeAspect="1"/>
+          </p:cNvPicPr>
+          <p:nvPr/>
+        </p:nvPicPr>
+        <p:blipFill>
+          <a:blip r:embed="rId3"/>
+          <a:stretch>
+            <a:fillRect/>
+          </a:stretch>
+        </p:blipFill>
+        <p:spPr>
+          <a:xfrm>
+            <a:off x="958064" y="1925021"/>
+            <a:ext cx="10275871" cy="3854179"/>
+          </a:xfrm>
+          <a:prstGeom prst="rect">
+            <a:avLst/>
+          </a:prstGeom>
+        </p:spPr>
+      </p:pic>
+    </p:spTree>
+    <p:extLst>
+      <p:ext uri="{BB962C8B-B14F-4D97-AF65-F5344CB8AC3E}">
+        <p14:creationId xmlns:p14="http://schemas.microsoft.com/office/powerpoint/2010/main" val="3142538258"/>
+      </p:ext>
+    </p:extLst>
+  </p:cSld>
+  <p:clrMapOvr>
+    <a:masterClrMapping/>
+  </p:clrMapOvr>
+</p:sld>
+</file>
+
+<file path=ppt/slides/slide17.xml><?xml version="1.0" encoding="utf-8"?>
+<p:sld xmlns:a="http://schemas.openxmlformats.org/drawingml/2006/main" xmlns:r="http://schemas.openxmlformats.org/officeDocument/2006/relationships" xmlns:p="http://schemas.openxmlformats.org/presentationml/2006/main">
+  <p:cSld>
+    <p:spTree>
+      <p:nvGrpSpPr>
+        <p:cNvPr id="1" name="Shape 369"/>
+        <p:cNvGrpSpPr/>
+        <p:nvPr/>
+      </p:nvGrpSpPr>
+      <p:grpSpPr>
+        <a:xfrm>
+          <a:off x="0" y="0"/>
+          <a:ext cx="0" cy="0"/>
+          <a:chOff x="0" y="0"/>
+          <a:chExt cx="0" cy="0"/>
+        </a:xfrm>
+      </p:grpSpPr>
+      <p:sp>
+        <p:nvSpPr>
+          <p:cNvPr id="370" name="Google Shape;370;p21"/>
+          <p:cNvSpPr txBox="1">
+            <a:spLocks noGrp="1"/>
+          </p:cNvSpPr>
+          <p:nvPr>
+            <p:ph type="title"/>
+          </p:nvPr>
+        </p:nvSpPr>
+        <p:spPr>
+          <a:xfrm>
+            <a:off x="1239400" y="675675"/>
+            <a:ext cx="9682200" cy="763500"/>
+          </a:xfrm>
+          <a:prstGeom prst="rect">
+            <a:avLst/>
+          </a:prstGeom>
+        </p:spPr>
+        <p:txBody>
+          <a:bodyPr spcFirstLastPara="1" wrap="square" lIns="121900" tIns="121900" rIns="121900" bIns="121900" anchor="ctr" anchorCtr="0">
+            <a:noAutofit/>
+          </a:bodyPr>
+          <a:lstStyle/>
+          <a:p>
+            <a:pPr lvl="0"/>
+            <a:r>
+              <a:rPr lang="en-US">
+                <a:latin typeface="Times New Roman" panose="02020603050405020304" pitchFamily="18" charset="0"/>
+                <a:cs typeface="Times New Roman" panose="02020603050405020304" pitchFamily="18" charset="0"/>
+              </a:rPr>
+              <a:t>MÔ HÌNH TRIỂN KHAI</a:t>
+            </a:r>
+            <a:endParaRPr dirty="0">
+              <a:latin typeface="Times New Roman" panose="02020603050405020304" pitchFamily="18" charset="0"/>
+              <a:cs typeface="Times New Roman" panose="02020603050405020304" pitchFamily="18" charset="0"/>
+            </a:endParaRPr>
+          </a:p>
+        </p:txBody>
+      </p:sp>
+      <p:sp>
+        <p:nvSpPr>
+          <p:cNvPr id="5" name="Google Shape;413;p24">
+            <a:extLst>
+              <a:ext uri="{FF2B5EF4-FFF2-40B4-BE49-F238E27FC236}">
+                <a16:creationId xmlns:a16="http://schemas.microsoft.com/office/drawing/2014/main" id="{8450B949-F89D-3AC7-9623-533CFF96F5F7}"/>
+              </a:ext>
+            </a:extLst>
+          </p:cNvPr>
+          <p:cNvSpPr txBox="1">
+            <a:spLocks/>
+          </p:cNvSpPr>
+          <p:nvPr/>
+        </p:nvSpPr>
+        <p:spPr>
+          <a:xfrm>
+            <a:off x="2769427" y="6270816"/>
+            <a:ext cx="5610925" cy="580105"/>
+          </a:xfrm>
+          <a:prstGeom prst="rect">
+            <a:avLst/>
+          </a:prstGeom>
+          <a:noFill/>
+          <a:ln>
+            <a:noFill/>
+          </a:ln>
+        </p:spPr>
+        <p:txBody>
+          <a:bodyPr spcFirstLastPara="1" wrap="square" lIns="121900" tIns="121900" rIns="121900" bIns="121900" anchor="t" anchorCtr="0">
+            <a:noAutofit/>
+          </a:bodyPr>
+          <a:lstStyle>
+            <a:defPPr marR="0" lvl="0" algn="l" rtl="0">
+              <a:lnSpc>
+                <a:spcPct val="100000"/>
+              </a:lnSpc>
+              <a:spcBef>
+                <a:spcPts val="0"/>
+              </a:spcBef>
+              <a:spcAft>
+                <a:spcPts val="0"/>
+              </a:spcAft>
+            </a:defPPr>
+            <a:lvl1pPr marL="457200" marR="0" lvl="0" indent="-349250" algn="l" rtl="0">
+              <a:lnSpc>
+                <a:spcPct val="115000"/>
+              </a:lnSpc>
+              <a:spcBef>
+                <a:spcPts val="0"/>
+              </a:spcBef>
+              <a:spcAft>
+                <a:spcPts val="0"/>
+              </a:spcAft>
+              <a:buClr>
+                <a:schemeClr val="dk2"/>
+              </a:buClr>
+              <a:buSzPts val="1900"/>
+              <a:buFont typeface="Ubuntu"/>
+              <a:buChar char="●"/>
+              <a:defRPr sz="1900" b="0" i="0" u="none" strike="noStrike" cap="none">
+                <a:solidFill>
+                  <a:schemeClr val="dk2"/>
+                </a:solidFill>
+                <a:latin typeface="Ubuntu"/>
+                <a:ea typeface="Ubuntu"/>
+                <a:cs typeface="Ubuntu"/>
+                <a:sym typeface="Ubuntu"/>
+              </a:defRPr>
+            </a:lvl1pPr>
+            <a:lvl2pPr marL="914400" marR="0" lvl="1" indent="-349250" algn="l" rtl="0">
+              <a:lnSpc>
+                <a:spcPct val="115000"/>
+              </a:lnSpc>
+              <a:spcBef>
+                <a:spcPts val="0"/>
+              </a:spcBef>
+              <a:spcAft>
+                <a:spcPts val="0"/>
+              </a:spcAft>
+              <a:buClr>
+                <a:schemeClr val="dk2"/>
+              </a:buClr>
+              <a:buSzPts val="1900"/>
+              <a:buFont typeface="Ubuntu"/>
+              <a:buChar char="○"/>
+              <a:defRPr sz="1900" b="0" i="0" u="none" strike="noStrike" cap="none">
+                <a:solidFill>
+                  <a:schemeClr val="dk2"/>
+                </a:solidFill>
+                <a:latin typeface="Ubuntu"/>
+                <a:ea typeface="Ubuntu"/>
+                <a:cs typeface="Ubuntu"/>
+                <a:sym typeface="Ubuntu"/>
+              </a:defRPr>
+            </a:lvl2pPr>
+            <a:lvl3pPr marL="1371600" marR="0" lvl="2" indent="-349250" algn="l" rtl="0">
+              <a:lnSpc>
+                <a:spcPct val="115000"/>
+              </a:lnSpc>
+              <a:spcBef>
+                <a:spcPts val="2100"/>
+              </a:spcBef>
+              <a:spcAft>
+                <a:spcPts val="0"/>
+              </a:spcAft>
+              <a:buClr>
+                <a:schemeClr val="dk2"/>
+              </a:buClr>
+              <a:buSzPts val="1900"/>
+              <a:buFont typeface="Ubuntu"/>
+              <a:buChar char="■"/>
+              <a:defRPr sz="1900" b="0" i="0" u="none" strike="noStrike" cap="none">
+                <a:solidFill>
+                  <a:schemeClr val="dk2"/>
+                </a:solidFill>
+                <a:latin typeface="Ubuntu"/>
+                <a:ea typeface="Ubuntu"/>
+                <a:cs typeface="Ubuntu"/>
+                <a:sym typeface="Ubuntu"/>
+              </a:defRPr>
+            </a:lvl3pPr>
+            <a:lvl4pPr marL="1828800" marR="0" lvl="3" indent="-349250" algn="l" rtl="0">
+              <a:lnSpc>
+                <a:spcPct val="115000"/>
+              </a:lnSpc>
+              <a:spcBef>
+                <a:spcPts val="2100"/>
+              </a:spcBef>
+              <a:spcAft>
+                <a:spcPts val="0"/>
+              </a:spcAft>
+              <a:buClr>
+                <a:schemeClr val="dk2"/>
+              </a:buClr>
+              <a:buSzPts val="1900"/>
+              <a:buFont typeface="Ubuntu"/>
+              <a:buChar char="●"/>
+              <a:defRPr sz="1900" b="0" i="0" u="none" strike="noStrike" cap="none">
+                <a:solidFill>
+                  <a:schemeClr val="dk2"/>
+                </a:solidFill>
+                <a:latin typeface="Ubuntu"/>
+                <a:ea typeface="Ubuntu"/>
+                <a:cs typeface="Ubuntu"/>
+                <a:sym typeface="Ubuntu"/>
+              </a:defRPr>
+            </a:lvl4pPr>
+            <a:lvl5pPr marL="2286000" marR="0" lvl="4" indent="-349250" algn="l" rtl="0">
+              <a:lnSpc>
+                <a:spcPct val="115000"/>
+              </a:lnSpc>
+              <a:spcBef>
+                <a:spcPts val="2100"/>
+              </a:spcBef>
+              <a:spcAft>
+                <a:spcPts val="0"/>
+              </a:spcAft>
+              <a:buClr>
+                <a:schemeClr val="dk2"/>
+              </a:buClr>
+              <a:buSzPts val="1900"/>
+              <a:buFont typeface="Ubuntu"/>
+              <a:buChar char="○"/>
+              <a:defRPr sz="1900" b="0" i="0" u="none" strike="noStrike" cap="none">
+                <a:solidFill>
+                  <a:schemeClr val="dk2"/>
+                </a:solidFill>
+                <a:latin typeface="Ubuntu"/>
+                <a:ea typeface="Ubuntu"/>
+                <a:cs typeface="Ubuntu"/>
+                <a:sym typeface="Ubuntu"/>
+              </a:defRPr>
+            </a:lvl5pPr>
+            <a:lvl6pPr marL="2743200" marR="0" lvl="5" indent="-349250" algn="l" rtl="0">
+              <a:lnSpc>
+                <a:spcPct val="115000"/>
+              </a:lnSpc>
+              <a:spcBef>
+                <a:spcPts val="2100"/>
+              </a:spcBef>
+              <a:spcAft>
+                <a:spcPts val="0"/>
+              </a:spcAft>
+              <a:buClr>
+                <a:schemeClr val="dk2"/>
+              </a:buClr>
+              <a:buSzPts val="1900"/>
+              <a:buFont typeface="Ubuntu"/>
+              <a:buChar char="■"/>
+              <a:defRPr sz="1900" b="0" i="0" u="none" strike="noStrike" cap="none">
+                <a:solidFill>
+                  <a:schemeClr val="dk2"/>
+                </a:solidFill>
+                <a:latin typeface="Ubuntu"/>
+                <a:ea typeface="Ubuntu"/>
+                <a:cs typeface="Ubuntu"/>
+                <a:sym typeface="Ubuntu"/>
+              </a:defRPr>
+            </a:lvl6pPr>
+            <a:lvl7pPr marL="3200400" marR="0" lvl="6" indent="-349250" algn="l" rtl="0">
+              <a:lnSpc>
+                <a:spcPct val="115000"/>
+              </a:lnSpc>
+              <a:spcBef>
+                <a:spcPts val="2100"/>
+              </a:spcBef>
+              <a:spcAft>
+                <a:spcPts val="0"/>
+              </a:spcAft>
+              <a:buClr>
+                <a:schemeClr val="dk2"/>
+              </a:buClr>
+              <a:buSzPts val="1900"/>
+              <a:buFont typeface="Ubuntu"/>
+              <a:buChar char="●"/>
+              <a:defRPr sz="1900" b="0" i="0" u="none" strike="noStrike" cap="none">
+                <a:solidFill>
+                  <a:schemeClr val="dk2"/>
+                </a:solidFill>
+                <a:latin typeface="Ubuntu"/>
+                <a:ea typeface="Ubuntu"/>
+                <a:cs typeface="Ubuntu"/>
+                <a:sym typeface="Ubuntu"/>
+              </a:defRPr>
+            </a:lvl7pPr>
+            <a:lvl8pPr marL="3657600" marR="0" lvl="7" indent="-349250" algn="l" rtl="0">
+              <a:lnSpc>
+                <a:spcPct val="115000"/>
+              </a:lnSpc>
+              <a:spcBef>
+                <a:spcPts val="2100"/>
+              </a:spcBef>
+              <a:spcAft>
+                <a:spcPts val="0"/>
+              </a:spcAft>
+              <a:buClr>
+                <a:schemeClr val="dk2"/>
+              </a:buClr>
+              <a:buSzPts val="1900"/>
+              <a:buFont typeface="Ubuntu"/>
+              <a:buChar char="○"/>
+              <a:defRPr sz="1900" b="0" i="0" u="none" strike="noStrike" cap="none">
+                <a:solidFill>
+                  <a:schemeClr val="dk2"/>
+                </a:solidFill>
+                <a:latin typeface="Ubuntu"/>
+                <a:ea typeface="Ubuntu"/>
+                <a:cs typeface="Ubuntu"/>
+                <a:sym typeface="Ubuntu"/>
+              </a:defRPr>
+            </a:lvl8pPr>
+            <a:lvl9pPr marL="4114800" marR="0" lvl="8" indent="-349250" algn="l" rtl="0">
+              <a:lnSpc>
+                <a:spcPct val="115000"/>
+              </a:lnSpc>
+              <a:spcBef>
+                <a:spcPts val="2100"/>
+              </a:spcBef>
+              <a:spcAft>
+                <a:spcPts val="2100"/>
+              </a:spcAft>
+              <a:buClr>
+                <a:schemeClr val="dk2"/>
+              </a:buClr>
+              <a:buSzPts val="1900"/>
+              <a:buFont typeface="Ubuntu"/>
+              <a:buChar char="■"/>
+              <a:defRPr sz="1900" b="0" i="0" u="none" strike="noStrike" cap="none">
+                <a:solidFill>
+                  <a:schemeClr val="dk2"/>
+                </a:solidFill>
+                <a:latin typeface="Ubuntu"/>
+                <a:ea typeface="Ubuntu"/>
+                <a:cs typeface="Ubuntu"/>
+                <a:sym typeface="Ubuntu"/>
+              </a:defRPr>
+            </a:lvl9pPr>
+          </a:lstStyle>
+          <a:p>
+            <a:pPr marL="107950" indent="0" algn="ctr">
+              <a:buNone/>
+            </a:pPr>
+            <a:r>
+              <a:rPr lang="en-US" sz="1800" b="1">
+                <a:latin typeface="Times New Roman" panose="02020603050405020304" pitchFamily="18" charset="0"/>
+                <a:cs typeface="Times New Roman" panose="02020603050405020304" pitchFamily="18" charset="0"/>
+              </a:rPr>
+              <a:t>LƯỢC ĐỒ LỚP</a:t>
+            </a:r>
+            <a:endParaRPr lang="en-US" sz="1800" b="1" dirty="0">
               <a:latin typeface="Times New Roman" panose="02020603050405020304" pitchFamily="18" charset="0"/>
               <a:cs typeface="Times New Roman" panose="02020603050405020304" pitchFamily="18" charset="0"/>
             </a:endParaRPr>
@@ -28739,7 +31551,7 @@
 </p:sld>
 </file>
 
-<file path=ppt/slides/slide13.xml><?xml version="1.0" encoding="utf-8"?>
+<file path=ppt/slides/slide18.xml><?xml version="1.0" encoding="utf-8"?>
 <p:sld xmlns:a="http://schemas.openxmlformats.org/drawingml/2006/main" xmlns:r="http://schemas.openxmlformats.org/officeDocument/2006/relationships" xmlns:p="http://schemas.openxmlformats.org/presentationml/2006/main">
   <p:cSld>
     <p:spTree>
@@ -28795,7 +31607,7 @@
                 <a:latin typeface="Times New Roman" panose="02020603050405020304" pitchFamily="18" charset="0"/>
                 <a:cs typeface="Times New Roman" panose="02020603050405020304" pitchFamily="18" charset="0"/>
               </a:rPr>
-              <a:t>KẾ QUẢ NGHIÊM CỨU</a:t>
+              <a:t>KẾT QUẢ ĐẠT ĐƯỢC</a:t>
             </a:r>
             <a:endParaRPr dirty="0">
               <a:latin typeface="Times New Roman" panose="02020603050405020304" pitchFamily="18" charset="0"/>
@@ -28864,93 +31676,6 @@
           </a:p>
         </p:txBody>
       </p:sp>
-      <p:sp>
-        <p:nvSpPr>
-          <p:cNvPr id="2" name="Google Shape;407;p23">
-            <a:extLst>
-              <a:ext uri="{FF2B5EF4-FFF2-40B4-BE49-F238E27FC236}">
-                <a16:creationId xmlns:a16="http://schemas.microsoft.com/office/drawing/2014/main" id="{CDA72099-8935-F5CE-B8D8-EDCA4B0D1A8C}"/>
-              </a:ext>
-            </a:extLst>
-          </p:cNvPr>
-          <p:cNvSpPr/>
-          <p:nvPr/>
-        </p:nvSpPr>
-        <p:spPr>
-          <a:xfrm>
-            <a:off x="11599734" y="6462702"/>
-            <a:ext cx="415286" cy="262562"/>
-          </a:xfrm>
-          <a:prstGeom prst="rect">
-            <a:avLst/>
-          </a:prstGeom>
-        </p:spPr>
-        <p:txBody>
-          <a:bodyPr>
-            <a:prstTxWarp prst="textPlain">
-              <a:avLst/>
-            </a:prstTxWarp>
-          </a:bodyPr>
-          <a:lstStyle/>
-          <a:p>
-            <a:pPr lvl="0" algn="ctr"/>
-            <a:r>
-              <a:rPr lang="en-US" b="1">
-                <a:ln w="19050" cap="flat" cmpd="sng">
-                  <a:solidFill>
-                    <a:schemeClr val="accent5"/>
-                  </a:solidFill>
-                  <a:prstDash val="solid"/>
-                  <a:round/>
-                  <a:headEnd type="none" w="sm" len="sm"/>
-                  <a:tailEnd type="none" w="sm" len="sm"/>
-                </a:ln>
-                <a:solidFill>
-                  <a:schemeClr val="accent6"/>
-                </a:solidFill>
-                <a:latin typeface="Times New Roman" panose="02020603050405020304" pitchFamily="18" charset="0"/>
-                <a:cs typeface="Times New Roman" panose="02020603050405020304" pitchFamily="18" charset="0"/>
-              </a:rPr>
-              <a:t>1</a:t>
-            </a:r>
-            <a:r>
-              <a:rPr lang="en-US" b="1" dirty="0">
-                <a:ln w="19050" cap="flat" cmpd="sng">
-                  <a:solidFill>
-                    <a:schemeClr val="accent5"/>
-                  </a:solidFill>
-                  <a:prstDash val="solid"/>
-                  <a:round/>
-                  <a:headEnd type="none" w="sm" len="sm"/>
-                  <a:tailEnd type="none" w="sm" len="sm"/>
-                </a:ln>
-                <a:solidFill>
-                  <a:schemeClr val="accent6"/>
-                </a:solidFill>
-                <a:latin typeface="Times New Roman" panose="02020603050405020304" pitchFamily="18" charset="0"/>
-                <a:cs typeface="Times New Roman" panose="02020603050405020304" pitchFamily="18" charset="0"/>
-              </a:rPr>
-              <a:t>0</a:t>
-            </a:r>
-            <a:endParaRPr b="1" i="0" dirty="0">
-              <a:ln w="19050" cap="flat" cmpd="sng">
-                <a:solidFill>
-                  <a:schemeClr val="accent5"/>
-                </a:solidFill>
-                <a:prstDash val="solid"/>
-                <a:round/>
-                <a:headEnd type="none" w="sm" len="sm"/>
-                <a:tailEnd type="none" w="sm" len="sm"/>
-              </a:ln>
-              <a:solidFill>
-                <a:schemeClr val="accent6"/>
-              </a:solidFill>
-              <a:latin typeface="Times New Roman" panose="02020603050405020304" pitchFamily="18" charset="0"/>
-              <a:cs typeface="Times New Roman" panose="02020603050405020304" pitchFamily="18" charset="0"/>
-            </a:endParaRPr>
-          </a:p>
-        </p:txBody>
-      </p:sp>
     </p:spTree>
     <p:extLst>
       <p:ext uri="{BB962C8B-B14F-4D97-AF65-F5344CB8AC3E}">
@@ -28964,7 +31689,1735 @@
 </p:sld>
 </file>
 
-<file path=ppt/slides/slide14.xml><?xml version="1.0" encoding="utf-8"?>
+<file path=ppt/slides/slide19.xml><?xml version="1.0" encoding="utf-8"?>
+<p:sld xmlns:a="http://schemas.openxmlformats.org/drawingml/2006/main" xmlns:r="http://schemas.openxmlformats.org/officeDocument/2006/relationships" xmlns:p="http://schemas.openxmlformats.org/presentationml/2006/main">
+  <p:cSld>
+    <p:spTree>
+      <p:nvGrpSpPr>
+        <p:cNvPr id="1" name="Shape 411"/>
+        <p:cNvGrpSpPr/>
+        <p:nvPr/>
+      </p:nvGrpSpPr>
+      <p:grpSpPr>
+        <a:xfrm>
+          <a:off x="0" y="0"/>
+          <a:ext cx="0" cy="0"/>
+          <a:chOff x="0" y="0"/>
+          <a:chExt cx="0" cy="0"/>
+        </a:xfrm>
+      </p:grpSpPr>
+      <p:sp>
+        <p:nvSpPr>
+          <p:cNvPr id="412" name="Google Shape;412;p24"/>
+          <p:cNvSpPr txBox="1">
+            <a:spLocks noGrp="1"/>
+          </p:cNvSpPr>
+          <p:nvPr>
+            <p:ph type="title"/>
+          </p:nvPr>
+        </p:nvSpPr>
+        <p:spPr>
+          <a:xfrm>
+            <a:off x="1232250" y="734075"/>
+            <a:ext cx="9575100" cy="763500"/>
+          </a:xfrm>
+          <a:prstGeom prst="rect">
+            <a:avLst/>
+          </a:prstGeom>
+        </p:spPr>
+        <p:txBody>
+          <a:bodyPr spcFirstLastPara="1" wrap="square" lIns="121900" tIns="121900" rIns="121900" bIns="121900" anchor="ctr" anchorCtr="0">
+            <a:noAutofit/>
+          </a:bodyPr>
+          <a:lstStyle/>
+          <a:p>
+            <a:pPr lvl="0"/>
+            <a:r>
+              <a:rPr lang="en-US">
+                <a:latin typeface="Times New Roman" panose="02020603050405020304" pitchFamily="18" charset="0"/>
+                <a:cs typeface="Times New Roman" panose="02020603050405020304" pitchFamily="18" charset="0"/>
+              </a:rPr>
+              <a:t>KẾT QUẢ ĐẠT ĐƯỢC</a:t>
+            </a:r>
+            <a:endParaRPr dirty="0">
+              <a:latin typeface="Times New Roman" panose="02020603050405020304" pitchFamily="18" charset="0"/>
+              <a:cs typeface="Times New Roman" panose="02020603050405020304" pitchFamily="18" charset="0"/>
+            </a:endParaRPr>
+          </a:p>
+        </p:txBody>
+      </p:sp>
+      <p:pic>
+        <p:nvPicPr>
+          <p:cNvPr id="5" name="Picture 4">
+            <a:extLst>
+              <a:ext uri="{FF2B5EF4-FFF2-40B4-BE49-F238E27FC236}">
+                <a16:creationId xmlns:a16="http://schemas.microsoft.com/office/drawing/2014/main" id="{48435B3C-69C5-EBAF-9C27-0E832A5FF306}"/>
+              </a:ext>
+            </a:extLst>
+          </p:cNvPr>
+          <p:cNvPicPr>
+            <a:picLocks noChangeAspect="1"/>
+          </p:cNvPicPr>
+          <p:nvPr/>
+        </p:nvPicPr>
+        <p:blipFill>
+          <a:blip r:embed="rId3"/>
+          <a:stretch>
+            <a:fillRect/>
+          </a:stretch>
+        </p:blipFill>
+        <p:spPr>
+          <a:xfrm>
+            <a:off x="1232250" y="1886363"/>
+            <a:ext cx="9750382" cy="4386618"/>
+          </a:xfrm>
+          <a:prstGeom prst="rect">
+            <a:avLst/>
+          </a:prstGeom>
+        </p:spPr>
+      </p:pic>
+      <p:sp>
+        <p:nvSpPr>
+          <p:cNvPr id="6" name="Google Shape;413;p24">
+            <a:extLst>
+              <a:ext uri="{FF2B5EF4-FFF2-40B4-BE49-F238E27FC236}">
+                <a16:creationId xmlns:a16="http://schemas.microsoft.com/office/drawing/2014/main" id="{4FB58112-7A2B-151B-A553-20DED2D51173}"/>
+              </a:ext>
+            </a:extLst>
+          </p:cNvPr>
+          <p:cNvSpPr txBox="1">
+            <a:spLocks/>
+          </p:cNvSpPr>
+          <p:nvPr/>
+        </p:nvSpPr>
+        <p:spPr>
+          <a:xfrm>
+            <a:off x="2769427" y="6270816"/>
+            <a:ext cx="5610925" cy="580105"/>
+          </a:xfrm>
+          <a:prstGeom prst="rect">
+            <a:avLst/>
+          </a:prstGeom>
+          <a:noFill/>
+          <a:ln>
+            <a:noFill/>
+          </a:ln>
+        </p:spPr>
+        <p:txBody>
+          <a:bodyPr spcFirstLastPara="1" wrap="square" lIns="121900" tIns="121900" rIns="121900" bIns="121900" anchor="t" anchorCtr="0">
+            <a:noAutofit/>
+          </a:bodyPr>
+          <a:lstStyle>
+            <a:defPPr marR="0" lvl="0" algn="l" rtl="0">
+              <a:lnSpc>
+                <a:spcPct val="100000"/>
+              </a:lnSpc>
+              <a:spcBef>
+                <a:spcPts val="0"/>
+              </a:spcBef>
+              <a:spcAft>
+                <a:spcPts val="0"/>
+              </a:spcAft>
+            </a:defPPr>
+            <a:lvl1pPr marL="457200" marR="0" lvl="0" indent="-349250" algn="l" rtl="0">
+              <a:lnSpc>
+                <a:spcPct val="115000"/>
+              </a:lnSpc>
+              <a:spcBef>
+                <a:spcPts val="0"/>
+              </a:spcBef>
+              <a:spcAft>
+                <a:spcPts val="0"/>
+              </a:spcAft>
+              <a:buClr>
+                <a:schemeClr val="dk2"/>
+              </a:buClr>
+              <a:buSzPts val="1900"/>
+              <a:buFont typeface="Ubuntu"/>
+              <a:buChar char="●"/>
+              <a:defRPr sz="1900" b="0" i="0" u="none" strike="noStrike" cap="none">
+                <a:solidFill>
+                  <a:schemeClr val="dk2"/>
+                </a:solidFill>
+                <a:latin typeface="Ubuntu"/>
+                <a:ea typeface="Ubuntu"/>
+                <a:cs typeface="Ubuntu"/>
+                <a:sym typeface="Ubuntu"/>
+              </a:defRPr>
+            </a:lvl1pPr>
+            <a:lvl2pPr marL="914400" marR="0" lvl="1" indent="-349250" algn="l" rtl="0">
+              <a:lnSpc>
+                <a:spcPct val="115000"/>
+              </a:lnSpc>
+              <a:spcBef>
+                <a:spcPts val="0"/>
+              </a:spcBef>
+              <a:spcAft>
+                <a:spcPts val="0"/>
+              </a:spcAft>
+              <a:buClr>
+                <a:schemeClr val="dk2"/>
+              </a:buClr>
+              <a:buSzPts val="1900"/>
+              <a:buFont typeface="Ubuntu"/>
+              <a:buChar char="○"/>
+              <a:defRPr sz="1900" b="0" i="0" u="none" strike="noStrike" cap="none">
+                <a:solidFill>
+                  <a:schemeClr val="dk2"/>
+                </a:solidFill>
+                <a:latin typeface="Ubuntu"/>
+                <a:ea typeface="Ubuntu"/>
+                <a:cs typeface="Ubuntu"/>
+                <a:sym typeface="Ubuntu"/>
+              </a:defRPr>
+            </a:lvl2pPr>
+            <a:lvl3pPr marL="1371600" marR="0" lvl="2" indent="-349250" algn="l" rtl="0">
+              <a:lnSpc>
+                <a:spcPct val="115000"/>
+              </a:lnSpc>
+              <a:spcBef>
+                <a:spcPts val="2100"/>
+              </a:spcBef>
+              <a:spcAft>
+                <a:spcPts val="0"/>
+              </a:spcAft>
+              <a:buClr>
+                <a:schemeClr val="dk2"/>
+              </a:buClr>
+              <a:buSzPts val="1900"/>
+              <a:buFont typeface="Ubuntu"/>
+              <a:buChar char="■"/>
+              <a:defRPr sz="1900" b="0" i="0" u="none" strike="noStrike" cap="none">
+                <a:solidFill>
+                  <a:schemeClr val="dk2"/>
+                </a:solidFill>
+                <a:latin typeface="Ubuntu"/>
+                <a:ea typeface="Ubuntu"/>
+                <a:cs typeface="Ubuntu"/>
+                <a:sym typeface="Ubuntu"/>
+              </a:defRPr>
+            </a:lvl3pPr>
+            <a:lvl4pPr marL="1828800" marR="0" lvl="3" indent="-349250" algn="l" rtl="0">
+              <a:lnSpc>
+                <a:spcPct val="115000"/>
+              </a:lnSpc>
+              <a:spcBef>
+                <a:spcPts val="2100"/>
+              </a:spcBef>
+              <a:spcAft>
+                <a:spcPts val="0"/>
+              </a:spcAft>
+              <a:buClr>
+                <a:schemeClr val="dk2"/>
+              </a:buClr>
+              <a:buSzPts val="1900"/>
+              <a:buFont typeface="Ubuntu"/>
+              <a:buChar char="●"/>
+              <a:defRPr sz="1900" b="0" i="0" u="none" strike="noStrike" cap="none">
+                <a:solidFill>
+                  <a:schemeClr val="dk2"/>
+                </a:solidFill>
+                <a:latin typeface="Ubuntu"/>
+                <a:ea typeface="Ubuntu"/>
+                <a:cs typeface="Ubuntu"/>
+                <a:sym typeface="Ubuntu"/>
+              </a:defRPr>
+            </a:lvl4pPr>
+            <a:lvl5pPr marL="2286000" marR="0" lvl="4" indent="-349250" algn="l" rtl="0">
+              <a:lnSpc>
+                <a:spcPct val="115000"/>
+              </a:lnSpc>
+              <a:spcBef>
+                <a:spcPts val="2100"/>
+              </a:spcBef>
+              <a:spcAft>
+                <a:spcPts val="0"/>
+              </a:spcAft>
+              <a:buClr>
+                <a:schemeClr val="dk2"/>
+              </a:buClr>
+              <a:buSzPts val="1900"/>
+              <a:buFont typeface="Ubuntu"/>
+              <a:buChar char="○"/>
+              <a:defRPr sz="1900" b="0" i="0" u="none" strike="noStrike" cap="none">
+                <a:solidFill>
+                  <a:schemeClr val="dk2"/>
+                </a:solidFill>
+                <a:latin typeface="Ubuntu"/>
+                <a:ea typeface="Ubuntu"/>
+                <a:cs typeface="Ubuntu"/>
+                <a:sym typeface="Ubuntu"/>
+              </a:defRPr>
+            </a:lvl5pPr>
+            <a:lvl6pPr marL="2743200" marR="0" lvl="5" indent="-349250" algn="l" rtl="0">
+              <a:lnSpc>
+                <a:spcPct val="115000"/>
+              </a:lnSpc>
+              <a:spcBef>
+                <a:spcPts val="2100"/>
+              </a:spcBef>
+              <a:spcAft>
+                <a:spcPts val="0"/>
+              </a:spcAft>
+              <a:buClr>
+                <a:schemeClr val="dk2"/>
+              </a:buClr>
+              <a:buSzPts val="1900"/>
+              <a:buFont typeface="Ubuntu"/>
+              <a:buChar char="■"/>
+              <a:defRPr sz="1900" b="0" i="0" u="none" strike="noStrike" cap="none">
+                <a:solidFill>
+                  <a:schemeClr val="dk2"/>
+                </a:solidFill>
+                <a:latin typeface="Ubuntu"/>
+                <a:ea typeface="Ubuntu"/>
+                <a:cs typeface="Ubuntu"/>
+                <a:sym typeface="Ubuntu"/>
+              </a:defRPr>
+            </a:lvl6pPr>
+            <a:lvl7pPr marL="3200400" marR="0" lvl="6" indent="-349250" algn="l" rtl="0">
+              <a:lnSpc>
+                <a:spcPct val="115000"/>
+              </a:lnSpc>
+              <a:spcBef>
+                <a:spcPts val="2100"/>
+              </a:spcBef>
+              <a:spcAft>
+                <a:spcPts val="0"/>
+              </a:spcAft>
+              <a:buClr>
+                <a:schemeClr val="dk2"/>
+              </a:buClr>
+              <a:buSzPts val="1900"/>
+              <a:buFont typeface="Ubuntu"/>
+              <a:buChar char="●"/>
+              <a:defRPr sz="1900" b="0" i="0" u="none" strike="noStrike" cap="none">
+                <a:solidFill>
+                  <a:schemeClr val="dk2"/>
+                </a:solidFill>
+                <a:latin typeface="Ubuntu"/>
+                <a:ea typeface="Ubuntu"/>
+                <a:cs typeface="Ubuntu"/>
+                <a:sym typeface="Ubuntu"/>
+              </a:defRPr>
+            </a:lvl7pPr>
+            <a:lvl8pPr marL="3657600" marR="0" lvl="7" indent="-349250" algn="l" rtl="0">
+              <a:lnSpc>
+                <a:spcPct val="115000"/>
+              </a:lnSpc>
+              <a:spcBef>
+                <a:spcPts val="2100"/>
+              </a:spcBef>
+              <a:spcAft>
+                <a:spcPts val="0"/>
+              </a:spcAft>
+              <a:buClr>
+                <a:schemeClr val="dk2"/>
+              </a:buClr>
+              <a:buSzPts val="1900"/>
+              <a:buFont typeface="Ubuntu"/>
+              <a:buChar char="○"/>
+              <a:defRPr sz="1900" b="0" i="0" u="none" strike="noStrike" cap="none">
+                <a:solidFill>
+                  <a:schemeClr val="dk2"/>
+                </a:solidFill>
+                <a:latin typeface="Ubuntu"/>
+                <a:ea typeface="Ubuntu"/>
+                <a:cs typeface="Ubuntu"/>
+                <a:sym typeface="Ubuntu"/>
+              </a:defRPr>
+            </a:lvl8pPr>
+            <a:lvl9pPr marL="4114800" marR="0" lvl="8" indent="-349250" algn="l" rtl="0">
+              <a:lnSpc>
+                <a:spcPct val="115000"/>
+              </a:lnSpc>
+              <a:spcBef>
+                <a:spcPts val="2100"/>
+              </a:spcBef>
+              <a:spcAft>
+                <a:spcPts val="2100"/>
+              </a:spcAft>
+              <a:buClr>
+                <a:schemeClr val="dk2"/>
+              </a:buClr>
+              <a:buSzPts val="1900"/>
+              <a:buFont typeface="Ubuntu"/>
+              <a:buChar char="■"/>
+              <a:defRPr sz="1900" b="0" i="0" u="none" strike="noStrike" cap="none">
+                <a:solidFill>
+                  <a:schemeClr val="dk2"/>
+                </a:solidFill>
+                <a:latin typeface="Ubuntu"/>
+                <a:ea typeface="Ubuntu"/>
+                <a:cs typeface="Ubuntu"/>
+                <a:sym typeface="Ubuntu"/>
+              </a:defRPr>
+            </a:lvl9pPr>
+          </a:lstStyle>
+          <a:p>
+            <a:pPr marL="107950" indent="0" algn="ctr">
+              <a:buNone/>
+            </a:pPr>
+            <a:r>
+              <a:rPr lang="en-US" sz="1800" b="1">
+                <a:latin typeface="Times New Roman" panose="02020603050405020304" pitchFamily="18" charset="0"/>
+                <a:cs typeface="Times New Roman" panose="02020603050405020304" pitchFamily="18" charset="0"/>
+              </a:rPr>
+              <a:t>GIAO DIỆN TRANG CHỦ</a:t>
+            </a:r>
+            <a:endParaRPr lang="en-US" sz="1800" b="1" dirty="0">
+              <a:latin typeface="Times New Roman" panose="02020603050405020304" pitchFamily="18" charset="0"/>
+              <a:cs typeface="Times New Roman" panose="02020603050405020304" pitchFamily="18" charset="0"/>
+            </a:endParaRPr>
+          </a:p>
+        </p:txBody>
+      </p:sp>
+    </p:spTree>
+    <p:extLst>
+      <p:ext uri="{BB962C8B-B14F-4D97-AF65-F5344CB8AC3E}">
+        <p14:creationId xmlns:p14="http://schemas.microsoft.com/office/powerpoint/2010/main" val="1503522585"/>
+      </p:ext>
+    </p:extLst>
+  </p:cSld>
+  <p:clrMapOvr>
+    <a:masterClrMapping/>
+  </p:clrMapOvr>
+</p:sld>
+</file>
+
+<file path=ppt/slides/slide2.xml><?xml version="1.0" encoding="utf-8"?>
+<p:sld xmlns:a="http://schemas.openxmlformats.org/drawingml/2006/main" xmlns:r="http://schemas.openxmlformats.org/officeDocument/2006/relationships" xmlns:p="http://schemas.openxmlformats.org/presentationml/2006/main">
+  <p:cSld>
+    <p:spTree>
+      <p:nvGrpSpPr>
+        <p:cNvPr id="1" name="Shape 369"/>
+        <p:cNvGrpSpPr/>
+        <p:nvPr/>
+      </p:nvGrpSpPr>
+      <p:grpSpPr>
+        <a:xfrm>
+          <a:off x="0" y="0"/>
+          <a:ext cx="0" cy="0"/>
+          <a:chOff x="0" y="0"/>
+          <a:chExt cx="0" cy="0"/>
+        </a:xfrm>
+      </p:grpSpPr>
+      <p:sp>
+        <p:nvSpPr>
+          <p:cNvPr id="370" name="Google Shape;370;p21"/>
+          <p:cNvSpPr txBox="1">
+            <a:spLocks noGrp="1"/>
+          </p:cNvSpPr>
+          <p:nvPr>
+            <p:ph type="title"/>
+          </p:nvPr>
+        </p:nvSpPr>
+        <p:spPr>
+          <a:xfrm>
+            <a:off x="1239400" y="675675"/>
+            <a:ext cx="9682200" cy="763500"/>
+          </a:xfrm>
+          <a:prstGeom prst="rect">
+            <a:avLst/>
+          </a:prstGeom>
+        </p:spPr>
+        <p:txBody>
+          <a:bodyPr spcFirstLastPara="1" wrap="square" lIns="121900" tIns="121900" rIns="121900" bIns="121900" anchor="ctr" anchorCtr="0">
+            <a:noAutofit/>
+          </a:bodyPr>
+          <a:lstStyle/>
+          <a:p>
+            <a:pPr lvl="0"/>
+            <a:r>
+              <a:rPr lang="en-US">
+                <a:latin typeface="Times New Roman" panose="02020603050405020304" pitchFamily="18" charset="0"/>
+                <a:cs typeface="Times New Roman" panose="02020603050405020304" pitchFamily="18" charset="0"/>
+              </a:rPr>
+              <a:t>MỞ ĐẦU</a:t>
+            </a:r>
+            <a:endParaRPr dirty="0">
+              <a:latin typeface="Times New Roman" panose="02020603050405020304" pitchFamily="18" charset="0"/>
+              <a:cs typeface="Times New Roman" panose="02020603050405020304" pitchFamily="18" charset="0"/>
+            </a:endParaRPr>
+          </a:p>
+        </p:txBody>
+      </p:sp>
+      <p:sp>
+        <p:nvSpPr>
+          <p:cNvPr id="7" name="Title 6"/>
+          <p:cNvSpPr>
+            <a:spLocks noGrp="1"/>
+          </p:cNvSpPr>
+          <p:nvPr>
+            <p:ph type="title" idx="15"/>
+          </p:nvPr>
+        </p:nvSpPr>
+        <p:spPr>
+          <a:xfrm>
+            <a:off x="1081547" y="2133600"/>
+            <a:ext cx="10176388" cy="4178710"/>
+          </a:xfrm>
+        </p:spPr>
+        <p:txBody>
+          <a:bodyPr/>
+          <a:lstStyle/>
+          <a:p>
+            <a:pPr indent="457200">
+              <a:lnSpc>
+                <a:spcPct val="150000"/>
+              </a:lnSpc>
+              <a:spcBef>
+                <a:spcPts val="600"/>
+              </a:spcBef>
+              <a:spcAft>
+                <a:spcPts val="600"/>
+              </a:spcAft>
+            </a:pPr>
+            <a:r>
+              <a:rPr lang="en-US" sz="1800">
+                <a:effectLst/>
+                <a:latin typeface="Times New Roman" panose="02020603050405020304" pitchFamily="18" charset="0"/>
+                <a:ea typeface="Times New Roman" panose="02020603050405020304" pitchFamily="18" charset="0"/>
+              </a:rPr>
+              <a:t>Trong thời đại công nghệ số phát triển mạnh mẽ như hiện nay, việc quảng bá sản phẩm và dịch vụ qua mạng Internet đã trở thành một xu hướng tất yếu. Đặc biệt, đối với ngành công nghiệp thủ công mỹ nghệ - một lĩnh vực mang đậm nét văn hóa truyền thống và tinh hoa dân tộc - việc áp dụng các công cụ trực tuyến để giới thiệu sản phẩm không chỉ giúp mở rộng thị trường mà còn góp phần bảo tồn và phát huy giá trị văn hóa đặc sắc của từng địa phương.</a:t>
+            </a:r>
+            <a:br>
+              <a:rPr lang="en-US" sz="1800">
+                <a:effectLst/>
+                <a:latin typeface="Times New Roman" panose="02020603050405020304" pitchFamily="18" charset="0"/>
+                <a:ea typeface="Times New Roman" panose="02020603050405020304" pitchFamily="18" charset="0"/>
+              </a:rPr>
+            </a:br>
+            <a:r>
+              <a:rPr lang="en-US" sz="1800">
+                <a:effectLst/>
+                <a:latin typeface="Times New Roman" panose="02020603050405020304" pitchFamily="18" charset="0"/>
+                <a:ea typeface="Times New Roman" panose="02020603050405020304" pitchFamily="18" charset="0"/>
+              </a:rPr>
+              <a:t>	Đề tài "Xây dựng website quảng bá sản phẩm thủ công mỹ nghệ theo địa phương" ra đời từ nhu cầu thực tiễn đó. Mục tiêu của khóa luận là tạo ra một nền tảng trực tuyến hiệu quả, giúp các nghệ nhân và doanh nghiệp địa phương giới thiệu, quảng bá các sản phẩm mỹ nghệ đặc sắc, từ đó thúc đẩy hoạt động kinh doanh và bảo tồn các giá trị văn hóa truyền thống.</a:t>
+            </a:r>
+          </a:p>
+        </p:txBody>
+      </p:sp>
+    </p:spTree>
+    <p:extLst>
+      <p:ext uri="{BB962C8B-B14F-4D97-AF65-F5344CB8AC3E}">
+        <p14:creationId xmlns:p14="http://schemas.microsoft.com/office/powerpoint/2010/main" val="193106880"/>
+      </p:ext>
+    </p:extLst>
+  </p:cSld>
+  <p:clrMapOvr>
+    <a:masterClrMapping/>
+  </p:clrMapOvr>
+</p:sld>
+</file>
+
+<file path=ppt/slides/slide20.xml><?xml version="1.0" encoding="utf-8"?>
+<p:sld xmlns:a="http://schemas.openxmlformats.org/drawingml/2006/main" xmlns:r="http://schemas.openxmlformats.org/officeDocument/2006/relationships" xmlns:p="http://schemas.openxmlformats.org/presentationml/2006/main">
+  <p:cSld>
+    <p:spTree>
+      <p:nvGrpSpPr>
+        <p:cNvPr id="1" name="Shape 411"/>
+        <p:cNvGrpSpPr/>
+        <p:nvPr/>
+      </p:nvGrpSpPr>
+      <p:grpSpPr>
+        <a:xfrm>
+          <a:off x="0" y="0"/>
+          <a:ext cx="0" cy="0"/>
+          <a:chOff x="0" y="0"/>
+          <a:chExt cx="0" cy="0"/>
+        </a:xfrm>
+      </p:grpSpPr>
+      <p:sp>
+        <p:nvSpPr>
+          <p:cNvPr id="412" name="Google Shape;412;p24"/>
+          <p:cNvSpPr txBox="1">
+            <a:spLocks noGrp="1"/>
+          </p:cNvSpPr>
+          <p:nvPr>
+            <p:ph type="title"/>
+          </p:nvPr>
+        </p:nvSpPr>
+        <p:spPr>
+          <a:xfrm>
+            <a:off x="1232250" y="734075"/>
+            <a:ext cx="9575100" cy="763500"/>
+          </a:xfrm>
+          <a:prstGeom prst="rect">
+            <a:avLst/>
+          </a:prstGeom>
+        </p:spPr>
+        <p:txBody>
+          <a:bodyPr spcFirstLastPara="1" wrap="square" lIns="121900" tIns="121900" rIns="121900" bIns="121900" anchor="ctr" anchorCtr="0">
+            <a:noAutofit/>
+          </a:bodyPr>
+          <a:lstStyle/>
+          <a:p>
+            <a:pPr lvl="0"/>
+            <a:r>
+              <a:rPr lang="en-US">
+                <a:latin typeface="Times New Roman" panose="02020603050405020304" pitchFamily="18" charset="0"/>
+                <a:cs typeface="Times New Roman" panose="02020603050405020304" pitchFamily="18" charset="0"/>
+              </a:rPr>
+              <a:t>KẾT QUẢ ĐẠT ĐƯỢC</a:t>
+            </a:r>
+            <a:endParaRPr dirty="0">
+              <a:latin typeface="Times New Roman" panose="02020603050405020304" pitchFamily="18" charset="0"/>
+              <a:cs typeface="Times New Roman" panose="02020603050405020304" pitchFamily="18" charset="0"/>
+            </a:endParaRPr>
+          </a:p>
+        </p:txBody>
+      </p:sp>
+      <p:pic>
+        <p:nvPicPr>
+          <p:cNvPr id="5" name="Picture 4">
+            <a:extLst>
+              <a:ext uri="{FF2B5EF4-FFF2-40B4-BE49-F238E27FC236}">
+                <a16:creationId xmlns:a16="http://schemas.microsoft.com/office/drawing/2014/main" id="{48435B3C-69C5-EBAF-9C27-0E832A5FF306}"/>
+              </a:ext>
+            </a:extLst>
+          </p:cNvPr>
+          <p:cNvPicPr>
+            <a:picLocks noChangeAspect="1"/>
+          </p:cNvPicPr>
+          <p:nvPr/>
+        </p:nvPicPr>
+        <p:blipFill>
+          <a:blip r:embed="rId3"/>
+          <a:srcRect/>
+          <a:stretch/>
+        </p:blipFill>
+        <p:spPr>
+          <a:xfrm>
+            <a:off x="1232251" y="1886363"/>
+            <a:ext cx="9701220" cy="4386618"/>
+          </a:xfrm>
+          <a:prstGeom prst="rect">
+            <a:avLst/>
+          </a:prstGeom>
+        </p:spPr>
+      </p:pic>
+      <p:sp>
+        <p:nvSpPr>
+          <p:cNvPr id="6" name="Google Shape;413;p24">
+            <a:extLst>
+              <a:ext uri="{FF2B5EF4-FFF2-40B4-BE49-F238E27FC236}">
+                <a16:creationId xmlns:a16="http://schemas.microsoft.com/office/drawing/2014/main" id="{4FB58112-7A2B-151B-A553-20DED2D51173}"/>
+              </a:ext>
+            </a:extLst>
+          </p:cNvPr>
+          <p:cNvSpPr txBox="1">
+            <a:spLocks/>
+          </p:cNvSpPr>
+          <p:nvPr/>
+        </p:nvSpPr>
+        <p:spPr>
+          <a:xfrm>
+            <a:off x="2769427" y="6270816"/>
+            <a:ext cx="5610925" cy="580105"/>
+          </a:xfrm>
+          <a:prstGeom prst="rect">
+            <a:avLst/>
+          </a:prstGeom>
+          <a:noFill/>
+          <a:ln>
+            <a:noFill/>
+          </a:ln>
+        </p:spPr>
+        <p:txBody>
+          <a:bodyPr spcFirstLastPara="1" wrap="square" lIns="121900" tIns="121900" rIns="121900" bIns="121900" anchor="t" anchorCtr="0">
+            <a:noAutofit/>
+          </a:bodyPr>
+          <a:lstStyle>
+            <a:defPPr marR="0" lvl="0" algn="l" rtl="0">
+              <a:lnSpc>
+                <a:spcPct val="100000"/>
+              </a:lnSpc>
+              <a:spcBef>
+                <a:spcPts val="0"/>
+              </a:spcBef>
+              <a:spcAft>
+                <a:spcPts val="0"/>
+              </a:spcAft>
+            </a:defPPr>
+            <a:lvl1pPr marL="457200" marR="0" lvl="0" indent="-349250" algn="l" rtl="0">
+              <a:lnSpc>
+                <a:spcPct val="115000"/>
+              </a:lnSpc>
+              <a:spcBef>
+                <a:spcPts val="0"/>
+              </a:spcBef>
+              <a:spcAft>
+                <a:spcPts val="0"/>
+              </a:spcAft>
+              <a:buClr>
+                <a:schemeClr val="dk2"/>
+              </a:buClr>
+              <a:buSzPts val="1900"/>
+              <a:buFont typeface="Ubuntu"/>
+              <a:buChar char="●"/>
+              <a:defRPr sz="1900" b="0" i="0" u="none" strike="noStrike" cap="none">
+                <a:solidFill>
+                  <a:schemeClr val="dk2"/>
+                </a:solidFill>
+                <a:latin typeface="Ubuntu"/>
+                <a:ea typeface="Ubuntu"/>
+                <a:cs typeface="Ubuntu"/>
+                <a:sym typeface="Ubuntu"/>
+              </a:defRPr>
+            </a:lvl1pPr>
+            <a:lvl2pPr marL="914400" marR="0" lvl="1" indent="-349250" algn="l" rtl="0">
+              <a:lnSpc>
+                <a:spcPct val="115000"/>
+              </a:lnSpc>
+              <a:spcBef>
+                <a:spcPts val="0"/>
+              </a:spcBef>
+              <a:spcAft>
+                <a:spcPts val="0"/>
+              </a:spcAft>
+              <a:buClr>
+                <a:schemeClr val="dk2"/>
+              </a:buClr>
+              <a:buSzPts val="1900"/>
+              <a:buFont typeface="Ubuntu"/>
+              <a:buChar char="○"/>
+              <a:defRPr sz="1900" b="0" i="0" u="none" strike="noStrike" cap="none">
+                <a:solidFill>
+                  <a:schemeClr val="dk2"/>
+                </a:solidFill>
+                <a:latin typeface="Ubuntu"/>
+                <a:ea typeface="Ubuntu"/>
+                <a:cs typeface="Ubuntu"/>
+                <a:sym typeface="Ubuntu"/>
+              </a:defRPr>
+            </a:lvl2pPr>
+            <a:lvl3pPr marL="1371600" marR="0" lvl="2" indent="-349250" algn="l" rtl="0">
+              <a:lnSpc>
+                <a:spcPct val="115000"/>
+              </a:lnSpc>
+              <a:spcBef>
+                <a:spcPts val="2100"/>
+              </a:spcBef>
+              <a:spcAft>
+                <a:spcPts val="0"/>
+              </a:spcAft>
+              <a:buClr>
+                <a:schemeClr val="dk2"/>
+              </a:buClr>
+              <a:buSzPts val="1900"/>
+              <a:buFont typeface="Ubuntu"/>
+              <a:buChar char="■"/>
+              <a:defRPr sz="1900" b="0" i="0" u="none" strike="noStrike" cap="none">
+                <a:solidFill>
+                  <a:schemeClr val="dk2"/>
+                </a:solidFill>
+                <a:latin typeface="Ubuntu"/>
+                <a:ea typeface="Ubuntu"/>
+                <a:cs typeface="Ubuntu"/>
+                <a:sym typeface="Ubuntu"/>
+              </a:defRPr>
+            </a:lvl3pPr>
+            <a:lvl4pPr marL="1828800" marR="0" lvl="3" indent="-349250" algn="l" rtl="0">
+              <a:lnSpc>
+                <a:spcPct val="115000"/>
+              </a:lnSpc>
+              <a:spcBef>
+                <a:spcPts val="2100"/>
+              </a:spcBef>
+              <a:spcAft>
+                <a:spcPts val="0"/>
+              </a:spcAft>
+              <a:buClr>
+                <a:schemeClr val="dk2"/>
+              </a:buClr>
+              <a:buSzPts val="1900"/>
+              <a:buFont typeface="Ubuntu"/>
+              <a:buChar char="●"/>
+              <a:defRPr sz="1900" b="0" i="0" u="none" strike="noStrike" cap="none">
+                <a:solidFill>
+                  <a:schemeClr val="dk2"/>
+                </a:solidFill>
+                <a:latin typeface="Ubuntu"/>
+                <a:ea typeface="Ubuntu"/>
+                <a:cs typeface="Ubuntu"/>
+                <a:sym typeface="Ubuntu"/>
+              </a:defRPr>
+            </a:lvl4pPr>
+            <a:lvl5pPr marL="2286000" marR="0" lvl="4" indent="-349250" algn="l" rtl="0">
+              <a:lnSpc>
+                <a:spcPct val="115000"/>
+              </a:lnSpc>
+              <a:spcBef>
+                <a:spcPts val="2100"/>
+              </a:spcBef>
+              <a:spcAft>
+                <a:spcPts val="0"/>
+              </a:spcAft>
+              <a:buClr>
+                <a:schemeClr val="dk2"/>
+              </a:buClr>
+              <a:buSzPts val="1900"/>
+              <a:buFont typeface="Ubuntu"/>
+              <a:buChar char="○"/>
+              <a:defRPr sz="1900" b="0" i="0" u="none" strike="noStrike" cap="none">
+                <a:solidFill>
+                  <a:schemeClr val="dk2"/>
+                </a:solidFill>
+                <a:latin typeface="Ubuntu"/>
+                <a:ea typeface="Ubuntu"/>
+                <a:cs typeface="Ubuntu"/>
+                <a:sym typeface="Ubuntu"/>
+              </a:defRPr>
+            </a:lvl5pPr>
+            <a:lvl6pPr marL="2743200" marR="0" lvl="5" indent="-349250" algn="l" rtl="0">
+              <a:lnSpc>
+                <a:spcPct val="115000"/>
+              </a:lnSpc>
+              <a:spcBef>
+                <a:spcPts val="2100"/>
+              </a:spcBef>
+              <a:spcAft>
+                <a:spcPts val="0"/>
+              </a:spcAft>
+              <a:buClr>
+                <a:schemeClr val="dk2"/>
+              </a:buClr>
+              <a:buSzPts val="1900"/>
+              <a:buFont typeface="Ubuntu"/>
+              <a:buChar char="■"/>
+              <a:defRPr sz="1900" b="0" i="0" u="none" strike="noStrike" cap="none">
+                <a:solidFill>
+                  <a:schemeClr val="dk2"/>
+                </a:solidFill>
+                <a:latin typeface="Ubuntu"/>
+                <a:ea typeface="Ubuntu"/>
+                <a:cs typeface="Ubuntu"/>
+                <a:sym typeface="Ubuntu"/>
+              </a:defRPr>
+            </a:lvl6pPr>
+            <a:lvl7pPr marL="3200400" marR="0" lvl="6" indent="-349250" algn="l" rtl="0">
+              <a:lnSpc>
+                <a:spcPct val="115000"/>
+              </a:lnSpc>
+              <a:spcBef>
+                <a:spcPts val="2100"/>
+              </a:spcBef>
+              <a:spcAft>
+                <a:spcPts val="0"/>
+              </a:spcAft>
+              <a:buClr>
+                <a:schemeClr val="dk2"/>
+              </a:buClr>
+              <a:buSzPts val="1900"/>
+              <a:buFont typeface="Ubuntu"/>
+              <a:buChar char="●"/>
+              <a:defRPr sz="1900" b="0" i="0" u="none" strike="noStrike" cap="none">
+                <a:solidFill>
+                  <a:schemeClr val="dk2"/>
+                </a:solidFill>
+                <a:latin typeface="Ubuntu"/>
+                <a:ea typeface="Ubuntu"/>
+                <a:cs typeface="Ubuntu"/>
+                <a:sym typeface="Ubuntu"/>
+              </a:defRPr>
+            </a:lvl7pPr>
+            <a:lvl8pPr marL="3657600" marR="0" lvl="7" indent="-349250" algn="l" rtl="0">
+              <a:lnSpc>
+                <a:spcPct val="115000"/>
+              </a:lnSpc>
+              <a:spcBef>
+                <a:spcPts val="2100"/>
+              </a:spcBef>
+              <a:spcAft>
+                <a:spcPts val="0"/>
+              </a:spcAft>
+              <a:buClr>
+                <a:schemeClr val="dk2"/>
+              </a:buClr>
+              <a:buSzPts val="1900"/>
+              <a:buFont typeface="Ubuntu"/>
+              <a:buChar char="○"/>
+              <a:defRPr sz="1900" b="0" i="0" u="none" strike="noStrike" cap="none">
+                <a:solidFill>
+                  <a:schemeClr val="dk2"/>
+                </a:solidFill>
+                <a:latin typeface="Ubuntu"/>
+                <a:ea typeface="Ubuntu"/>
+                <a:cs typeface="Ubuntu"/>
+                <a:sym typeface="Ubuntu"/>
+              </a:defRPr>
+            </a:lvl8pPr>
+            <a:lvl9pPr marL="4114800" marR="0" lvl="8" indent="-349250" algn="l" rtl="0">
+              <a:lnSpc>
+                <a:spcPct val="115000"/>
+              </a:lnSpc>
+              <a:spcBef>
+                <a:spcPts val="2100"/>
+              </a:spcBef>
+              <a:spcAft>
+                <a:spcPts val="2100"/>
+              </a:spcAft>
+              <a:buClr>
+                <a:schemeClr val="dk2"/>
+              </a:buClr>
+              <a:buSzPts val="1900"/>
+              <a:buFont typeface="Ubuntu"/>
+              <a:buChar char="■"/>
+              <a:defRPr sz="1900" b="0" i="0" u="none" strike="noStrike" cap="none">
+                <a:solidFill>
+                  <a:schemeClr val="dk2"/>
+                </a:solidFill>
+                <a:latin typeface="Ubuntu"/>
+                <a:ea typeface="Ubuntu"/>
+                <a:cs typeface="Ubuntu"/>
+                <a:sym typeface="Ubuntu"/>
+              </a:defRPr>
+            </a:lvl9pPr>
+          </a:lstStyle>
+          <a:p>
+            <a:pPr marL="107950" indent="0" algn="ctr">
+              <a:buNone/>
+            </a:pPr>
+            <a:r>
+              <a:rPr lang="en-US" sz="1800" b="1">
+                <a:latin typeface="Times New Roman" panose="02020603050405020304" pitchFamily="18" charset="0"/>
+                <a:cs typeface="Times New Roman" panose="02020603050405020304" pitchFamily="18" charset="0"/>
+              </a:rPr>
+              <a:t>GIAO DIỆN TRANG ADMIN</a:t>
+            </a:r>
+            <a:endParaRPr lang="en-US" sz="1800" b="1" dirty="0">
+              <a:latin typeface="Times New Roman" panose="02020603050405020304" pitchFamily="18" charset="0"/>
+              <a:cs typeface="Times New Roman" panose="02020603050405020304" pitchFamily="18" charset="0"/>
+            </a:endParaRPr>
+          </a:p>
+        </p:txBody>
+      </p:sp>
+    </p:spTree>
+    <p:extLst>
+      <p:ext uri="{BB962C8B-B14F-4D97-AF65-F5344CB8AC3E}">
+        <p14:creationId xmlns:p14="http://schemas.microsoft.com/office/powerpoint/2010/main" val="3688252633"/>
+      </p:ext>
+    </p:extLst>
+  </p:cSld>
+  <p:clrMapOvr>
+    <a:masterClrMapping/>
+  </p:clrMapOvr>
+</p:sld>
+</file>
+
+<file path=ppt/slides/slide21.xml><?xml version="1.0" encoding="utf-8"?>
+<p:sld xmlns:a="http://schemas.openxmlformats.org/drawingml/2006/main" xmlns:r="http://schemas.openxmlformats.org/officeDocument/2006/relationships" xmlns:p="http://schemas.openxmlformats.org/presentationml/2006/main">
+  <p:cSld>
+    <p:spTree>
+      <p:nvGrpSpPr>
+        <p:cNvPr id="1" name="Shape 411"/>
+        <p:cNvGrpSpPr/>
+        <p:nvPr/>
+      </p:nvGrpSpPr>
+      <p:grpSpPr>
+        <a:xfrm>
+          <a:off x="0" y="0"/>
+          <a:ext cx="0" cy="0"/>
+          <a:chOff x="0" y="0"/>
+          <a:chExt cx="0" cy="0"/>
+        </a:xfrm>
+      </p:grpSpPr>
+      <p:sp>
+        <p:nvSpPr>
+          <p:cNvPr id="412" name="Google Shape;412;p24"/>
+          <p:cNvSpPr txBox="1">
+            <a:spLocks noGrp="1"/>
+          </p:cNvSpPr>
+          <p:nvPr>
+            <p:ph type="title"/>
+          </p:nvPr>
+        </p:nvSpPr>
+        <p:spPr>
+          <a:xfrm>
+            <a:off x="1232250" y="734075"/>
+            <a:ext cx="9575100" cy="763500"/>
+          </a:xfrm>
+          <a:prstGeom prst="rect">
+            <a:avLst/>
+          </a:prstGeom>
+        </p:spPr>
+        <p:txBody>
+          <a:bodyPr spcFirstLastPara="1" wrap="square" lIns="121900" tIns="121900" rIns="121900" bIns="121900" anchor="ctr" anchorCtr="0">
+            <a:noAutofit/>
+          </a:bodyPr>
+          <a:lstStyle/>
+          <a:p>
+            <a:pPr lvl="0"/>
+            <a:r>
+              <a:rPr lang="en-US">
+                <a:latin typeface="Times New Roman" panose="02020603050405020304" pitchFamily="18" charset="0"/>
+                <a:cs typeface="Times New Roman" panose="02020603050405020304" pitchFamily="18" charset="0"/>
+              </a:rPr>
+              <a:t>KẾT QUẢ ĐẠT ĐƯỢC</a:t>
+            </a:r>
+            <a:endParaRPr dirty="0">
+              <a:latin typeface="Times New Roman" panose="02020603050405020304" pitchFamily="18" charset="0"/>
+              <a:cs typeface="Times New Roman" panose="02020603050405020304" pitchFamily="18" charset="0"/>
+            </a:endParaRPr>
+          </a:p>
+        </p:txBody>
+      </p:sp>
+      <p:pic>
+        <p:nvPicPr>
+          <p:cNvPr id="5" name="Picture 4">
+            <a:extLst>
+              <a:ext uri="{FF2B5EF4-FFF2-40B4-BE49-F238E27FC236}">
+                <a16:creationId xmlns:a16="http://schemas.microsoft.com/office/drawing/2014/main" id="{48435B3C-69C5-EBAF-9C27-0E832A5FF306}"/>
+              </a:ext>
+            </a:extLst>
+          </p:cNvPr>
+          <p:cNvPicPr>
+            <a:picLocks noChangeAspect="1"/>
+          </p:cNvPicPr>
+          <p:nvPr/>
+        </p:nvPicPr>
+        <p:blipFill>
+          <a:blip r:embed="rId3"/>
+          <a:srcRect/>
+          <a:stretch/>
+        </p:blipFill>
+        <p:spPr>
+          <a:xfrm>
+            <a:off x="1232250" y="1911130"/>
+            <a:ext cx="9691389" cy="4359686"/>
+          </a:xfrm>
+          <a:prstGeom prst="rect">
+            <a:avLst/>
+          </a:prstGeom>
+        </p:spPr>
+      </p:pic>
+      <p:sp>
+        <p:nvSpPr>
+          <p:cNvPr id="6" name="Google Shape;413;p24">
+            <a:extLst>
+              <a:ext uri="{FF2B5EF4-FFF2-40B4-BE49-F238E27FC236}">
+                <a16:creationId xmlns:a16="http://schemas.microsoft.com/office/drawing/2014/main" id="{4FB58112-7A2B-151B-A553-20DED2D51173}"/>
+              </a:ext>
+            </a:extLst>
+          </p:cNvPr>
+          <p:cNvSpPr txBox="1">
+            <a:spLocks/>
+          </p:cNvSpPr>
+          <p:nvPr/>
+        </p:nvSpPr>
+        <p:spPr>
+          <a:xfrm>
+            <a:off x="2769427" y="6270816"/>
+            <a:ext cx="5610925" cy="580105"/>
+          </a:xfrm>
+          <a:prstGeom prst="rect">
+            <a:avLst/>
+          </a:prstGeom>
+          <a:noFill/>
+          <a:ln>
+            <a:noFill/>
+          </a:ln>
+        </p:spPr>
+        <p:txBody>
+          <a:bodyPr spcFirstLastPara="1" wrap="square" lIns="121900" tIns="121900" rIns="121900" bIns="121900" anchor="t" anchorCtr="0">
+            <a:noAutofit/>
+          </a:bodyPr>
+          <a:lstStyle>
+            <a:defPPr marR="0" lvl="0" algn="l" rtl="0">
+              <a:lnSpc>
+                <a:spcPct val="100000"/>
+              </a:lnSpc>
+              <a:spcBef>
+                <a:spcPts val="0"/>
+              </a:spcBef>
+              <a:spcAft>
+                <a:spcPts val="0"/>
+              </a:spcAft>
+            </a:defPPr>
+            <a:lvl1pPr marL="457200" marR="0" lvl="0" indent="-349250" algn="l" rtl="0">
+              <a:lnSpc>
+                <a:spcPct val="115000"/>
+              </a:lnSpc>
+              <a:spcBef>
+                <a:spcPts val="0"/>
+              </a:spcBef>
+              <a:spcAft>
+                <a:spcPts val="0"/>
+              </a:spcAft>
+              <a:buClr>
+                <a:schemeClr val="dk2"/>
+              </a:buClr>
+              <a:buSzPts val="1900"/>
+              <a:buFont typeface="Ubuntu"/>
+              <a:buChar char="●"/>
+              <a:defRPr sz="1900" b="0" i="0" u="none" strike="noStrike" cap="none">
+                <a:solidFill>
+                  <a:schemeClr val="dk2"/>
+                </a:solidFill>
+                <a:latin typeface="Ubuntu"/>
+                <a:ea typeface="Ubuntu"/>
+                <a:cs typeface="Ubuntu"/>
+                <a:sym typeface="Ubuntu"/>
+              </a:defRPr>
+            </a:lvl1pPr>
+            <a:lvl2pPr marL="914400" marR="0" lvl="1" indent="-349250" algn="l" rtl="0">
+              <a:lnSpc>
+                <a:spcPct val="115000"/>
+              </a:lnSpc>
+              <a:spcBef>
+                <a:spcPts val="0"/>
+              </a:spcBef>
+              <a:spcAft>
+                <a:spcPts val="0"/>
+              </a:spcAft>
+              <a:buClr>
+                <a:schemeClr val="dk2"/>
+              </a:buClr>
+              <a:buSzPts val="1900"/>
+              <a:buFont typeface="Ubuntu"/>
+              <a:buChar char="○"/>
+              <a:defRPr sz="1900" b="0" i="0" u="none" strike="noStrike" cap="none">
+                <a:solidFill>
+                  <a:schemeClr val="dk2"/>
+                </a:solidFill>
+                <a:latin typeface="Ubuntu"/>
+                <a:ea typeface="Ubuntu"/>
+                <a:cs typeface="Ubuntu"/>
+                <a:sym typeface="Ubuntu"/>
+              </a:defRPr>
+            </a:lvl2pPr>
+            <a:lvl3pPr marL="1371600" marR="0" lvl="2" indent="-349250" algn="l" rtl="0">
+              <a:lnSpc>
+                <a:spcPct val="115000"/>
+              </a:lnSpc>
+              <a:spcBef>
+                <a:spcPts val="2100"/>
+              </a:spcBef>
+              <a:spcAft>
+                <a:spcPts val="0"/>
+              </a:spcAft>
+              <a:buClr>
+                <a:schemeClr val="dk2"/>
+              </a:buClr>
+              <a:buSzPts val="1900"/>
+              <a:buFont typeface="Ubuntu"/>
+              <a:buChar char="■"/>
+              <a:defRPr sz="1900" b="0" i="0" u="none" strike="noStrike" cap="none">
+                <a:solidFill>
+                  <a:schemeClr val="dk2"/>
+                </a:solidFill>
+                <a:latin typeface="Ubuntu"/>
+                <a:ea typeface="Ubuntu"/>
+                <a:cs typeface="Ubuntu"/>
+                <a:sym typeface="Ubuntu"/>
+              </a:defRPr>
+            </a:lvl3pPr>
+            <a:lvl4pPr marL="1828800" marR="0" lvl="3" indent="-349250" algn="l" rtl="0">
+              <a:lnSpc>
+                <a:spcPct val="115000"/>
+              </a:lnSpc>
+              <a:spcBef>
+                <a:spcPts val="2100"/>
+              </a:spcBef>
+              <a:spcAft>
+                <a:spcPts val="0"/>
+              </a:spcAft>
+              <a:buClr>
+                <a:schemeClr val="dk2"/>
+              </a:buClr>
+              <a:buSzPts val="1900"/>
+              <a:buFont typeface="Ubuntu"/>
+              <a:buChar char="●"/>
+              <a:defRPr sz="1900" b="0" i="0" u="none" strike="noStrike" cap="none">
+                <a:solidFill>
+                  <a:schemeClr val="dk2"/>
+                </a:solidFill>
+                <a:latin typeface="Ubuntu"/>
+                <a:ea typeface="Ubuntu"/>
+                <a:cs typeface="Ubuntu"/>
+                <a:sym typeface="Ubuntu"/>
+              </a:defRPr>
+            </a:lvl4pPr>
+            <a:lvl5pPr marL="2286000" marR="0" lvl="4" indent="-349250" algn="l" rtl="0">
+              <a:lnSpc>
+                <a:spcPct val="115000"/>
+              </a:lnSpc>
+              <a:spcBef>
+                <a:spcPts val="2100"/>
+              </a:spcBef>
+              <a:spcAft>
+                <a:spcPts val="0"/>
+              </a:spcAft>
+              <a:buClr>
+                <a:schemeClr val="dk2"/>
+              </a:buClr>
+              <a:buSzPts val="1900"/>
+              <a:buFont typeface="Ubuntu"/>
+              <a:buChar char="○"/>
+              <a:defRPr sz="1900" b="0" i="0" u="none" strike="noStrike" cap="none">
+                <a:solidFill>
+                  <a:schemeClr val="dk2"/>
+                </a:solidFill>
+                <a:latin typeface="Ubuntu"/>
+                <a:ea typeface="Ubuntu"/>
+                <a:cs typeface="Ubuntu"/>
+                <a:sym typeface="Ubuntu"/>
+              </a:defRPr>
+            </a:lvl5pPr>
+            <a:lvl6pPr marL="2743200" marR="0" lvl="5" indent="-349250" algn="l" rtl="0">
+              <a:lnSpc>
+                <a:spcPct val="115000"/>
+              </a:lnSpc>
+              <a:spcBef>
+                <a:spcPts val="2100"/>
+              </a:spcBef>
+              <a:spcAft>
+                <a:spcPts val="0"/>
+              </a:spcAft>
+              <a:buClr>
+                <a:schemeClr val="dk2"/>
+              </a:buClr>
+              <a:buSzPts val="1900"/>
+              <a:buFont typeface="Ubuntu"/>
+              <a:buChar char="■"/>
+              <a:defRPr sz="1900" b="0" i="0" u="none" strike="noStrike" cap="none">
+                <a:solidFill>
+                  <a:schemeClr val="dk2"/>
+                </a:solidFill>
+                <a:latin typeface="Ubuntu"/>
+                <a:ea typeface="Ubuntu"/>
+                <a:cs typeface="Ubuntu"/>
+                <a:sym typeface="Ubuntu"/>
+              </a:defRPr>
+            </a:lvl6pPr>
+            <a:lvl7pPr marL="3200400" marR="0" lvl="6" indent="-349250" algn="l" rtl="0">
+              <a:lnSpc>
+                <a:spcPct val="115000"/>
+              </a:lnSpc>
+              <a:spcBef>
+                <a:spcPts val="2100"/>
+              </a:spcBef>
+              <a:spcAft>
+                <a:spcPts val="0"/>
+              </a:spcAft>
+              <a:buClr>
+                <a:schemeClr val="dk2"/>
+              </a:buClr>
+              <a:buSzPts val="1900"/>
+              <a:buFont typeface="Ubuntu"/>
+              <a:buChar char="●"/>
+              <a:defRPr sz="1900" b="0" i="0" u="none" strike="noStrike" cap="none">
+                <a:solidFill>
+                  <a:schemeClr val="dk2"/>
+                </a:solidFill>
+                <a:latin typeface="Ubuntu"/>
+                <a:ea typeface="Ubuntu"/>
+                <a:cs typeface="Ubuntu"/>
+                <a:sym typeface="Ubuntu"/>
+              </a:defRPr>
+            </a:lvl7pPr>
+            <a:lvl8pPr marL="3657600" marR="0" lvl="7" indent="-349250" algn="l" rtl="0">
+              <a:lnSpc>
+                <a:spcPct val="115000"/>
+              </a:lnSpc>
+              <a:spcBef>
+                <a:spcPts val="2100"/>
+              </a:spcBef>
+              <a:spcAft>
+                <a:spcPts val="0"/>
+              </a:spcAft>
+              <a:buClr>
+                <a:schemeClr val="dk2"/>
+              </a:buClr>
+              <a:buSzPts val="1900"/>
+              <a:buFont typeface="Ubuntu"/>
+              <a:buChar char="○"/>
+              <a:defRPr sz="1900" b="0" i="0" u="none" strike="noStrike" cap="none">
+                <a:solidFill>
+                  <a:schemeClr val="dk2"/>
+                </a:solidFill>
+                <a:latin typeface="Ubuntu"/>
+                <a:ea typeface="Ubuntu"/>
+                <a:cs typeface="Ubuntu"/>
+                <a:sym typeface="Ubuntu"/>
+              </a:defRPr>
+            </a:lvl8pPr>
+            <a:lvl9pPr marL="4114800" marR="0" lvl="8" indent="-349250" algn="l" rtl="0">
+              <a:lnSpc>
+                <a:spcPct val="115000"/>
+              </a:lnSpc>
+              <a:spcBef>
+                <a:spcPts val="2100"/>
+              </a:spcBef>
+              <a:spcAft>
+                <a:spcPts val="2100"/>
+              </a:spcAft>
+              <a:buClr>
+                <a:schemeClr val="dk2"/>
+              </a:buClr>
+              <a:buSzPts val="1900"/>
+              <a:buFont typeface="Ubuntu"/>
+              <a:buChar char="■"/>
+              <a:defRPr sz="1900" b="0" i="0" u="none" strike="noStrike" cap="none">
+                <a:solidFill>
+                  <a:schemeClr val="dk2"/>
+                </a:solidFill>
+                <a:latin typeface="Ubuntu"/>
+                <a:ea typeface="Ubuntu"/>
+                <a:cs typeface="Ubuntu"/>
+                <a:sym typeface="Ubuntu"/>
+              </a:defRPr>
+            </a:lvl9pPr>
+          </a:lstStyle>
+          <a:p>
+            <a:pPr marL="107950" indent="0" algn="ctr">
+              <a:buNone/>
+            </a:pPr>
+            <a:r>
+              <a:rPr lang="en-US" sz="1800" b="1">
+                <a:latin typeface="Times New Roman" panose="02020603050405020304" pitchFamily="18" charset="0"/>
+                <a:cs typeface="Times New Roman" panose="02020603050405020304" pitchFamily="18" charset="0"/>
+              </a:rPr>
+              <a:t>GIAO DIỆN SẢN PHẨM</a:t>
+            </a:r>
+            <a:endParaRPr lang="en-US" sz="1800" b="1" dirty="0">
+              <a:latin typeface="Times New Roman" panose="02020603050405020304" pitchFamily="18" charset="0"/>
+              <a:cs typeface="Times New Roman" panose="02020603050405020304" pitchFamily="18" charset="0"/>
+            </a:endParaRPr>
+          </a:p>
+        </p:txBody>
+      </p:sp>
+    </p:spTree>
+    <p:extLst>
+      <p:ext uri="{BB962C8B-B14F-4D97-AF65-F5344CB8AC3E}">
+        <p14:creationId xmlns:p14="http://schemas.microsoft.com/office/powerpoint/2010/main" val="3600538465"/>
+      </p:ext>
+    </p:extLst>
+  </p:cSld>
+  <p:clrMapOvr>
+    <a:masterClrMapping/>
+  </p:clrMapOvr>
+</p:sld>
+</file>
+
+<file path=ppt/slides/slide22.xml><?xml version="1.0" encoding="utf-8"?>
+<p:sld xmlns:a="http://schemas.openxmlformats.org/drawingml/2006/main" xmlns:r="http://schemas.openxmlformats.org/officeDocument/2006/relationships" xmlns:p="http://schemas.openxmlformats.org/presentationml/2006/main">
+  <p:cSld>
+    <p:spTree>
+      <p:nvGrpSpPr>
+        <p:cNvPr id="1" name="Shape 411"/>
+        <p:cNvGrpSpPr/>
+        <p:nvPr/>
+      </p:nvGrpSpPr>
+      <p:grpSpPr>
+        <a:xfrm>
+          <a:off x="0" y="0"/>
+          <a:ext cx="0" cy="0"/>
+          <a:chOff x="0" y="0"/>
+          <a:chExt cx="0" cy="0"/>
+        </a:xfrm>
+      </p:grpSpPr>
+      <p:sp>
+        <p:nvSpPr>
+          <p:cNvPr id="412" name="Google Shape;412;p24"/>
+          <p:cNvSpPr txBox="1">
+            <a:spLocks noGrp="1"/>
+          </p:cNvSpPr>
+          <p:nvPr>
+            <p:ph type="title"/>
+          </p:nvPr>
+        </p:nvSpPr>
+        <p:spPr>
+          <a:xfrm>
+            <a:off x="1232250" y="734075"/>
+            <a:ext cx="9575100" cy="763500"/>
+          </a:xfrm>
+        </p:spPr>
+        <p:txBody>
+          <a:bodyPr spcFirstLastPara="1" wrap="square" lIns="121900" tIns="121900" rIns="121900" bIns="121900" anchor="ctr" anchorCtr="0">
+            <a:noAutofit/>
+          </a:bodyPr>
+          <a:lstStyle/>
+          <a:p>
+            <a:pPr lvl="0"/>
+            <a:r>
+              <a:rPr lang="vi-VN">
+                <a:latin typeface="+mj-lt"/>
+              </a:rPr>
+              <a:t>KẾT QUẢ ĐẠT ĐƯỢC</a:t>
+            </a:r>
+            <a:endParaRPr lang="vi-VN" dirty="0">
+              <a:latin typeface="+mj-lt"/>
+            </a:endParaRPr>
+          </a:p>
+        </p:txBody>
+      </p:sp>
+      <p:sp>
+        <p:nvSpPr>
+          <p:cNvPr id="4" name="Text Placeholder 3">
+            <a:extLst>
+              <a:ext uri="{FF2B5EF4-FFF2-40B4-BE49-F238E27FC236}">
+                <a16:creationId xmlns:a16="http://schemas.microsoft.com/office/drawing/2014/main" id="{2ED0D492-03F0-93B7-4E5E-C8C133F171E7}"/>
+              </a:ext>
+            </a:extLst>
+          </p:cNvPr>
+          <p:cNvSpPr>
+            <a:spLocks noGrp="1"/>
+          </p:cNvSpPr>
+          <p:nvPr>
+            <p:ph type="body" idx="1"/>
+          </p:nvPr>
+        </p:nvSpPr>
+        <p:spPr/>
+        <p:txBody>
+          <a:bodyPr/>
+          <a:lstStyle/>
+          <a:p>
+            <a:endParaRPr lang="en-US"/>
+          </a:p>
+        </p:txBody>
+      </p:sp>
+      <p:pic>
+        <p:nvPicPr>
+          <p:cNvPr id="5" name="Picture 4">
+            <a:extLst>
+              <a:ext uri="{FF2B5EF4-FFF2-40B4-BE49-F238E27FC236}">
+                <a16:creationId xmlns:a16="http://schemas.microsoft.com/office/drawing/2014/main" id="{48435B3C-69C5-EBAF-9C27-0E832A5FF306}"/>
+              </a:ext>
+            </a:extLst>
+          </p:cNvPr>
+          <p:cNvPicPr>
+            <a:picLocks noChangeAspect="1"/>
+          </p:cNvPicPr>
+          <p:nvPr/>
+        </p:nvPicPr>
+        <p:blipFill>
+          <a:blip r:embed="rId3"/>
+          <a:srcRect/>
+          <a:stretch/>
+        </p:blipFill>
+        <p:spPr>
+          <a:xfrm>
+            <a:off x="1231899" y="1911130"/>
+            <a:ext cx="9701571" cy="4359686"/>
+          </a:xfrm>
+          <a:prstGeom prst="rect">
+            <a:avLst/>
+          </a:prstGeom>
+        </p:spPr>
+      </p:pic>
+      <p:sp>
+        <p:nvSpPr>
+          <p:cNvPr id="6" name="Google Shape;413;p24">
+            <a:extLst>
+              <a:ext uri="{FF2B5EF4-FFF2-40B4-BE49-F238E27FC236}">
+                <a16:creationId xmlns:a16="http://schemas.microsoft.com/office/drawing/2014/main" id="{4FB58112-7A2B-151B-A553-20DED2D51173}"/>
+              </a:ext>
+            </a:extLst>
+          </p:cNvPr>
+          <p:cNvSpPr txBox="1">
+            <a:spLocks/>
+          </p:cNvSpPr>
+          <p:nvPr/>
+        </p:nvSpPr>
+        <p:spPr>
+          <a:xfrm>
+            <a:off x="2769427" y="6270816"/>
+            <a:ext cx="5610925" cy="580105"/>
+          </a:xfrm>
+          <a:prstGeom prst="rect">
+            <a:avLst/>
+          </a:prstGeom>
+          <a:noFill/>
+          <a:ln>
+            <a:noFill/>
+          </a:ln>
+        </p:spPr>
+        <p:txBody>
+          <a:bodyPr spcFirstLastPara="1" wrap="square" lIns="121900" tIns="121900" rIns="121900" bIns="121900" anchor="t" anchorCtr="0">
+            <a:noAutofit/>
+          </a:bodyPr>
+          <a:lstStyle>
+            <a:defPPr marR="0" lvl="0" algn="l" rtl="0">
+              <a:lnSpc>
+                <a:spcPct val="100000"/>
+              </a:lnSpc>
+              <a:spcBef>
+                <a:spcPts val="0"/>
+              </a:spcBef>
+              <a:spcAft>
+                <a:spcPts val="0"/>
+              </a:spcAft>
+            </a:defPPr>
+            <a:lvl1pPr marL="457200" marR="0" lvl="0" indent="-349250" algn="l" rtl="0">
+              <a:lnSpc>
+                <a:spcPct val="115000"/>
+              </a:lnSpc>
+              <a:spcBef>
+                <a:spcPts val="0"/>
+              </a:spcBef>
+              <a:spcAft>
+                <a:spcPts val="0"/>
+              </a:spcAft>
+              <a:buClr>
+                <a:schemeClr val="dk2"/>
+              </a:buClr>
+              <a:buSzPts val="1900"/>
+              <a:buFont typeface="Ubuntu"/>
+              <a:buChar char="●"/>
+              <a:defRPr sz="1900" b="0" i="0" u="none" strike="noStrike" cap="none">
+                <a:solidFill>
+                  <a:schemeClr val="dk2"/>
+                </a:solidFill>
+                <a:latin typeface="Ubuntu"/>
+                <a:ea typeface="Ubuntu"/>
+                <a:cs typeface="Ubuntu"/>
+                <a:sym typeface="Ubuntu"/>
+              </a:defRPr>
+            </a:lvl1pPr>
+            <a:lvl2pPr marL="914400" marR="0" lvl="1" indent="-349250" algn="l" rtl="0">
+              <a:lnSpc>
+                <a:spcPct val="115000"/>
+              </a:lnSpc>
+              <a:spcBef>
+                <a:spcPts val="0"/>
+              </a:spcBef>
+              <a:spcAft>
+                <a:spcPts val="0"/>
+              </a:spcAft>
+              <a:buClr>
+                <a:schemeClr val="dk2"/>
+              </a:buClr>
+              <a:buSzPts val="1900"/>
+              <a:buFont typeface="Ubuntu"/>
+              <a:buChar char="○"/>
+              <a:defRPr sz="1900" b="0" i="0" u="none" strike="noStrike" cap="none">
+                <a:solidFill>
+                  <a:schemeClr val="dk2"/>
+                </a:solidFill>
+                <a:latin typeface="Ubuntu"/>
+                <a:ea typeface="Ubuntu"/>
+                <a:cs typeface="Ubuntu"/>
+                <a:sym typeface="Ubuntu"/>
+              </a:defRPr>
+            </a:lvl2pPr>
+            <a:lvl3pPr marL="1371600" marR="0" lvl="2" indent="-349250" algn="l" rtl="0">
+              <a:lnSpc>
+                <a:spcPct val="115000"/>
+              </a:lnSpc>
+              <a:spcBef>
+                <a:spcPts val="2100"/>
+              </a:spcBef>
+              <a:spcAft>
+                <a:spcPts val="0"/>
+              </a:spcAft>
+              <a:buClr>
+                <a:schemeClr val="dk2"/>
+              </a:buClr>
+              <a:buSzPts val="1900"/>
+              <a:buFont typeface="Ubuntu"/>
+              <a:buChar char="■"/>
+              <a:defRPr sz="1900" b="0" i="0" u="none" strike="noStrike" cap="none">
+                <a:solidFill>
+                  <a:schemeClr val="dk2"/>
+                </a:solidFill>
+                <a:latin typeface="Ubuntu"/>
+                <a:ea typeface="Ubuntu"/>
+                <a:cs typeface="Ubuntu"/>
+                <a:sym typeface="Ubuntu"/>
+              </a:defRPr>
+            </a:lvl3pPr>
+            <a:lvl4pPr marL="1828800" marR="0" lvl="3" indent="-349250" algn="l" rtl="0">
+              <a:lnSpc>
+                <a:spcPct val="115000"/>
+              </a:lnSpc>
+              <a:spcBef>
+                <a:spcPts val="2100"/>
+              </a:spcBef>
+              <a:spcAft>
+                <a:spcPts val="0"/>
+              </a:spcAft>
+              <a:buClr>
+                <a:schemeClr val="dk2"/>
+              </a:buClr>
+              <a:buSzPts val="1900"/>
+              <a:buFont typeface="Ubuntu"/>
+              <a:buChar char="●"/>
+              <a:defRPr sz="1900" b="0" i="0" u="none" strike="noStrike" cap="none">
+                <a:solidFill>
+                  <a:schemeClr val="dk2"/>
+                </a:solidFill>
+                <a:latin typeface="Ubuntu"/>
+                <a:ea typeface="Ubuntu"/>
+                <a:cs typeface="Ubuntu"/>
+                <a:sym typeface="Ubuntu"/>
+              </a:defRPr>
+            </a:lvl4pPr>
+            <a:lvl5pPr marL="2286000" marR="0" lvl="4" indent="-349250" algn="l" rtl="0">
+              <a:lnSpc>
+                <a:spcPct val="115000"/>
+              </a:lnSpc>
+              <a:spcBef>
+                <a:spcPts val="2100"/>
+              </a:spcBef>
+              <a:spcAft>
+                <a:spcPts val="0"/>
+              </a:spcAft>
+              <a:buClr>
+                <a:schemeClr val="dk2"/>
+              </a:buClr>
+              <a:buSzPts val="1900"/>
+              <a:buFont typeface="Ubuntu"/>
+              <a:buChar char="○"/>
+              <a:defRPr sz="1900" b="0" i="0" u="none" strike="noStrike" cap="none">
+                <a:solidFill>
+                  <a:schemeClr val="dk2"/>
+                </a:solidFill>
+                <a:latin typeface="Ubuntu"/>
+                <a:ea typeface="Ubuntu"/>
+                <a:cs typeface="Ubuntu"/>
+                <a:sym typeface="Ubuntu"/>
+              </a:defRPr>
+            </a:lvl5pPr>
+            <a:lvl6pPr marL="2743200" marR="0" lvl="5" indent="-349250" algn="l" rtl="0">
+              <a:lnSpc>
+                <a:spcPct val="115000"/>
+              </a:lnSpc>
+              <a:spcBef>
+                <a:spcPts val="2100"/>
+              </a:spcBef>
+              <a:spcAft>
+                <a:spcPts val="0"/>
+              </a:spcAft>
+              <a:buClr>
+                <a:schemeClr val="dk2"/>
+              </a:buClr>
+              <a:buSzPts val="1900"/>
+              <a:buFont typeface="Ubuntu"/>
+              <a:buChar char="■"/>
+              <a:defRPr sz="1900" b="0" i="0" u="none" strike="noStrike" cap="none">
+                <a:solidFill>
+                  <a:schemeClr val="dk2"/>
+                </a:solidFill>
+                <a:latin typeface="Ubuntu"/>
+                <a:ea typeface="Ubuntu"/>
+                <a:cs typeface="Ubuntu"/>
+                <a:sym typeface="Ubuntu"/>
+              </a:defRPr>
+            </a:lvl6pPr>
+            <a:lvl7pPr marL="3200400" marR="0" lvl="6" indent="-349250" algn="l" rtl="0">
+              <a:lnSpc>
+                <a:spcPct val="115000"/>
+              </a:lnSpc>
+              <a:spcBef>
+                <a:spcPts val="2100"/>
+              </a:spcBef>
+              <a:spcAft>
+                <a:spcPts val="0"/>
+              </a:spcAft>
+              <a:buClr>
+                <a:schemeClr val="dk2"/>
+              </a:buClr>
+              <a:buSzPts val="1900"/>
+              <a:buFont typeface="Ubuntu"/>
+              <a:buChar char="●"/>
+              <a:defRPr sz="1900" b="0" i="0" u="none" strike="noStrike" cap="none">
+                <a:solidFill>
+                  <a:schemeClr val="dk2"/>
+                </a:solidFill>
+                <a:latin typeface="Ubuntu"/>
+                <a:ea typeface="Ubuntu"/>
+                <a:cs typeface="Ubuntu"/>
+                <a:sym typeface="Ubuntu"/>
+              </a:defRPr>
+            </a:lvl7pPr>
+            <a:lvl8pPr marL="3657600" marR="0" lvl="7" indent="-349250" algn="l" rtl="0">
+              <a:lnSpc>
+                <a:spcPct val="115000"/>
+              </a:lnSpc>
+              <a:spcBef>
+                <a:spcPts val="2100"/>
+              </a:spcBef>
+              <a:spcAft>
+                <a:spcPts val="0"/>
+              </a:spcAft>
+              <a:buClr>
+                <a:schemeClr val="dk2"/>
+              </a:buClr>
+              <a:buSzPts val="1900"/>
+              <a:buFont typeface="Ubuntu"/>
+              <a:buChar char="○"/>
+              <a:defRPr sz="1900" b="0" i="0" u="none" strike="noStrike" cap="none">
+                <a:solidFill>
+                  <a:schemeClr val="dk2"/>
+                </a:solidFill>
+                <a:latin typeface="Ubuntu"/>
+                <a:ea typeface="Ubuntu"/>
+                <a:cs typeface="Ubuntu"/>
+                <a:sym typeface="Ubuntu"/>
+              </a:defRPr>
+            </a:lvl8pPr>
+            <a:lvl9pPr marL="4114800" marR="0" lvl="8" indent="-349250" algn="l" rtl="0">
+              <a:lnSpc>
+                <a:spcPct val="115000"/>
+              </a:lnSpc>
+              <a:spcBef>
+                <a:spcPts val="2100"/>
+              </a:spcBef>
+              <a:spcAft>
+                <a:spcPts val="2100"/>
+              </a:spcAft>
+              <a:buClr>
+                <a:schemeClr val="dk2"/>
+              </a:buClr>
+              <a:buSzPts val="1900"/>
+              <a:buFont typeface="Ubuntu"/>
+              <a:buChar char="■"/>
+              <a:defRPr sz="1900" b="0" i="0" u="none" strike="noStrike" cap="none">
+                <a:solidFill>
+                  <a:schemeClr val="dk2"/>
+                </a:solidFill>
+                <a:latin typeface="Ubuntu"/>
+                <a:ea typeface="Ubuntu"/>
+                <a:cs typeface="Ubuntu"/>
+                <a:sym typeface="Ubuntu"/>
+              </a:defRPr>
+            </a:lvl9pPr>
+          </a:lstStyle>
+          <a:p>
+            <a:pPr marL="107950" indent="0" algn="ctr">
+              <a:buNone/>
+            </a:pPr>
+            <a:r>
+              <a:rPr lang="en-US" sz="1800" b="1">
+                <a:latin typeface="Times New Roman" panose="02020603050405020304" pitchFamily="18" charset="0"/>
+                <a:cs typeface="Times New Roman" panose="02020603050405020304" pitchFamily="18" charset="0"/>
+              </a:rPr>
+              <a:t>GIAO DIỆN CHI TIẾT SẢN PHẨM</a:t>
+            </a:r>
+            <a:endParaRPr lang="en-US" sz="1800" b="1" dirty="0">
+              <a:latin typeface="Times New Roman" panose="02020603050405020304" pitchFamily="18" charset="0"/>
+              <a:cs typeface="Times New Roman" panose="02020603050405020304" pitchFamily="18" charset="0"/>
+            </a:endParaRPr>
+          </a:p>
+        </p:txBody>
+      </p:sp>
+    </p:spTree>
+    <p:extLst>
+      <p:ext uri="{BB962C8B-B14F-4D97-AF65-F5344CB8AC3E}">
+        <p14:creationId xmlns:p14="http://schemas.microsoft.com/office/powerpoint/2010/main" val="2416118071"/>
+      </p:ext>
+    </p:extLst>
+  </p:cSld>
+  <p:clrMapOvr>
+    <a:masterClrMapping/>
+  </p:clrMapOvr>
+</p:sld>
+</file>
+
+<file path=ppt/slides/slide23.xml><?xml version="1.0" encoding="utf-8"?>
 <p:sld xmlns:a="http://schemas.openxmlformats.org/drawingml/2006/main" xmlns:r="http://schemas.openxmlformats.org/officeDocument/2006/relationships" xmlns:p="http://schemas.openxmlformats.org/presentationml/2006/main">
   <p:cSld>
     <p:spTree>
@@ -29089,93 +33542,6 @@
           </a:p>
         </p:txBody>
       </p:sp>
-      <p:sp>
-        <p:nvSpPr>
-          <p:cNvPr id="3" name="Google Shape;407;p23">
-            <a:extLst>
-              <a:ext uri="{FF2B5EF4-FFF2-40B4-BE49-F238E27FC236}">
-                <a16:creationId xmlns:a16="http://schemas.microsoft.com/office/drawing/2014/main" id="{6666038D-6002-A7DD-D542-EF08A4A0BCBA}"/>
-              </a:ext>
-            </a:extLst>
-          </p:cNvPr>
-          <p:cNvSpPr/>
-          <p:nvPr/>
-        </p:nvSpPr>
-        <p:spPr>
-          <a:xfrm>
-            <a:off x="11599734" y="6462702"/>
-            <a:ext cx="415286" cy="262562"/>
-          </a:xfrm>
-          <a:prstGeom prst="rect">
-            <a:avLst/>
-          </a:prstGeom>
-        </p:spPr>
-        <p:txBody>
-          <a:bodyPr>
-            <a:prstTxWarp prst="textPlain">
-              <a:avLst/>
-            </a:prstTxWarp>
-          </a:bodyPr>
-          <a:lstStyle/>
-          <a:p>
-            <a:pPr lvl="0" algn="ctr"/>
-            <a:r>
-              <a:rPr lang="en-US" b="1">
-                <a:ln w="19050" cap="flat" cmpd="sng">
-                  <a:solidFill>
-                    <a:schemeClr val="accent5"/>
-                  </a:solidFill>
-                  <a:prstDash val="solid"/>
-                  <a:round/>
-                  <a:headEnd type="none" w="sm" len="sm"/>
-                  <a:tailEnd type="none" w="sm" len="sm"/>
-                </a:ln>
-                <a:solidFill>
-                  <a:schemeClr val="accent6"/>
-                </a:solidFill>
-                <a:latin typeface="Times New Roman" panose="02020603050405020304" pitchFamily="18" charset="0"/>
-                <a:cs typeface="Times New Roman" panose="02020603050405020304" pitchFamily="18" charset="0"/>
-              </a:rPr>
-              <a:t>1</a:t>
-            </a:r>
-            <a:r>
-              <a:rPr lang="en-US" b="1" dirty="0">
-                <a:ln w="19050" cap="flat" cmpd="sng">
-                  <a:solidFill>
-                    <a:schemeClr val="accent5"/>
-                  </a:solidFill>
-                  <a:prstDash val="solid"/>
-                  <a:round/>
-                  <a:headEnd type="none" w="sm" len="sm"/>
-                  <a:tailEnd type="none" w="sm" len="sm"/>
-                </a:ln>
-                <a:solidFill>
-                  <a:schemeClr val="accent6"/>
-                </a:solidFill>
-                <a:latin typeface="Times New Roman" panose="02020603050405020304" pitchFamily="18" charset="0"/>
-                <a:cs typeface="Times New Roman" panose="02020603050405020304" pitchFamily="18" charset="0"/>
-              </a:rPr>
-              <a:t>1</a:t>
-            </a:r>
-            <a:endParaRPr b="1" i="0" dirty="0">
-              <a:ln w="19050" cap="flat" cmpd="sng">
-                <a:solidFill>
-                  <a:schemeClr val="accent5"/>
-                </a:solidFill>
-                <a:prstDash val="solid"/>
-                <a:round/>
-                <a:headEnd type="none" w="sm" len="sm"/>
-                <a:tailEnd type="none" w="sm" len="sm"/>
-              </a:ln>
-              <a:solidFill>
-                <a:schemeClr val="accent6"/>
-              </a:solidFill>
-              <a:latin typeface="Times New Roman" panose="02020603050405020304" pitchFamily="18" charset="0"/>
-              <a:cs typeface="Times New Roman" panose="02020603050405020304" pitchFamily="18" charset="0"/>
-            </a:endParaRPr>
-          </a:p>
-        </p:txBody>
-      </p:sp>
     </p:spTree>
     <p:extLst>
       <p:ext uri="{BB962C8B-B14F-4D97-AF65-F5344CB8AC3E}">
@@ -29189,7 +33555,7 @@
 </p:sld>
 </file>
 
-<file path=ppt/slides/slide15.xml><?xml version="1.0" encoding="utf-8"?>
+<file path=ppt/slides/slide24.xml><?xml version="1.0" encoding="utf-8"?>
 <p:sld xmlns:a="http://schemas.openxmlformats.org/drawingml/2006/main" xmlns:r="http://schemas.openxmlformats.org/officeDocument/2006/relationships" xmlns:p="http://schemas.openxmlformats.org/presentationml/2006/main">
   <p:cSld>
     <p:spTree>
@@ -29630,93 +33996,6 @@
           </a:p>
         </p:txBody>
       </p:sp>
-      <p:sp>
-        <p:nvSpPr>
-          <p:cNvPr id="3" name="Google Shape;407;p23">
-            <a:extLst>
-              <a:ext uri="{FF2B5EF4-FFF2-40B4-BE49-F238E27FC236}">
-                <a16:creationId xmlns:a16="http://schemas.microsoft.com/office/drawing/2014/main" id="{3E730672-5E27-76E3-74AB-CF842272F31E}"/>
-              </a:ext>
-            </a:extLst>
-          </p:cNvPr>
-          <p:cNvSpPr/>
-          <p:nvPr/>
-        </p:nvSpPr>
-        <p:spPr>
-          <a:xfrm>
-            <a:off x="11599734" y="6462702"/>
-            <a:ext cx="415286" cy="262562"/>
-          </a:xfrm>
-          <a:prstGeom prst="rect">
-            <a:avLst/>
-          </a:prstGeom>
-        </p:spPr>
-        <p:txBody>
-          <a:bodyPr>
-            <a:prstTxWarp prst="textPlain">
-              <a:avLst/>
-            </a:prstTxWarp>
-          </a:bodyPr>
-          <a:lstStyle/>
-          <a:p>
-            <a:pPr lvl="0" algn="ctr"/>
-            <a:r>
-              <a:rPr lang="en-US" b="1">
-                <a:ln w="19050" cap="flat" cmpd="sng">
-                  <a:solidFill>
-                    <a:schemeClr val="accent5"/>
-                  </a:solidFill>
-                  <a:prstDash val="solid"/>
-                  <a:round/>
-                  <a:headEnd type="none" w="sm" len="sm"/>
-                  <a:tailEnd type="none" w="sm" len="sm"/>
-                </a:ln>
-                <a:solidFill>
-                  <a:schemeClr val="accent6"/>
-                </a:solidFill>
-                <a:latin typeface="Times New Roman" panose="02020603050405020304" pitchFamily="18" charset="0"/>
-                <a:cs typeface="Times New Roman" panose="02020603050405020304" pitchFamily="18" charset="0"/>
-              </a:rPr>
-              <a:t>1</a:t>
-            </a:r>
-            <a:r>
-              <a:rPr lang="en-US" b="1" dirty="0">
-                <a:ln w="19050" cap="flat" cmpd="sng">
-                  <a:solidFill>
-                    <a:schemeClr val="accent5"/>
-                  </a:solidFill>
-                  <a:prstDash val="solid"/>
-                  <a:round/>
-                  <a:headEnd type="none" w="sm" len="sm"/>
-                  <a:tailEnd type="none" w="sm" len="sm"/>
-                </a:ln>
-                <a:solidFill>
-                  <a:schemeClr val="accent6"/>
-                </a:solidFill>
-                <a:latin typeface="Times New Roman" panose="02020603050405020304" pitchFamily="18" charset="0"/>
-                <a:cs typeface="Times New Roman" panose="02020603050405020304" pitchFamily="18" charset="0"/>
-              </a:rPr>
-              <a:t>2</a:t>
-            </a:r>
-            <a:endParaRPr b="1" i="0" dirty="0">
-              <a:ln w="19050" cap="flat" cmpd="sng">
-                <a:solidFill>
-                  <a:schemeClr val="accent5"/>
-                </a:solidFill>
-                <a:prstDash val="solid"/>
-                <a:round/>
-                <a:headEnd type="none" w="sm" len="sm"/>
-                <a:tailEnd type="none" w="sm" len="sm"/>
-              </a:ln>
-              <a:solidFill>
-                <a:schemeClr val="accent6"/>
-              </a:solidFill>
-              <a:latin typeface="Times New Roman" panose="02020603050405020304" pitchFamily="18" charset="0"/>
-              <a:cs typeface="Times New Roman" panose="02020603050405020304" pitchFamily="18" charset="0"/>
-            </a:endParaRPr>
-          </a:p>
-        </p:txBody>
-      </p:sp>
     </p:spTree>
     <p:extLst>
       <p:ext uri="{BB962C8B-B14F-4D97-AF65-F5344CB8AC3E}">
@@ -29730,7 +34009,7 @@
 </p:sld>
 </file>
 
-<file path=ppt/slides/slide16.xml><?xml version="1.0" encoding="utf-8"?>
+<file path=ppt/slides/slide25.xml><?xml version="1.0" encoding="utf-8"?>
 <p:sld xmlns:a="http://schemas.openxmlformats.org/drawingml/2006/main" xmlns:r="http://schemas.openxmlformats.org/officeDocument/2006/relationships" xmlns:p="http://schemas.openxmlformats.org/presentationml/2006/main">
   <p:cSld>
     <p:spTree>
@@ -30274,93 +34553,6 @@
           </a:p>
         </p:txBody>
       </p:sp>
-      <p:sp>
-        <p:nvSpPr>
-          <p:cNvPr id="3" name="Google Shape;407;p23">
-            <a:extLst>
-              <a:ext uri="{FF2B5EF4-FFF2-40B4-BE49-F238E27FC236}">
-                <a16:creationId xmlns:a16="http://schemas.microsoft.com/office/drawing/2014/main" id="{ECDF0472-43F7-9E84-698A-F4B51FE9B3CD}"/>
-              </a:ext>
-            </a:extLst>
-          </p:cNvPr>
-          <p:cNvSpPr/>
-          <p:nvPr/>
-        </p:nvSpPr>
-        <p:spPr>
-          <a:xfrm>
-            <a:off x="11599734" y="6462702"/>
-            <a:ext cx="415286" cy="262562"/>
-          </a:xfrm>
-          <a:prstGeom prst="rect">
-            <a:avLst/>
-          </a:prstGeom>
-        </p:spPr>
-        <p:txBody>
-          <a:bodyPr>
-            <a:prstTxWarp prst="textPlain">
-              <a:avLst/>
-            </a:prstTxWarp>
-          </a:bodyPr>
-          <a:lstStyle/>
-          <a:p>
-            <a:pPr lvl="0" algn="ctr"/>
-            <a:r>
-              <a:rPr lang="en-US" b="1">
-                <a:ln w="19050" cap="flat" cmpd="sng">
-                  <a:solidFill>
-                    <a:schemeClr val="accent5"/>
-                  </a:solidFill>
-                  <a:prstDash val="solid"/>
-                  <a:round/>
-                  <a:headEnd type="none" w="sm" len="sm"/>
-                  <a:tailEnd type="none" w="sm" len="sm"/>
-                </a:ln>
-                <a:solidFill>
-                  <a:schemeClr val="accent6"/>
-                </a:solidFill>
-                <a:latin typeface="Times New Roman" panose="02020603050405020304" pitchFamily="18" charset="0"/>
-                <a:cs typeface="Times New Roman" panose="02020603050405020304" pitchFamily="18" charset="0"/>
-              </a:rPr>
-              <a:t>1</a:t>
-            </a:r>
-            <a:r>
-              <a:rPr lang="en-US" b="1" dirty="0">
-                <a:ln w="19050" cap="flat" cmpd="sng">
-                  <a:solidFill>
-                    <a:schemeClr val="accent5"/>
-                  </a:solidFill>
-                  <a:prstDash val="solid"/>
-                  <a:round/>
-                  <a:headEnd type="none" w="sm" len="sm"/>
-                  <a:tailEnd type="none" w="sm" len="sm"/>
-                </a:ln>
-                <a:solidFill>
-                  <a:schemeClr val="accent6"/>
-                </a:solidFill>
-                <a:latin typeface="Times New Roman" panose="02020603050405020304" pitchFamily="18" charset="0"/>
-                <a:cs typeface="Times New Roman" panose="02020603050405020304" pitchFamily="18" charset="0"/>
-              </a:rPr>
-              <a:t>3</a:t>
-            </a:r>
-            <a:endParaRPr b="1" i="0" dirty="0">
-              <a:ln w="19050" cap="flat" cmpd="sng">
-                <a:solidFill>
-                  <a:schemeClr val="accent5"/>
-                </a:solidFill>
-                <a:prstDash val="solid"/>
-                <a:round/>
-                <a:headEnd type="none" w="sm" len="sm"/>
-                <a:tailEnd type="none" w="sm" len="sm"/>
-              </a:ln>
-              <a:solidFill>
-                <a:schemeClr val="accent6"/>
-              </a:solidFill>
-              <a:latin typeface="Times New Roman" panose="02020603050405020304" pitchFamily="18" charset="0"/>
-              <a:cs typeface="Times New Roman" panose="02020603050405020304" pitchFamily="18" charset="0"/>
-            </a:endParaRPr>
-          </a:p>
-        </p:txBody>
-      </p:sp>
     </p:spTree>
     <p:extLst>
       <p:ext uri="{BB962C8B-B14F-4D97-AF65-F5344CB8AC3E}">
@@ -30374,7 +34566,7 @@
 </p:sld>
 </file>
 
-<file path=ppt/slides/slide17.xml><?xml version="1.0" encoding="utf-8"?>
+<file path=ppt/slides/slide26.xml><?xml version="1.0" encoding="utf-8"?>
 <p:sld xmlns:a="http://schemas.openxmlformats.org/drawingml/2006/main" xmlns:r="http://schemas.openxmlformats.org/officeDocument/2006/relationships" xmlns:p="http://schemas.openxmlformats.org/presentationml/2006/main">
   <p:cSld>
     <p:spTree>
@@ -30624,87 +34816,6 @@
       </p:sp>
       <p:sp>
         <p:nvSpPr>
-          <p:cNvPr id="4" name="Google Shape;407;p23"/>
-          <p:cNvSpPr/>
-          <p:nvPr/>
-        </p:nvSpPr>
-        <p:spPr>
-          <a:xfrm>
-            <a:off x="11503743" y="6452869"/>
-            <a:ext cx="471948" cy="301892"/>
-          </a:xfrm>
-          <a:prstGeom prst="rect">
-            <a:avLst/>
-          </a:prstGeom>
-        </p:spPr>
-        <p:txBody>
-          <a:bodyPr>
-            <a:prstTxWarp prst="textPlain">
-              <a:avLst/>
-            </a:prstTxWarp>
-          </a:bodyPr>
-          <a:lstStyle/>
-          <a:p>
-            <a:pPr lvl="0" algn="ctr"/>
-            <a:r>
-              <a:rPr lang="en-US" b="1" i="0">
-                <a:ln w="19050" cap="flat" cmpd="sng">
-                  <a:solidFill>
-                    <a:schemeClr val="accent5"/>
-                  </a:solidFill>
-                  <a:prstDash val="solid"/>
-                  <a:round/>
-                  <a:headEnd type="none" w="sm" len="sm"/>
-                  <a:tailEnd type="none" w="sm" len="sm"/>
-                </a:ln>
-                <a:solidFill>
-                  <a:schemeClr val="accent6"/>
-                </a:solidFill>
-                <a:latin typeface="Times New Roman" panose="02020603050405020304" pitchFamily="18" charset="0"/>
-                <a:cs typeface="Times New Roman" panose="02020603050405020304" pitchFamily="18" charset="0"/>
-              </a:rPr>
-              <a:t>1</a:t>
-            </a:r>
-            <a:r>
-              <a:rPr lang="en-US" b="1" dirty="0">
-                <a:ln w="19050" cap="flat" cmpd="sng">
-                  <a:solidFill>
-                    <a:schemeClr val="accent5"/>
-                  </a:solidFill>
-                  <a:prstDash val="solid"/>
-                  <a:round/>
-                  <a:headEnd type="none" w="sm" len="sm"/>
-                  <a:tailEnd type="none" w="sm" len="sm"/>
-                </a:ln>
-                <a:solidFill>
-                  <a:schemeClr val="accent6"/>
-                </a:solidFill>
-                <a:latin typeface="Times New Roman" panose="02020603050405020304" pitchFamily="18" charset="0"/>
-                <a:cs typeface="Times New Roman" panose="02020603050405020304" pitchFamily="18" charset="0"/>
-              </a:rPr>
-              <a:t>4</a:t>
-            </a:r>
-            <a:endParaRPr b="1" i="0" dirty="0">
-              <a:ln w="19050" cap="flat" cmpd="sng">
-                <a:solidFill>
-                  <a:schemeClr val="accent5"/>
-                </a:solidFill>
-                <a:prstDash val="solid"/>
-                <a:round/>
-                <a:headEnd type="none" w="sm" len="sm"/>
-                <a:tailEnd type="none" w="sm" len="sm"/>
-              </a:ln>
-              <a:solidFill>
-                <a:schemeClr val="accent6"/>
-              </a:solidFill>
-              <a:latin typeface="Times New Roman" panose="02020603050405020304" pitchFamily="18" charset="0"/>
-              <a:cs typeface="Times New Roman" panose="02020603050405020304" pitchFamily="18" charset="0"/>
-            </a:endParaRPr>
-          </a:p>
-        </p:txBody>
-      </p:sp>
-      <p:sp>
-        <p:nvSpPr>
           <p:cNvPr id="2" name="Google Shape;413;p24">
             <a:extLst>
               <a:ext uri="{FF2B5EF4-FFF2-40B4-BE49-F238E27FC236}">
@@ -31012,7 +35123,7 @@
 </p:sld>
 </file>
 
-<file path=ppt/slides/slide18.xml><?xml version="1.0" encoding="utf-8"?>
+<file path=ppt/slides/slide27.xml><?xml version="1.0" encoding="utf-8"?>
 <p:sld xmlns:a="http://schemas.openxmlformats.org/drawingml/2006/main" xmlns:r="http://schemas.openxmlformats.org/officeDocument/2006/relationships" xmlns:p="http://schemas.openxmlformats.org/presentationml/2006/main">
   <p:cSld>
     <p:spTree>
@@ -31359,93 +35470,6 @@
               <a:t>HƯỚNG PHÁT TRIỂN</a:t>
             </a:r>
             <a:endParaRPr lang="en-US" sz="1800" b="1" dirty="0">
-              <a:latin typeface="Times New Roman" panose="02020603050405020304" pitchFamily="18" charset="0"/>
-              <a:cs typeface="Times New Roman" panose="02020603050405020304" pitchFamily="18" charset="0"/>
-            </a:endParaRPr>
-          </a:p>
-        </p:txBody>
-      </p:sp>
-      <p:sp>
-        <p:nvSpPr>
-          <p:cNvPr id="3" name="Google Shape;407;p23">
-            <a:extLst>
-              <a:ext uri="{FF2B5EF4-FFF2-40B4-BE49-F238E27FC236}">
-                <a16:creationId xmlns:a16="http://schemas.microsoft.com/office/drawing/2014/main" id="{A413BE7A-4798-A452-3E9D-265C1415DC0A}"/>
-              </a:ext>
-            </a:extLst>
-          </p:cNvPr>
-          <p:cNvSpPr/>
-          <p:nvPr/>
-        </p:nvSpPr>
-        <p:spPr>
-          <a:xfrm>
-            <a:off x="11503743" y="6452869"/>
-            <a:ext cx="471948" cy="301892"/>
-          </a:xfrm>
-          <a:prstGeom prst="rect">
-            <a:avLst/>
-          </a:prstGeom>
-        </p:spPr>
-        <p:txBody>
-          <a:bodyPr>
-            <a:prstTxWarp prst="textPlain">
-              <a:avLst/>
-            </a:prstTxWarp>
-          </a:bodyPr>
-          <a:lstStyle/>
-          <a:p>
-            <a:pPr lvl="0" algn="ctr"/>
-            <a:r>
-              <a:rPr lang="en-US" b="1" i="0">
-                <a:ln w="19050" cap="flat" cmpd="sng">
-                  <a:solidFill>
-                    <a:schemeClr val="accent5"/>
-                  </a:solidFill>
-                  <a:prstDash val="solid"/>
-                  <a:round/>
-                  <a:headEnd type="none" w="sm" len="sm"/>
-                  <a:tailEnd type="none" w="sm" len="sm"/>
-                </a:ln>
-                <a:solidFill>
-                  <a:schemeClr val="accent6"/>
-                </a:solidFill>
-                <a:latin typeface="Times New Roman" panose="02020603050405020304" pitchFamily="18" charset="0"/>
-                <a:cs typeface="Times New Roman" panose="02020603050405020304" pitchFamily="18" charset="0"/>
-              </a:rPr>
-              <a:t>1</a:t>
-            </a:r>
-            <a:r>
-              <a:rPr lang="en-US" b="1" i="0" dirty="0">
-                <a:ln w="19050" cap="flat" cmpd="sng">
-                  <a:solidFill>
-                    <a:schemeClr val="accent5"/>
-                  </a:solidFill>
-                  <a:prstDash val="solid"/>
-                  <a:round/>
-                  <a:headEnd type="none" w="sm" len="sm"/>
-                  <a:tailEnd type="none" w="sm" len="sm"/>
-                </a:ln>
-                <a:solidFill>
-                  <a:schemeClr val="accent6"/>
-                </a:solidFill>
-                <a:latin typeface="Times New Roman" panose="02020603050405020304" pitchFamily="18" charset="0"/>
-                <a:cs typeface="Times New Roman" panose="02020603050405020304" pitchFamily="18" charset="0"/>
-              </a:rPr>
-              <a:t>5</a:t>
-            </a:r>
-            <a:endParaRPr b="1" i="0" dirty="0">
-              <a:ln w="19050" cap="flat" cmpd="sng">
-                <a:solidFill>
-                  <a:schemeClr val="accent5"/>
-                </a:solidFill>
-                <a:prstDash val="solid"/>
-                <a:round/>
-                <a:headEnd type="none" w="sm" len="sm"/>
-                <a:tailEnd type="none" w="sm" len="sm"/>
-              </a:ln>
-              <a:solidFill>
-                <a:schemeClr val="accent6"/>
-              </a:solidFill>
               <a:latin typeface="Times New Roman" panose="02020603050405020304" pitchFamily="18" charset="0"/>
               <a:cs typeface="Times New Roman" panose="02020603050405020304" pitchFamily="18" charset="0"/>
             </a:endParaRPr>
@@ -31662,7 +35686,7 @@
 </p:sld>
 </file>
 
-<file path=ppt/slides/slide19.xml><?xml version="1.0" encoding="utf-8"?>
+<file path=ppt/slides/slide28.xml><?xml version="1.0" encoding="utf-8"?>
 <p:sld xmlns:a="http://schemas.openxmlformats.org/drawingml/2006/main" xmlns:r="http://schemas.openxmlformats.org/officeDocument/2006/relationships" xmlns:p="http://schemas.openxmlformats.org/presentationml/2006/main">
   <p:cSld>
     <p:spTree>
@@ -31728,133 +35752,6 @@
         </p:txBody>
       </p:sp>
     </p:spTree>
-  </p:cSld>
-  <p:clrMapOvr>
-    <a:masterClrMapping/>
-  </p:clrMapOvr>
-</p:sld>
-</file>
-
-<file path=ppt/slides/slide2.xml><?xml version="1.0" encoding="utf-8"?>
-<p:sld xmlns:a="http://schemas.openxmlformats.org/drawingml/2006/main" xmlns:r="http://schemas.openxmlformats.org/officeDocument/2006/relationships" xmlns:p="http://schemas.openxmlformats.org/presentationml/2006/main">
-  <p:cSld>
-    <p:spTree>
-      <p:nvGrpSpPr>
-        <p:cNvPr id="1" name="Shape 369"/>
-        <p:cNvGrpSpPr/>
-        <p:nvPr/>
-      </p:nvGrpSpPr>
-      <p:grpSpPr>
-        <a:xfrm>
-          <a:off x="0" y="0"/>
-          <a:ext cx="0" cy="0"/>
-          <a:chOff x="0" y="0"/>
-          <a:chExt cx="0" cy="0"/>
-        </a:xfrm>
-      </p:grpSpPr>
-      <p:sp>
-        <p:nvSpPr>
-          <p:cNvPr id="370" name="Google Shape;370;p21"/>
-          <p:cNvSpPr txBox="1">
-            <a:spLocks noGrp="1"/>
-          </p:cNvSpPr>
-          <p:nvPr>
-            <p:ph type="title"/>
-          </p:nvPr>
-        </p:nvSpPr>
-        <p:spPr>
-          <a:xfrm>
-            <a:off x="1239400" y="675675"/>
-            <a:ext cx="9682200" cy="763500"/>
-          </a:xfrm>
-          <a:prstGeom prst="rect">
-            <a:avLst/>
-          </a:prstGeom>
-        </p:spPr>
-        <p:txBody>
-          <a:bodyPr spcFirstLastPara="1" wrap="square" lIns="121900" tIns="121900" rIns="121900" bIns="121900" anchor="ctr" anchorCtr="0">
-            <a:noAutofit/>
-          </a:bodyPr>
-          <a:lstStyle/>
-          <a:p>
-            <a:pPr lvl="0"/>
-            <a:r>
-              <a:rPr lang="en-US">
-                <a:latin typeface="Times New Roman" panose="02020603050405020304" pitchFamily="18" charset="0"/>
-                <a:cs typeface="Times New Roman" panose="02020603050405020304" pitchFamily="18" charset="0"/>
-              </a:rPr>
-              <a:t>MỞ ĐẦU</a:t>
-            </a:r>
-            <a:endParaRPr dirty="0">
-              <a:latin typeface="Times New Roman" panose="02020603050405020304" pitchFamily="18" charset="0"/>
-              <a:cs typeface="Times New Roman" panose="02020603050405020304" pitchFamily="18" charset="0"/>
-            </a:endParaRPr>
-          </a:p>
-        </p:txBody>
-      </p:sp>
-      <p:sp>
-        <p:nvSpPr>
-          <p:cNvPr id="7" name="Title 6"/>
-          <p:cNvSpPr>
-            <a:spLocks noGrp="1"/>
-          </p:cNvSpPr>
-          <p:nvPr>
-            <p:ph type="title" idx="15"/>
-          </p:nvPr>
-        </p:nvSpPr>
-        <p:spPr>
-          <a:xfrm>
-            <a:off x="1081547" y="2133600"/>
-            <a:ext cx="10176388" cy="4178710"/>
-          </a:xfrm>
-        </p:spPr>
-        <p:txBody>
-          <a:bodyPr/>
-          <a:lstStyle/>
-          <a:p>
-            <a:pPr indent="457200">
-              <a:lnSpc>
-                <a:spcPct val="150000"/>
-              </a:lnSpc>
-              <a:spcBef>
-                <a:spcPts val="600"/>
-              </a:spcBef>
-              <a:spcAft>
-                <a:spcPts val="600"/>
-              </a:spcAft>
-            </a:pPr>
-            <a:r>
-              <a:rPr lang="en-US" sz="1800">
-                <a:effectLst/>
-                <a:latin typeface="Times New Roman" panose="02020603050405020304" pitchFamily="18" charset="0"/>
-                <a:ea typeface="Times New Roman" panose="02020603050405020304" pitchFamily="18" charset="0"/>
-              </a:rPr>
-              <a:t>Trong thời đại công nghệ số phát triển mạnh mẽ như hiện nay, việc quảng bá sản phẩm và dịch vụ qua mạng Internet đã trở thành một xu hướng tất yếu. Đặc biệt, đối với ngành công nghiệp thủ công mỹ nghệ - một lĩnh vực mang đậm nét văn hóa truyền thống và tinh hoa dân tộc - việc áp dụng các công cụ trực tuyến để giới thiệu sản phẩm không chỉ giúp mở rộng thị trường mà còn góp phần bảo tồn và phát huy giá trị văn hóa đặc sắc của từng địa phương.</a:t>
-            </a:r>
-            <a:br>
-              <a:rPr lang="en-US" sz="1800">
-                <a:effectLst/>
-                <a:latin typeface="Times New Roman" panose="02020603050405020304" pitchFamily="18" charset="0"/>
-                <a:ea typeface="Times New Roman" panose="02020603050405020304" pitchFamily="18" charset="0"/>
-              </a:rPr>
-            </a:br>
-            <a:r>
-              <a:rPr lang="en-US" sz="1800">
-                <a:effectLst/>
-                <a:latin typeface="Times New Roman" panose="02020603050405020304" pitchFamily="18" charset="0"/>
-                <a:ea typeface="Times New Roman" panose="02020603050405020304" pitchFamily="18" charset="0"/>
-              </a:rPr>
-              <a:t>	Đề tài "Xây dựng website quảng bá sản phẩm thủ công mỹ nghệ theo địa phương" ra đời từ nhu cầu thực tiễn đó. Mục tiêu của khóa luận là tạo ra một nền tảng trực tuyến hiệu quả, giúp các nghệ nhân và doanh nghiệp địa phương giới thiệu, quảng bá các sản phẩm mỹ nghệ đặc sắc, từ đó thúc đẩy hoạt động kinh doanh và bảo tồn các giá trị văn hóa truyền thống.</a:t>
-            </a:r>
-          </a:p>
-        </p:txBody>
-      </p:sp>
-    </p:spTree>
-    <p:extLst>
-      <p:ext uri="{BB962C8B-B14F-4D97-AF65-F5344CB8AC3E}">
-        <p14:creationId xmlns:p14="http://schemas.microsoft.com/office/powerpoint/2010/main" val="193106880"/>
-      </p:ext>
-    </p:extLst>
   </p:cSld>
   <p:clrMapOvr>
     <a:masterClrMapping/>
@@ -32796,74 +36693,6 @@
           </a:p>
         </p:txBody>
       </p:sp>
-      <p:sp>
-        <p:nvSpPr>
-          <p:cNvPr id="2" name="Google Shape;407;p23">
-            <a:extLst>
-              <a:ext uri="{FF2B5EF4-FFF2-40B4-BE49-F238E27FC236}">
-                <a16:creationId xmlns:a16="http://schemas.microsoft.com/office/drawing/2014/main" id="{7C034FE4-4384-29A1-FD9C-1A000E867359}"/>
-              </a:ext>
-            </a:extLst>
-          </p:cNvPr>
-          <p:cNvSpPr/>
-          <p:nvPr/>
-        </p:nvSpPr>
-        <p:spPr>
-          <a:xfrm>
-            <a:off x="11776714" y="6452870"/>
-            <a:ext cx="175624" cy="267350"/>
-          </a:xfrm>
-          <a:prstGeom prst="rect">
-            <a:avLst/>
-          </a:prstGeom>
-        </p:spPr>
-        <p:txBody>
-          <a:bodyPr>
-            <a:prstTxWarp prst="textPlain">
-              <a:avLst/>
-            </a:prstTxWarp>
-          </a:bodyPr>
-          <a:lstStyle/>
-          <a:p>
-            <a:pPr lvl="0" algn="ctr"/>
-            <a:r>
-              <a:rPr lang="en-US" b="1" i="0" dirty="0">
-                <a:ln w="19050" cap="flat" cmpd="sng">
-                  <a:solidFill>
-                    <a:schemeClr val="accent5"/>
-                  </a:solidFill>
-                  <a:prstDash val="solid"/>
-                  <a:round/>
-                  <a:headEnd type="none" w="sm" len="sm"/>
-                  <a:tailEnd type="none" w="sm" len="sm"/>
-                </a:ln>
-                <a:solidFill>
-                  <a:schemeClr val="accent6"/>
-                </a:solidFill>
-                <a:latin typeface="Times New Roman" panose="02020603050405020304" pitchFamily="18" charset="0"/>
-                <a:cs typeface="Times New Roman" panose="02020603050405020304" pitchFamily="18" charset="0"/>
-              </a:rPr>
-              <a:t>1</a:t>
-            </a:r>
-            <a:endParaRPr b="1" i="0" dirty="0">
-              <a:ln w="19050" cap="flat" cmpd="sng">
-                <a:solidFill>
-                  <a:schemeClr val="accent5"/>
-                </a:solidFill>
-                <a:prstDash val="solid"/>
-                <a:round/>
-                <a:headEnd type="none" w="sm" len="sm"/>
-                <a:tailEnd type="none" w="sm" len="sm"/>
-              </a:ln>
-              <a:solidFill>
-                <a:schemeClr val="accent6"/>
-              </a:solidFill>
-              <a:latin typeface="Times New Roman" panose="02020603050405020304" pitchFamily="18" charset="0"/>
-              <a:cs typeface="Times New Roman" panose="02020603050405020304" pitchFamily="18" charset="0"/>
-            </a:endParaRPr>
-          </a:p>
-        </p:txBody>
-      </p:sp>
     </p:spTree>
   </p:cSld>
   <p:clrMapOvr>
@@ -33040,74 +36869,6 @@
           </a:p>
         </p:txBody>
       </p:sp>
-      <p:sp>
-        <p:nvSpPr>
-          <p:cNvPr id="3" name="Google Shape;407;p23">
-            <a:extLst>
-              <a:ext uri="{FF2B5EF4-FFF2-40B4-BE49-F238E27FC236}">
-                <a16:creationId xmlns:a16="http://schemas.microsoft.com/office/drawing/2014/main" id="{95903512-8EBF-ED98-7AB3-57123D1D24CF}"/>
-              </a:ext>
-            </a:extLst>
-          </p:cNvPr>
-          <p:cNvSpPr/>
-          <p:nvPr/>
-        </p:nvSpPr>
-        <p:spPr>
-          <a:xfrm>
-            <a:off x="11776714" y="6452870"/>
-            <a:ext cx="175624" cy="267350"/>
-          </a:xfrm>
-          <a:prstGeom prst="rect">
-            <a:avLst/>
-          </a:prstGeom>
-        </p:spPr>
-        <p:txBody>
-          <a:bodyPr>
-            <a:prstTxWarp prst="textPlain">
-              <a:avLst/>
-            </a:prstTxWarp>
-          </a:bodyPr>
-          <a:lstStyle/>
-          <a:p>
-            <a:pPr lvl="0" algn="ctr"/>
-            <a:r>
-              <a:rPr lang="en-US" b="1" i="0" dirty="0">
-                <a:ln w="19050" cap="flat" cmpd="sng">
-                  <a:solidFill>
-                    <a:schemeClr val="accent5"/>
-                  </a:solidFill>
-                  <a:prstDash val="solid"/>
-                  <a:round/>
-                  <a:headEnd type="none" w="sm" len="sm"/>
-                  <a:tailEnd type="none" w="sm" len="sm"/>
-                </a:ln>
-                <a:solidFill>
-                  <a:schemeClr val="accent6"/>
-                </a:solidFill>
-                <a:latin typeface="Times New Roman" panose="02020603050405020304" pitchFamily="18" charset="0"/>
-                <a:cs typeface="Times New Roman" panose="02020603050405020304" pitchFamily="18" charset="0"/>
-              </a:rPr>
-              <a:t>2</a:t>
-            </a:r>
-            <a:endParaRPr b="1" i="0" dirty="0">
-              <a:ln w="19050" cap="flat" cmpd="sng">
-                <a:solidFill>
-                  <a:schemeClr val="accent5"/>
-                </a:solidFill>
-                <a:prstDash val="solid"/>
-                <a:round/>
-                <a:headEnd type="none" w="sm" len="sm"/>
-                <a:tailEnd type="none" w="sm" len="sm"/>
-              </a:ln>
-              <a:solidFill>
-                <a:schemeClr val="accent6"/>
-              </a:solidFill>
-              <a:latin typeface="Times New Roman" panose="02020603050405020304" pitchFamily="18" charset="0"/>
-              <a:cs typeface="Times New Roman" panose="02020603050405020304" pitchFamily="18" charset="0"/>
-            </a:endParaRPr>
-          </a:p>
-        </p:txBody>
-      </p:sp>
     </p:spTree>
     <p:extLst>
       <p:ext uri="{BB962C8B-B14F-4D97-AF65-F5344CB8AC3E}">
@@ -33214,74 +36975,6 @@
               <a:effectLst/>
               <a:latin typeface="Times New Roman" panose="02020603050405020304" pitchFamily="18" charset="0"/>
               <a:ea typeface="Times New Roman" panose="02020603050405020304" pitchFamily="18" charset="0"/>
-            </a:endParaRPr>
-          </a:p>
-        </p:txBody>
-      </p:sp>
-      <p:sp>
-        <p:nvSpPr>
-          <p:cNvPr id="2" name="Google Shape;407;p23">
-            <a:extLst>
-              <a:ext uri="{FF2B5EF4-FFF2-40B4-BE49-F238E27FC236}">
-                <a16:creationId xmlns:a16="http://schemas.microsoft.com/office/drawing/2014/main" id="{29A0E158-D61D-A20A-BD1A-729D18312E95}"/>
-              </a:ext>
-            </a:extLst>
-          </p:cNvPr>
-          <p:cNvSpPr/>
-          <p:nvPr/>
-        </p:nvSpPr>
-        <p:spPr>
-          <a:xfrm>
-            <a:off x="11776714" y="6452870"/>
-            <a:ext cx="175624" cy="267350"/>
-          </a:xfrm>
-          <a:prstGeom prst="rect">
-            <a:avLst/>
-          </a:prstGeom>
-        </p:spPr>
-        <p:txBody>
-          <a:bodyPr>
-            <a:prstTxWarp prst="textPlain">
-              <a:avLst/>
-            </a:prstTxWarp>
-          </a:bodyPr>
-          <a:lstStyle/>
-          <a:p>
-            <a:pPr lvl="0" algn="ctr"/>
-            <a:r>
-              <a:rPr lang="en-US" b="1" i="0" dirty="0">
-                <a:ln w="19050" cap="flat" cmpd="sng">
-                  <a:solidFill>
-                    <a:schemeClr val="accent5"/>
-                  </a:solidFill>
-                  <a:prstDash val="solid"/>
-                  <a:round/>
-                  <a:headEnd type="none" w="sm" len="sm"/>
-                  <a:tailEnd type="none" w="sm" len="sm"/>
-                </a:ln>
-                <a:solidFill>
-                  <a:schemeClr val="accent6"/>
-                </a:solidFill>
-                <a:latin typeface="Times New Roman" panose="02020603050405020304" pitchFamily="18" charset="0"/>
-                <a:cs typeface="Times New Roman" panose="02020603050405020304" pitchFamily="18" charset="0"/>
-              </a:rPr>
-              <a:t>3</a:t>
-            </a:r>
-            <a:endParaRPr b="1" i="0" dirty="0">
-              <a:ln w="19050" cap="flat" cmpd="sng">
-                <a:solidFill>
-                  <a:schemeClr val="accent5"/>
-                </a:solidFill>
-                <a:prstDash val="solid"/>
-                <a:round/>
-                <a:headEnd type="none" w="sm" len="sm"/>
-                <a:tailEnd type="none" w="sm" len="sm"/>
-              </a:ln>
-              <a:solidFill>
-                <a:schemeClr val="accent6"/>
-              </a:solidFill>
-              <a:latin typeface="Times New Roman" panose="02020603050405020304" pitchFamily="18" charset="0"/>
-              <a:cs typeface="Times New Roman" panose="02020603050405020304" pitchFamily="18" charset="0"/>
             </a:endParaRPr>
           </a:p>
         </p:txBody>
@@ -33804,74 +37497,6 @@
       </p:sp>
       <p:sp>
         <p:nvSpPr>
-          <p:cNvPr id="2" name="Google Shape;407;p23">
-            <a:extLst>
-              <a:ext uri="{FF2B5EF4-FFF2-40B4-BE49-F238E27FC236}">
-                <a16:creationId xmlns:a16="http://schemas.microsoft.com/office/drawing/2014/main" id="{29A0E158-D61D-A20A-BD1A-729D18312E95}"/>
-              </a:ext>
-            </a:extLst>
-          </p:cNvPr>
-          <p:cNvSpPr/>
-          <p:nvPr/>
-        </p:nvSpPr>
-        <p:spPr>
-          <a:xfrm>
-            <a:off x="11776714" y="6452870"/>
-            <a:ext cx="175624" cy="267350"/>
-          </a:xfrm>
-          <a:prstGeom prst="rect">
-            <a:avLst/>
-          </a:prstGeom>
-        </p:spPr>
-        <p:txBody>
-          <a:bodyPr>
-            <a:prstTxWarp prst="textPlain">
-              <a:avLst/>
-            </a:prstTxWarp>
-          </a:bodyPr>
-          <a:lstStyle/>
-          <a:p>
-            <a:pPr lvl="0" algn="ctr"/>
-            <a:r>
-              <a:rPr lang="en-US" b="1" dirty="0">
-                <a:ln w="19050" cap="flat" cmpd="sng">
-                  <a:solidFill>
-                    <a:schemeClr val="accent5"/>
-                  </a:solidFill>
-                  <a:prstDash val="solid"/>
-                  <a:round/>
-                  <a:headEnd type="none" w="sm" len="sm"/>
-                  <a:tailEnd type="none" w="sm" len="sm"/>
-                </a:ln>
-                <a:solidFill>
-                  <a:schemeClr val="accent6"/>
-                </a:solidFill>
-                <a:latin typeface="Times New Roman" panose="02020603050405020304" pitchFamily="18" charset="0"/>
-                <a:cs typeface="Times New Roman" panose="02020603050405020304" pitchFamily="18" charset="0"/>
-              </a:rPr>
-              <a:t>4</a:t>
-            </a:r>
-            <a:endParaRPr b="1" i="0" dirty="0">
-              <a:ln w="19050" cap="flat" cmpd="sng">
-                <a:solidFill>
-                  <a:schemeClr val="accent5"/>
-                </a:solidFill>
-                <a:prstDash val="solid"/>
-                <a:round/>
-                <a:headEnd type="none" w="sm" len="sm"/>
-                <a:tailEnd type="none" w="sm" len="sm"/>
-              </a:ln>
-              <a:solidFill>
-                <a:schemeClr val="accent6"/>
-              </a:solidFill>
-              <a:latin typeface="Times New Roman" panose="02020603050405020304" pitchFamily="18" charset="0"/>
-              <a:cs typeface="Times New Roman" panose="02020603050405020304" pitchFamily="18" charset="0"/>
-            </a:endParaRPr>
-          </a:p>
-        </p:txBody>
-      </p:sp>
-      <p:sp>
-        <p:nvSpPr>
           <p:cNvPr id="3" name="Title 6">
             <a:extLst>
               <a:ext uri="{FF2B5EF4-FFF2-40B4-BE49-F238E27FC236}">
@@ -34435,74 +38060,6 @@
           </a:p>
         </p:txBody>
       </p:sp>
-      <p:sp>
-        <p:nvSpPr>
-          <p:cNvPr id="2" name="Google Shape;407;p23">
-            <a:extLst>
-              <a:ext uri="{FF2B5EF4-FFF2-40B4-BE49-F238E27FC236}">
-                <a16:creationId xmlns:a16="http://schemas.microsoft.com/office/drawing/2014/main" id="{2ADB7A33-C72D-19D5-9B0F-912BD05F1473}"/>
-              </a:ext>
-            </a:extLst>
-          </p:cNvPr>
-          <p:cNvSpPr/>
-          <p:nvPr/>
-        </p:nvSpPr>
-        <p:spPr>
-          <a:xfrm>
-            <a:off x="11776714" y="6452870"/>
-            <a:ext cx="175624" cy="267350"/>
-          </a:xfrm>
-          <a:prstGeom prst="rect">
-            <a:avLst/>
-          </a:prstGeom>
-        </p:spPr>
-        <p:txBody>
-          <a:bodyPr>
-            <a:prstTxWarp prst="textPlain">
-              <a:avLst/>
-            </a:prstTxWarp>
-          </a:bodyPr>
-          <a:lstStyle/>
-          <a:p>
-            <a:pPr lvl="0" algn="ctr"/>
-            <a:r>
-              <a:rPr lang="en-US" b="1" i="0" dirty="0">
-                <a:ln w="19050" cap="flat" cmpd="sng">
-                  <a:solidFill>
-                    <a:schemeClr val="accent5"/>
-                  </a:solidFill>
-                  <a:prstDash val="solid"/>
-                  <a:round/>
-                  <a:headEnd type="none" w="sm" len="sm"/>
-                  <a:tailEnd type="none" w="sm" len="sm"/>
-                </a:ln>
-                <a:solidFill>
-                  <a:schemeClr val="accent6"/>
-                </a:solidFill>
-                <a:latin typeface="Times New Roman" panose="02020603050405020304" pitchFamily="18" charset="0"/>
-                <a:cs typeface="Times New Roman" panose="02020603050405020304" pitchFamily="18" charset="0"/>
-              </a:rPr>
-              <a:t>5</a:t>
-            </a:r>
-            <a:endParaRPr b="1" i="0" dirty="0">
-              <a:ln w="19050" cap="flat" cmpd="sng">
-                <a:solidFill>
-                  <a:schemeClr val="accent5"/>
-                </a:solidFill>
-                <a:prstDash val="solid"/>
-                <a:round/>
-                <a:headEnd type="none" w="sm" len="sm"/>
-                <a:tailEnd type="none" w="sm" len="sm"/>
-              </a:ln>
-              <a:solidFill>
-                <a:schemeClr val="accent6"/>
-              </a:solidFill>
-              <a:latin typeface="Times New Roman" panose="02020603050405020304" pitchFamily="18" charset="0"/>
-              <a:cs typeface="Times New Roman" panose="02020603050405020304" pitchFamily="18" charset="0"/>
-            </a:endParaRPr>
-          </a:p>
-        </p:txBody>
-      </p:sp>
     </p:spTree>
     <p:extLst>
       <p:ext uri="{BB962C8B-B14F-4D97-AF65-F5344CB8AC3E}">
@@ -34567,68 +38124,6 @@
               <a:t>CƠ SỞ DỮ LIỆU</a:t>
             </a:r>
             <a:endParaRPr dirty="0">
-              <a:latin typeface="Times New Roman" panose="02020603050405020304" pitchFamily="18" charset="0"/>
-              <a:cs typeface="Times New Roman" panose="02020603050405020304" pitchFamily="18" charset="0"/>
-            </a:endParaRPr>
-          </a:p>
-        </p:txBody>
-      </p:sp>
-      <p:sp>
-        <p:nvSpPr>
-          <p:cNvPr id="5" name="Google Shape;407;p23"/>
-          <p:cNvSpPr/>
-          <p:nvPr/>
-        </p:nvSpPr>
-        <p:spPr>
-          <a:xfrm>
-            <a:off x="11776714" y="6452870"/>
-            <a:ext cx="175624" cy="267350"/>
-          </a:xfrm>
-          <a:prstGeom prst="rect">
-            <a:avLst/>
-          </a:prstGeom>
-        </p:spPr>
-        <p:txBody>
-          <a:bodyPr>
-            <a:prstTxWarp prst="textPlain">
-              <a:avLst/>
-            </a:prstTxWarp>
-          </a:bodyPr>
-          <a:lstStyle/>
-          <a:p>
-            <a:pPr lvl="0" algn="ctr"/>
-            <a:r>
-              <a:rPr lang="en-US" b="1" dirty="0">
-                <a:ln w="19050" cap="flat" cmpd="sng">
-                  <a:solidFill>
-                    <a:schemeClr val="accent5"/>
-                  </a:solidFill>
-                  <a:prstDash val="solid"/>
-                  <a:round/>
-                  <a:headEnd type="none" w="sm" len="sm"/>
-                  <a:tailEnd type="none" w="sm" len="sm"/>
-                </a:ln>
-                <a:solidFill>
-                  <a:schemeClr val="accent6"/>
-                </a:solidFill>
-                <a:latin typeface="Times New Roman" panose="02020603050405020304" pitchFamily="18" charset="0"/>
-                <a:cs typeface="Times New Roman" panose="02020603050405020304" pitchFamily="18" charset="0"/>
-              </a:rPr>
-              <a:t>6</a:t>
-            </a:r>
-            <a:endParaRPr b="1" i="0" dirty="0">
-              <a:ln w="19050" cap="flat" cmpd="sng">
-                <a:solidFill>
-                  <a:schemeClr val="accent5"/>
-                </a:solidFill>
-                <a:prstDash val="solid"/>
-                <a:round/>
-                <a:headEnd type="none" w="sm" len="sm"/>
-                <a:tailEnd type="none" w="sm" len="sm"/>
-              </a:ln>
-              <a:solidFill>
-                <a:schemeClr val="accent6"/>
-              </a:solidFill>
               <a:latin typeface="Times New Roman" panose="02020603050405020304" pitchFamily="18" charset="0"/>
               <a:cs typeface="Times New Roman" panose="02020603050405020304" pitchFamily="18" charset="0"/>
             </a:endParaRPr>
